--- a/Proyecto web.pptx
+++ b/Proyecto web.pptx
@@ -7,12 +7,15 @@
   <p:sldIdLst>
     <p:sldId id="257" r:id="rId5"/>
     <p:sldId id="258" r:id="rId6"/>
-    <p:sldId id="259" r:id="rId7"/>
-    <p:sldId id="260" r:id="rId8"/>
-    <p:sldId id="261" r:id="rId9"/>
-    <p:sldId id="262" r:id="rId10"/>
-    <p:sldId id="263" r:id="rId11"/>
-    <p:sldId id="264" r:id="rId12"/>
+    <p:sldId id="266" r:id="rId7"/>
+    <p:sldId id="259" r:id="rId8"/>
+    <p:sldId id="267" r:id="rId9"/>
+    <p:sldId id="268" r:id="rId10"/>
+    <p:sldId id="260" r:id="rId11"/>
+    <p:sldId id="261" r:id="rId12"/>
+    <p:sldId id="262" r:id="rId13"/>
+    <p:sldId id="263" r:id="rId14"/>
+    <p:sldId id="264" r:id="rId15"/>
   </p:sldIdLst>
   <p:sldSz cx="12192000" cy="6858000"/>
   <p:notesSz cx="6858000" cy="9144000"/>
@@ -1295,6 +1298,13 @@
         </dgm:presLayoutVars>
       </dgm:prSet>
       <dgm:spPr/>
+      <dgm:t>
+        <a:bodyPr/>
+        <a:lstStyle/>
+        <a:p>
+          <a:endParaRPr lang="es-ES"/>
+        </a:p>
+      </dgm:t>
     </dgm:pt>
     <dgm:pt modelId="{156B7691-10A5-4F5A-B878-05B0CBE437AD}" type="pres">
       <dgm:prSet presAssocID="{41E6BC16-1791-49C0-96D8-3A8BAF30D9E3}" presName="node" presStyleLbl="node1" presStyleIdx="0" presStyleCnt="11">
@@ -1303,6 +1313,13 @@
         </dgm:presLayoutVars>
       </dgm:prSet>
       <dgm:spPr/>
+      <dgm:t>
+        <a:bodyPr/>
+        <a:lstStyle/>
+        <a:p>
+          <a:endParaRPr lang="es-ES"/>
+        </a:p>
+      </dgm:t>
     </dgm:pt>
     <dgm:pt modelId="{2C8A181C-DD0A-4BE5-8262-32027670F029}" type="pres">
       <dgm:prSet presAssocID="{F57E88C0-CDD2-4229-96EA-6A29DC31414B}" presName="sibTrans" presStyleCnt="0"/>
@@ -1315,6 +1332,13 @@
         </dgm:presLayoutVars>
       </dgm:prSet>
       <dgm:spPr/>
+      <dgm:t>
+        <a:bodyPr/>
+        <a:lstStyle/>
+        <a:p>
+          <a:endParaRPr lang="es-ES"/>
+        </a:p>
+      </dgm:t>
     </dgm:pt>
     <dgm:pt modelId="{1FF3D140-4886-4F50-985F-5D81A1CAAE02}" type="pres">
       <dgm:prSet presAssocID="{90D8F3CF-EBB5-449C-90A2-9EC70773C286}" presName="sibTrans" presStyleCnt="0"/>
@@ -1327,6 +1351,13 @@
         </dgm:presLayoutVars>
       </dgm:prSet>
       <dgm:spPr/>
+      <dgm:t>
+        <a:bodyPr/>
+        <a:lstStyle/>
+        <a:p>
+          <a:endParaRPr lang="es-ES"/>
+        </a:p>
+      </dgm:t>
     </dgm:pt>
     <dgm:pt modelId="{5190F123-CDE3-4A02-A984-54637F75CB7F}" type="pres">
       <dgm:prSet presAssocID="{C35E380A-55D1-4B54-B483-3DE5FE0F23A1}" presName="sibTrans" presStyleCnt="0"/>
@@ -1339,6 +1370,13 @@
         </dgm:presLayoutVars>
       </dgm:prSet>
       <dgm:spPr/>
+      <dgm:t>
+        <a:bodyPr/>
+        <a:lstStyle/>
+        <a:p>
+          <a:endParaRPr lang="es-ES"/>
+        </a:p>
+      </dgm:t>
     </dgm:pt>
     <dgm:pt modelId="{181FF864-6AEB-4839-B662-97FFF5C9CEBE}" type="pres">
       <dgm:prSet presAssocID="{D919F0B5-0079-4022-A8EC-7D765F573643}" presName="sibTrans" presStyleCnt="0"/>
@@ -1351,6 +1389,13 @@
         </dgm:presLayoutVars>
       </dgm:prSet>
       <dgm:spPr/>
+      <dgm:t>
+        <a:bodyPr/>
+        <a:lstStyle/>
+        <a:p>
+          <a:endParaRPr lang="es-ES"/>
+        </a:p>
+      </dgm:t>
     </dgm:pt>
     <dgm:pt modelId="{E7C13AB2-B283-43D8-AA2B-797EB7868CF7}" type="pres">
       <dgm:prSet presAssocID="{621F205F-6B5B-4474-AE0B-5D6FD42317DB}" presName="sibTrans" presStyleCnt="0"/>
@@ -1363,6 +1408,13 @@
         </dgm:presLayoutVars>
       </dgm:prSet>
       <dgm:spPr/>
+      <dgm:t>
+        <a:bodyPr/>
+        <a:lstStyle/>
+        <a:p>
+          <a:endParaRPr lang="es-ES"/>
+        </a:p>
+      </dgm:t>
     </dgm:pt>
     <dgm:pt modelId="{87E5A2AD-5860-422A-B7A3-299395FEF7D3}" type="pres">
       <dgm:prSet presAssocID="{1D1E0E63-E35A-4CFE-B152-3CE7C7F8772B}" presName="sibTrans" presStyleCnt="0"/>
@@ -1375,6 +1427,13 @@
         </dgm:presLayoutVars>
       </dgm:prSet>
       <dgm:spPr/>
+      <dgm:t>
+        <a:bodyPr/>
+        <a:lstStyle/>
+        <a:p>
+          <a:endParaRPr lang="es-ES"/>
+        </a:p>
+      </dgm:t>
     </dgm:pt>
     <dgm:pt modelId="{9ECE16D4-4C80-4CD3-96C1-1E2733216929}" type="pres">
       <dgm:prSet presAssocID="{84A19983-2B23-434A-8AE1-B49276BC3D71}" presName="sibTrans" presStyleCnt="0"/>
@@ -1387,6 +1446,13 @@
         </dgm:presLayoutVars>
       </dgm:prSet>
       <dgm:spPr/>
+      <dgm:t>
+        <a:bodyPr/>
+        <a:lstStyle/>
+        <a:p>
+          <a:endParaRPr lang="es-ES"/>
+        </a:p>
+      </dgm:t>
     </dgm:pt>
     <dgm:pt modelId="{BE538007-EF3C-46D4-BDEF-0BCCCB82FF49}" type="pres">
       <dgm:prSet presAssocID="{609C5447-34CA-427C-908E-1E1EEB35B5A4}" presName="sibTrans" presStyleCnt="0"/>
@@ -1399,6 +1465,13 @@
         </dgm:presLayoutVars>
       </dgm:prSet>
       <dgm:spPr/>
+      <dgm:t>
+        <a:bodyPr/>
+        <a:lstStyle/>
+        <a:p>
+          <a:endParaRPr lang="es-ES"/>
+        </a:p>
+      </dgm:t>
     </dgm:pt>
     <dgm:pt modelId="{F75BE334-7384-4B7C-A233-083F1D8EBB07}" type="pres">
       <dgm:prSet presAssocID="{BD0CA7EC-125A-4969-B576-09E980E9E364}" presName="sibTrans" presStyleCnt="0"/>
@@ -1411,6 +1484,13 @@
         </dgm:presLayoutVars>
       </dgm:prSet>
       <dgm:spPr/>
+      <dgm:t>
+        <a:bodyPr/>
+        <a:lstStyle/>
+        <a:p>
+          <a:endParaRPr lang="es-ES"/>
+        </a:p>
+      </dgm:t>
     </dgm:pt>
     <dgm:pt modelId="{9491B674-A818-4188-9F7B-4E66F6138532}" type="pres">
       <dgm:prSet presAssocID="{E0CB8339-901D-4321-9D06-909864AA52B5}" presName="sibTrans" presStyleCnt="0"/>
@@ -1423,32 +1503,39 @@
         </dgm:presLayoutVars>
       </dgm:prSet>
       <dgm:spPr/>
+      <dgm:t>
+        <a:bodyPr/>
+        <a:lstStyle/>
+        <a:p>
+          <a:endParaRPr lang="es-ES"/>
+        </a:p>
+      </dgm:t>
     </dgm:pt>
   </dgm:ptLst>
   <dgm:cxnLst>
-    <dgm:cxn modelId="{43085F00-D774-4DDC-92E3-F8136ADA115C}" type="presOf" srcId="{E65D7A7D-6C71-4BAB-953B-919B3CF75C04}" destId="{D64AD8A3-0F34-42AD-811C-2C5DAAF43D33}" srcOrd="0" destOrd="0" presId="urn:microsoft.com/office/officeart/2005/8/layout/default"/>
+    <dgm:cxn modelId="{9BA526B8-C6EB-4C70-9CA5-D9A56209175A}" srcId="{6D014B95-78C3-4DD1-9E22-6F55D53B7639}" destId="{AEF604D9-D905-4156-AF10-D24731BCBA7E}" srcOrd="10" destOrd="0" parTransId="{D82FBDC5-230B-403D-BBA1-9B2AC137BC81}" sibTransId="{55C7F52C-BE87-4877-A6F4-6EEBA92ADB43}"/>
+    <dgm:cxn modelId="{34FCBAD3-206D-4926-BD23-5E6BDC7EDC41}" srcId="{6D014B95-78C3-4DD1-9E22-6F55D53B7639}" destId="{5E7B26C3-33AF-4F0A-87E5-14AC389E34B5}" srcOrd="3" destOrd="0" parTransId="{98AD5923-2E03-4629-953B-F9B7E31DA448}" sibTransId="{D919F0B5-0079-4022-A8EC-7D765F573643}"/>
+    <dgm:cxn modelId="{E4033C2A-56C8-4541-91AE-5A918E5A12CD}" type="presOf" srcId="{CDCBF174-A40A-4B0D-B918-68074F6152A9}" destId="{181F82A5-0144-4A02-AF75-BCA9421658C1}" srcOrd="0" destOrd="0" presId="urn:microsoft.com/office/officeart/2005/8/layout/default"/>
+    <dgm:cxn modelId="{099696F7-8977-443F-A176-DE33B4B7FCF2}" type="presOf" srcId="{4C49468D-649D-4132-8C17-5A44E945CBBE}" destId="{EF7F9994-2950-4111-A3DE-8795CDFADC73}" srcOrd="0" destOrd="0" presId="urn:microsoft.com/office/officeart/2005/8/layout/default"/>
+    <dgm:cxn modelId="{857445E0-A219-4C16-9E50-B03EA25D1D5E}" type="presOf" srcId="{2AF1A0FF-2E20-41D4-89C7-1149EE5ABA05}" destId="{96EA4D7D-B52C-4AFC-8ECE-C104F2B5B59E}" srcOrd="0" destOrd="0" presId="urn:microsoft.com/office/officeart/2005/8/layout/default"/>
+    <dgm:cxn modelId="{A6372B7A-097A-4A50-BEB7-42F28EF4CE2B}" srcId="{6D014B95-78C3-4DD1-9E22-6F55D53B7639}" destId="{2AF1A0FF-2E20-41D4-89C7-1149EE5ABA05}" srcOrd="2" destOrd="0" parTransId="{C206DC1D-6883-4767-A3FC-FE8DA9ECD0DE}" sibTransId="{C35E380A-55D1-4B54-B483-3DE5FE0F23A1}"/>
+    <dgm:cxn modelId="{7A607711-86C9-4213-B65C-98A1716DD1D4}" srcId="{6D014B95-78C3-4DD1-9E22-6F55D53B7639}" destId="{04A5893E-E859-4586-8F4D-5B59ADB3ED0D}" srcOrd="9" destOrd="0" parTransId="{493FD5CB-995C-461C-A4D6-F4A817740C3D}" sibTransId="{E0CB8339-901D-4321-9D06-909864AA52B5}"/>
+    <dgm:cxn modelId="{9CD49A45-E9E5-44A6-8EB6-47E2B7B8242B}" type="presOf" srcId="{5E7B26C3-33AF-4F0A-87E5-14AC389E34B5}" destId="{FB533F7C-A19D-4331-BF1B-47C59B1FE14A}" srcOrd="0" destOrd="0" presId="urn:microsoft.com/office/officeart/2005/8/layout/default"/>
+    <dgm:cxn modelId="{921BB088-F334-4D07-BE60-42518528B613}" type="presOf" srcId="{04A5893E-E859-4586-8F4D-5B59ADB3ED0D}" destId="{99D9B463-8F7B-41CA-A952-01708F69F083}" srcOrd="0" destOrd="0" presId="urn:microsoft.com/office/officeart/2005/8/layout/default"/>
     <dgm:cxn modelId="{7BB5B905-4279-4384-9147-B020275CA75D}" type="presOf" srcId="{B22151EE-C76A-4CAC-88B7-FBD273CAA1B8}" destId="{94174046-75B2-4712-ABE1-DA9084D476B1}" srcOrd="0" destOrd="0" presId="urn:microsoft.com/office/officeart/2005/8/layout/default"/>
-    <dgm:cxn modelId="{7A607711-86C9-4213-B65C-98A1716DD1D4}" srcId="{6D014B95-78C3-4DD1-9E22-6F55D53B7639}" destId="{04A5893E-E859-4586-8F4D-5B59ADB3ED0D}" srcOrd="9" destOrd="0" parTransId="{493FD5CB-995C-461C-A4D6-F4A817740C3D}" sibTransId="{E0CB8339-901D-4321-9D06-909864AA52B5}"/>
+    <dgm:cxn modelId="{E5CF3915-E329-447B-8F0F-2DF4E513E5BA}" type="presOf" srcId="{9E23236B-8FC5-4711-A0FB-99F0C2BFFD3A}" destId="{E157332E-C8C8-40A0-AB9E-068FC87B34AE}" srcOrd="0" destOrd="0" presId="urn:microsoft.com/office/officeart/2005/8/layout/default"/>
+    <dgm:cxn modelId="{D04EC180-E938-4887-8D3F-D0FD6B9469FD}" type="presOf" srcId="{6D014B95-78C3-4DD1-9E22-6F55D53B7639}" destId="{88E7FC0F-1646-4212-B776-FFEF748B72AA}" srcOrd="0" destOrd="0" presId="urn:microsoft.com/office/officeart/2005/8/layout/default"/>
     <dgm:cxn modelId="{64ECC512-779E-4E03-AEEA-2998E13EED5A}" srcId="{6D014B95-78C3-4DD1-9E22-6F55D53B7639}" destId="{9E23236B-8FC5-4711-A0FB-99F0C2BFFD3A}" srcOrd="7" destOrd="0" parTransId="{C3995D87-5A84-44DC-A6AE-0579B03665F1}" sibTransId="{609C5447-34CA-427C-908E-1E1EEB35B5A4}"/>
-    <dgm:cxn modelId="{E5CF3915-E329-447B-8F0F-2DF4E513E5BA}" type="presOf" srcId="{9E23236B-8FC5-4711-A0FB-99F0C2BFFD3A}" destId="{E157332E-C8C8-40A0-AB9E-068FC87B34AE}" srcOrd="0" destOrd="0" presId="urn:microsoft.com/office/officeart/2005/8/layout/default"/>
     <dgm:cxn modelId="{6C2CDB23-B75D-42C7-87DF-522649C9275F}" srcId="{6D014B95-78C3-4DD1-9E22-6F55D53B7639}" destId="{E65D7A7D-6C71-4BAB-953B-919B3CF75C04}" srcOrd="8" destOrd="0" parTransId="{34C4BF66-2910-461A-9FA7-991592345F20}" sibTransId="{BD0CA7EC-125A-4969-B576-09E980E9E364}"/>
     <dgm:cxn modelId="{335BB025-B4ED-44B0-A67A-0D5F15056BAB}" type="presOf" srcId="{41E6BC16-1791-49C0-96D8-3A8BAF30D9E3}" destId="{156B7691-10A5-4F5A-B878-05B0CBE437AD}" srcOrd="0" destOrd="0" presId="urn:microsoft.com/office/officeart/2005/8/layout/default"/>
-    <dgm:cxn modelId="{E4033C2A-56C8-4541-91AE-5A918E5A12CD}" type="presOf" srcId="{CDCBF174-A40A-4B0D-B918-68074F6152A9}" destId="{181F82A5-0144-4A02-AF75-BCA9421658C1}" srcOrd="0" destOrd="0" presId="urn:microsoft.com/office/officeart/2005/8/layout/default"/>
-    <dgm:cxn modelId="{97AF7C40-5200-4F00-A4C7-1C441AFE8314}" type="presOf" srcId="{AEF604D9-D905-4156-AF10-D24731BCBA7E}" destId="{66682D51-639B-4478-978F-A32A99E3B29C}" srcOrd="0" destOrd="0" presId="urn:microsoft.com/office/officeart/2005/8/layout/default"/>
+    <dgm:cxn modelId="{F256F3D9-C2C3-4CDE-B75E-5F667541D5D4}" type="presOf" srcId="{D5159F5A-0065-4BD3-BEF1-63471C6DCA51}" destId="{E6221E62-CEBF-4D58-8151-DE29BB7E7E7E}" srcOrd="0" destOrd="0" presId="urn:microsoft.com/office/officeart/2005/8/layout/default"/>
     <dgm:cxn modelId="{364DFF40-C5FA-4EB7-8921-B165CA9A808B}" srcId="{6D014B95-78C3-4DD1-9E22-6F55D53B7639}" destId="{D5159F5A-0065-4BD3-BEF1-63471C6DCA51}" srcOrd="5" destOrd="0" parTransId="{AB39300E-598B-4FC8-9856-2745ADFE8539}" sibTransId="{1D1E0E63-E35A-4CFE-B152-3CE7C7F8772B}"/>
-    <dgm:cxn modelId="{9CD49A45-E9E5-44A6-8EB6-47E2B7B8242B}" type="presOf" srcId="{5E7B26C3-33AF-4F0A-87E5-14AC389E34B5}" destId="{FB533F7C-A19D-4331-BF1B-47C59B1FE14A}" srcOrd="0" destOrd="0" presId="urn:microsoft.com/office/officeart/2005/8/layout/default"/>
     <dgm:cxn modelId="{09CB7C67-1156-4424-B66F-C9221954A8E1}" srcId="{6D014B95-78C3-4DD1-9E22-6F55D53B7639}" destId="{41E6BC16-1791-49C0-96D8-3A8BAF30D9E3}" srcOrd="0" destOrd="0" parTransId="{638B38B9-013F-4F94-822A-D9A56EAFE9AD}" sibTransId="{F57E88C0-CDD2-4229-96EA-6A29DC31414B}"/>
     <dgm:cxn modelId="{65131478-8646-4741-8951-6A81E51B2205}" srcId="{6D014B95-78C3-4DD1-9E22-6F55D53B7639}" destId="{B22151EE-C76A-4CAC-88B7-FBD273CAA1B8}" srcOrd="1" destOrd="0" parTransId="{B6E622D2-6C26-446F-B6BD-230FDAEB6AB0}" sibTransId="{90D8F3CF-EBB5-449C-90A2-9EC70773C286}"/>
-    <dgm:cxn modelId="{A6372B7A-097A-4A50-BEB7-42F28EF4CE2B}" srcId="{6D014B95-78C3-4DD1-9E22-6F55D53B7639}" destId="{2AF1A0FF-2E20-41D4-89C7-1149EE5ABA05}" srcOrd="2" destOrd="0" parTransId="{C206DC1D-6883-4767-A3FC-FE8DA9ECD0DE}" sibTransId="{C35E380A-55D1-4B54-B483-3DE5FE0F23A1}"/>
-    <dgm:cxn modelId="{D04EC180-E938-4887-8D3F-D0FD6B9469FD}" type="presOf" srcId="{6D014B95-78C3-4DD1-9E22-6F55D53B7639}" destId="{88E7FC0F-1646-4212-B776-FFEF748B72AA}" srcOrd="0" destOrd="0" presId="urn:microsoft.com/office/officeart/2005/8/layout/default"/>
-    <dgm:cxn modelId="{921BB088-F334-4D07-BE60-42518528B613}" type="presOf" srcId="{04A5893E-E859-4586-8F4D-5B59ADB3ED0D}" destId="{99D9B463-8F7B-41CA-A952-01708F69F083}" srcOrd="0" destOrd="0" presId="urn:microsoft.com/office/officeart/2005/8/layout/default"/>
-    <dgm:cxn modelId="{9BA526B8-C6EB-4C70-9CA5-D9A56209175A}" srcId="{6D014B95-78C3-4DD1-9E22-6F55D53B7639}" destId="{AEF604D9-D905-4156-AF10-D24731BCBA7E}" srcOrd="10" destOrd="0" parTransId="{D82FBDC5-230B-403D-BBA1-9B2AC137BC81}" sibTransId="{55C7F52C-BE87-4877-A6F4-6EEBA92ADB43}"/>
+    <dgm:cxn modelId="{43085F00-D774-4DDC-92E3-F8136ADA115C}" type="presOf" srcId="{E65D7A7D-6C71-4BAB-953B-919B3CF75C04}" destId="{D64AD8A3-0F34-42AD-811C-2C5DAAF43D33}" srcOrd="0" destOrd="0" presId="urn:microsoft.com/office/officeart/2005/8/layout/default"/>
+    <dgm:cxn modelId="{02F87BFD-D204-4922-9DAD-2A328BABCCA2}" srcId="{6D014B95-78C3-4DD1-9E22-6F55D53B7639}" destId="{CDCBF174-A40A-4B0D-B918-68074F6152A9}" srcOrd="6" destOrd="0" parTransId="{C17C6BB5-85B8-402A-B3A9-0E829422CB73}" sibTransId="{84A19983-2B23-434A-8AE1-B49276BC3D71}"/>
+    <dgm:cxn modelId="{97AF7C40-5200-4F00-A4C7-1C441AFE8314}" type="presOf" srcId="{AEF604D9-D905-4156-AF10-D24731BCBA7E}" destId="{66682D51-639B-4478-978F-A32A99E3B29C}" srcOrd="0" destOrd="0" presId="urn:microsoft.com/office/officeart/2005/8/layout/default"/>
     <dgm:cxn modelId="{99BADCBA-D3AB-4888-87A3-EDA99C0D4340}" srcId="{6D014B95-78C3-4DD1-9E22-6F55D53B7639}" destId="{4C49468D-649D-4132-8C17-5A44E945CBBE}" srcOrd="4" destOrd="0" parTransId="{C92EFECA-B1CA-4AE3-83F3-0C95CE51C524}" sibTransId="{621F205F-6B5B-4474-AE0B-5D6FD42317DB}"/>
-    <dgm:cxn modelId="{34FCBAD3-206D-4926-BD23-5E6BDC7EDC41}" srcId="{6D014B95-78C3-4DD1-9E22-6F55D53B7639}" destId="{5E7B26C3-33AF-4F0A-87E5-14AC389E34B5}" srcOrd="3" destOrd="0" parTransId="{98AD5923-2E03-4629-953B-F9B7E31DA448}" sibTransId="{D919F0B5-0079-4022-A8EC-7D765F573643}"/>
-    <dgm:cxn modelId="{F256F3D9-C2C3-4CDE-B75E-5F667541D5D4}" type="presOf" srcId="{D5159F5A-0065-4BD3-BEF1-63471C6DCA51}" destId="{E6221E62-CEBF-4D58-8151-DE29BB7E7E7E}" srcOrd="0" destOrd="0" presId="urn:microsoft.com/office/officeart/2005/8/layout/default"/>
-    <dgm:cxn modelId="{857445E0-A219-4C16-9E50-B03EA25D1D5E}" type="presOf" srcId="{2AF1A0FF-2E20-41D4-89C7-1149EE5ABA05}" destId="{96EA4D7D-B52C-4AFC-8ECE-C104F2B5B59E}" srcOrd="0" destOrd="0" presId="urn:microsoft.com/office/officeart/2005/8/layout/default"/>
-    <dgm:cxn modelId="{099696F7-8977-443F-A176-DE33B4B7FCF2}" type="presOf" srcId="{4C49468D-649D-4132-8C17-5A44E945CBBE}" destId="{EF7F9994-2950-4111-A3DE-8795CDFADC73}" srcOrd="0" destOrd="0" presId="urn:microsoft.com/office/officeart/2005/8/layout/default"/>
-    <dgm:cxn modelId="{02F87BFD-D204-4922-9DAD-2A328BABCCA2}" srcId="{6D014B95-78C3-4DD1-9E22-6F55D53B7639}" destId="{CDCBF174-A40A-4B0D-B918-68074F6152A9}" srcOrd="6" destOrd="0" parTransId="{C17C6BB5-85B8-402A-B3A9-0E829422CB73}" sibTransId="{84A19983-2B23-434A-8AE1-B49276BC3D71}"/>
     <dgm:cxn modelId="{89427894-5568-4F81-BDAE-BEB9C67BB46E}" type="presParOf" srcId="{88E7FC0F-1646-4212-B776-FFEF748B72AA}" destId="{156B7691-10A5-4F5A-B878-05B0CBE437AD}" srcOrd="0" destOrd="0" presId="urn:microsoft.com/office/officeart/2005/8/layout/default"/>
     <dgm:cxn modelId="{D546CB01-C710-465B-A223-7F616C3C005D}" type="presParOf" srcId="{88E7FC0F-1646-4212-B776-FFEF748B72AA}" destId="{2C8A181C-DD0A-4BE5-8262-32027670F029}" srcOrd="1" destOrd="0" presId="urn:microsoft.com/office/officeart/2005/8/layout/default"/>
     <dgm:cxn modelId="{F4C800B4-1D3D-48B7-8049-46FF5CF81421}" type="presParOf" srcId="{88E7FC0F-1646-4212-B776-FFEF748B72AA}" destId="{94174046-75B2-4712-ABE1-DA9084D476B1}" srcOrd="2" destOrd="0" presId="urn:microsoft.com/office/officeart/2005/8/layout/default"/>
@@ -1543,7 +1630,7 @@
         </a:bodyPr>
         <a:lstStyle/>
         <a:p>
-          <a:pPr marL="0" lvl="0" indent="0" algn="ctr" defTabSz="355600">
+          <a:pPr lvl="0" algn="ctr" defTabSz="355600">
             <a:lnSpc>
               <a:spcPct val="90000"/>
             </a:lnSpc>
@@ -1553,7 +1640,6 @@
             <a:spcAft>
               <a:spcPct val="35000"/>
             </a:spcAft>
-            <a:buNone/>
           </a:pPr>
           <a:r>
             <a:rPr lang="es-MX" sz="800" kern="1200"/>
@@ -1621,7 +1707,7 @@
         </a:bodyPr>
         <a:lstStyle/>
         <a:p>
-          <a:pPr marL="0" lvl="0" indent="0" algn="ctr" defTabSz="355600">
+          <a:pPr lvl="0" algn="ctr" defTabSz="355600">
             <a:lnSpc>
               <a:spcPct val="90000"/>
             </a:lnSpc>
@@ -1631,7 +1717,6 @@
             <a:spcAft>
               <a:spcPct val="35000"/>
             </a:spcAft>
-            <a:buNone/>
           </a:pPr>
           <a:r>
             <a:rPr lang="es-MX" sz="800" kern="1200"/>
@@ -1699,7 +1784,7 @@
         </a:bodyPr>
         <a:lstStyle/>
         <a:p>
-          <a:pPr marL="0" lvl="0" indent="0" algn="ctr" defTabSz="355600">
+          <a:pPr lvl="0" algn="ctr" defTabSz="355600">
             <a:lnSpc>
               <a:spcPct val="90000"/>
             </a:lnSpc>
@@ -1709,7 +1794,6 @@
             <a:spcAft>
               <a:spcPct val="35000"/>
             </a:spcAft>
-            <a:buNone/>
           </a:pPr>
           <a:r>
             <a:rPr lang="es-MX" sz="800" kern="1200"/>
@@ -1777,7 +1861,7 @@
         </a:bodyPr>
         <a:lstStyle/>
         <a:p>
-          <a:pPr marL="0" lvl="0" indent="0" algn="ctr" defTabSz="355600">
+          <a:pPr lvl="0" algn="ctr" defTabSz="355600">
             <a:lnSpc>
               <a:spcPct val="90000"/>
             </a:lnSpc>
@@ -1787,7 +1871,6 @@
             <a:spcAft>
               <a:spcPct val="35000"/>
             </a:spcAft>
-            <a:buNone/>
           </a:pPr>
           <a:r>
             <a:rPr lang="es-MX" sz="800" kern="1200"/>
@@ -1855,7 +1938,7 @@
         </a:bodyPr>
         <a:lstStyle/>
         <a:p>
-          <a:pPr marL="0" lvl="0" indent="0" algn="ctr" defTabSz="355600">
+          <a:pPr lvl="0" algn="ctr" defTabSz="355600">
             <a:lnSpc>
               <a:spcPct val="90000"/>
             </a:lnSpc>
@@ -1865,7 +1948,6 @@
             <a:spcAft>
               <a:spcPct val="35000"/>
             </a:spcAft>
-            <a:buNone/>
           </a:pPr>
           <a:r>
             <a:rPr lang="es-MX" sz="800" kern="1200"/>
@@ -1933,7 +2015,7 @@
         </a:bodyPr>
         <a:lstStyle/>
         <a:p>
-          <a:pPr marL="0" lvl="0" indent="0" algn="ctr" defTabSz="355600">
+          <a:pPr lvl="0" algn="ctr" defTabSz="355600">
             <a:lnSpc>
               <a:spcPct val="90000"/>
             </a:lnSpc>
@@ -1943,7 +2025,6 @@
             <a:spcAft>
               <a:spcPct val="35000"/>
             </a:spcAft>
-            <a:buNone/>
           </a:pPr>
           <a:r>
             <a:rPr lang="es-MX" sz="800" kern="1200"/>
@@ -2011,7 +2092,7 @@
         </a:bodyPr>
         <a:lstStyle/>
         <a:p>
-          <a:pPr marL="0" lvl="0" indent="0" algn="ctr" defTabSz="355600">
+          <a:pPr lvl="0" algn="ctr" defTabSz="355600">
             <a:lnSpc>
               <a:spcPct val="90000"/>
             </a:lnSpc>
@@ -2021,7 +2102,6 @@
             <a:spcAft>
               <a:spcPct val="35000"/>
             </a:spcAft>
-            <a:buNone/>
           </a:pPr>
           <a:r>
             <a:rPr lang="es-MX" sz="800" kern="1200"/>
@@ -2089,7 +2169,7 @@
         </a:bodyPr>
         <a:lstStyle/>
         <a:p>
-          <a:pPr marL="0" lvl="0" indent="0" algn="ctr" defTabSz="355600">
+          <a:pPr lvl="0" algn="ctr" defTabSz="355600">
             <a:lnSpc>
               <a:spcPct val="90000"/>
             </a:lnSpc>
@@ -2099,7 +2179,6 @@
             <a:spcAft>
               <a:spcPct val="35000"/>
             </a:spcAft>
-            <a:buNone/>
           </a:pPr>
           <a:r>
             <a:rPr lang="es-MX" sz="800" kern="1200"/>
@@ -2167,7 +2246,7 @@
         </a:bodyPr>
         <a:lstStyle/>
         <a:p>
-          <a:pPr marL="0" lvl="0" indent="0" algn="ctr" defTabSz="355600">
+          <a:pPr lvl="0" algn="ctr" defTabSz="355600">
             <a:lnSpc>
               <a:spcPct val="90000"/>
             </a:lnSpc>
@@ -2177,7 +2256,6 @@
             <a:spcAft>
               <a:spcPct val="35000"/>
             </a:spcAft>
-            <a:buNone/>
           </a:pPr>
           <a:r>
             <a:rPr lang="es-MX" sz="800" kern="1200"/>
@@ -2245,7 +2323,7 @@
         </a:bodyPr>
         <a:lstStyle/>
         <a:p>
-          <a:pPr marL="0" lvl="0" indent="0" algn="ctr" defTabSz="355600">
+          <a:pPr lvl="0" algn="ctr" defTabSz="355600">
             <a:lnSpc>
               <a:spcPct val="90000"/>
             </a:lnSpc>
@@ -2255,7 +2333,6 @@
             <a:spcAft>
               <a:spcPct val="35000"/>
             </a:spcAft>
-            <a:buNone/>
           </a:pPr>
           <a:r>
             <a:rPr lang="es-MX" sz="800" kern="1200"/>
@@ -2323,7 +2400,7 @@
         </a:bodyPr>
         <a:lstStyle/>
         <a:p>
-          <a:pPr marL="0" lvl="0" indent="0" algn="ctr" defTabSz="355600">
+          <a:pPr lvl="0" algn="ctr" defTabSz="355600">
             <a:lnSpc>
               <a:spcPct val="90000"/>
             </a:lnSpc>
@@ -2333,7 +2410,6 @@
             <a:spcAft>
               <a:spcPct val="35000"/>
             </a:spcAft>
-            <a:buNone/>
           </a:pPr>
           <a:r>
             <a:rPr lang="es-MX" sz="800" kern="1200"/>
@@ -16762,7 +16838,7 @@
                 <a16:creationId xmlns:a16="http://schemas.microsoft.com/office/drawing/2014/main" id="{2B65E6B8-0D17-4912-97E4-60B47A511133}"/>
               </a:ext>
               <a:ext uri="{C183D7F6-B498-43B3-948B-1728B52AA6E4}">
-                <adec:decorative xmlns:adec="http://schemas.microsoft.com/office/drawing/2017/decorative" val="1"/>
+                <adec:decorative xmlns:adec="http://schemas.microsoft.com/office/drawing/2017/decorative" xmlns="" val="1"/>
               </a:ext>
             </a:extLst>
           </p:cNvPr>
@@ -16925,6 +17001,2581 @@
   <p:clrMapOvr>
     <a:overrideClrMapping bg1="dk1" tx1="lt1" bg2="dk2" tx2="lt2" accent1="accent1" accent2="accent2" accent3="accent3" accent4="accent4" accent5="accent5" accent6="accent6" hlink="hlink" folHlink="folHlink"/>
   </p:clrMapOvr>
+</p:sld>
+</file>
+
+<file path=ppt/slides/slide10.xml><?xml version="1.0" encoding="utf-8"?>
+<p:sld xmlns:a="http://schemas.openxmlformats.org/drawingml/2006/main" xmlns:r="http://schemas.openxmlformats.org/officeDocument/2006/relationships" xmlns:p="http://schemas.openxmlformats.org/presentationml/2006/main">
+  <p:cSld>
+    <p:bg>
+      <p:bgPr>
+        <a:solidFill>
+          <a:schemeClr val="bg1"/>
+        </a:solidFill>
+        <a:effectLst/>
+      </p:bgPr>
+    </p:bg>
+    <p:spTree>
+      <p:nvGrpSpPr>
+        <p:cNvPr id="1" name=""/>
+        <p:cNvGrpSpPr/>
+        <p:nvPr/>
+      </p:nvGrpSpPr>
+      <p:grpSpPr>
+        <a:xfrm>
+          <a:off x="0" y="0"/>
+          <a:ext cx="0" cy="0"/>
+          <a:chOff x="0" y="0"/>
+          <a:chExt cx="0" cy="0"/>
+        </a:xfrm>
+      </p:grpSpPr>
+      <p:grpSp>
+        <p:nvGrpSpPr>
+          <p:cNvPr id="125" name="Group 124">
+            <a:extLst>
+              <a:ext uri="{FF2B5EF4-FFF2-40B4-BE49-F238E27FC236}">
+                <a16:creationId xmlns:a16="http://schemas.microsoft.com/office/drawing/2014/main" id="{ACCC08F4-6649-4752-A49D-EC2C8E965620}"/>
+              </a:ext>
+              <a:ext uri="{C183D7F6-B498-43B3-948B-1728B52AA6E4}">
+                <adec:decorative xmlns:adec="http://schemas.microsoft.com/office/drawing/2017/decorative" xmlns="" val="1"/>
+              </a:ext>
+            </a:extLst>
+          </p:cNvPr>
+          <p:cNvGrpSpPr>
+            <a:grpSpLocks noGrp="1" noUngrp="1" noRot="1" noChangeAspect="1" noMove="1" noResize="1"/>
+          </p:cNvGrpSpPr>
+          <p:nvPr>
+            <p:extLst>
+              <p:ext uri="{386F3935-93C4-4BCD-93E2-E3B085C9AB24}">
+                <p16:designElem xmlns:p16="http://schemas.microsoft.com/office/powerpoint/2015/main" val="1"/>
+              </p:ext>
+            </p:extLst>
+          </p:nvPr>
+        </p:nvGrpSpPr>
+        <p:grpSpPr>
+          <a:xfrm>
+            <a:off x="0" y="0"/>
+            <a:ext cx="12192000" cy="6858000"/>
+            <a:chOff x="0" y="0"/>
+            <a:chExt cx="12192000" cy="6858000"/>
+          </a:xfrm>
+        </p:grpSpPr>
+        <p:sp>
+          <p:nvSpPr>
+            <p:cNvPr id="126" name="Rectangle 125">
+              <a:extLst>
+                <a:ext uri="{FF2B5EF4-FFF2-40B4-BE49-F238E27FC236}">
+                  <a16:creationId xmlns:a16="http://schemas.microsoft.com/office/drawing/2014/main" id="{DCCBFAE1-A7B8-4741-A1BD-1D22BE1B96EB}"/>
+                </a:ext>
+                <a:ext uri="{C183D7F6-B498-43B3-948B-1728B52AA6E4}">
+                  <adec:decorative xmlns:adec="http://schemas.microsoft.com/office/drawing/2017/decorative" xmlns="" val="1"/>
+                </a:ext>
+              </a:extLst>
+            </p:cNvPr>
+            <p:cNvSpPr/>
+            <p:nvPr>
+              <p:extLst>
+                <p:ext uri="{386F3935-93C4-4BCD-93E2-E3B085C9AB24}">
+                  <p16:designElem xmlns:p16="http://schemas.microsoft.com/office/powerpoint/2015/main" val="1"/>
+                </p:ext>
+              </p:extLst>
+            </p:nvPr>
+          </p:nvSpPr>
+          <p:spPr>
+            <a:xfrm>
+              <a:off x="0" y="0"/>
+              <a:ext cx="12192000" cy="6858000"/>
+            </a:xfrm>
+            <a:prstGeom prst="rect">
+              <a:avLst/>
+            </a:prstGeom>
+            <a:blipFill>
+              <a:blip r:embed="rId2">
+                <a:duotone>
+                  <a:schemeClr val="dk2">
+                    <a:shade val="69000"/>
+                    <a:hueMod val="91000"/>
+                    <a:satMod val="164000"/>
+                    <a:lumMod val="74000"/>
+                  </a:schemeClr>
+                  <a:schemeClr val="dk2">
+                    <a:hueMod val="124000"/>
+                    <a:satMod val="140000"/>
+                    <a:lumMod val="142000"/>
+                  </a:schemeClr>
+                </a:duotone>
+              </a:blip>
+              <a:stretch>
+                <a:fillRect/>
+              </a:stretch>
+            </a:blipFill>
+            <a:ln>
+              <a:noFill/>
+            </a:ln>
+          </p:spPr>
+          <p:style>
+            <a:lnRef idx="2">
+              <a:schemeClr val="accent1">
+                <a:shade val="50000"/>
+              </a:schemeClr>
+            </a:lnRef>
+            <a:fillRef idx="1">
+              <a:schemeClr val="accent1"/>
+            </a:fillRef>
+            <a:effectRef idx="0">
+              <a:schemeClr val="accent1"/>
+            </a:effectRef>
+            <a:fontRef idx="minor">
+              <a:schemeClr val="lt1"/>
+            </a:fontRef>
+          </p:style>
+          <p:txBody>
+            <a:bodyPr/>
+            <a:lstStyle/>
+            <a:p>
+              <a:endParaRPr lang="es-419"/>
+            </a:p>
+          </p:txBody>
+        </p:sp>
+        <p:sp>
+          <p:nvSpPr>
+            <p:cNvPr id="127" name="Oval 126">
+              <a:extLst>
+                <a:ext uri="{FF2B5EF4-FFF2-40B4-BE49-F238E27FC236}">
+                  <a16:creationId xmlns:a16="http://schemas.microsoft.com/office/drawing/2014/main" id="{A8DFBA0E-2986-4121-92BD-9ADBE9F79485}"/>
+                </a:ext>
+                <a:ext uri="{C183D7F6-B498-43B3-948B-1728B52AA6E4}">
+                  <adec:decorative xmlns:adec="http://schemas.microsoft.com/office/drawing/2017/decorative" xmlns="" val="1"/>
+                </a:ext>
+              </a:extLst>
+            </p:cNvPr>
+            <p:cNvSpPr/>
+            <p:nvPr>
+              <p:extLst>
+                <p:ext uri="{386F3935-93C4-4BCD-93E2-E3B085C9AB24}">
+                  <p16:designElem xmlns:p16="http://schemas.microsoft.com/office/powerpoint/2015/main" val="1"/>
+                </p:ext>
+              </p:extLst>
+            </p:nvPr>
+          </p:nvSpPr>
+          <p:spPr>
+            <a:xfrm>
+              <a:off x="0" y="2667000"/>
+              <a:ext cx="4191000" cy="4191000"/>
+            </a:xfrm>
+            <a:prstGeom prst="ellipse">
+              <a:avLst/>
+            </a:prstGeom>
+            <a:gradFill flip="none" rotWithShape="1">
+              <a:gsLst>
+                <a:gs pos="0">
+                  <a:schemeClr val="accent5">
+                    <a:alpha val="11000"/>
+                  </a:schemeClr>
+                </a:gs>
+                <a:gs pos="75000">
+                  <a:schemeClr val="accent5">
+                    <a:alpha val="0"/>
+                  </a:schemeClr>
+                </a:gs>
+                <a:gs pos="36000">
+                  <a:schemeClr val="accent5">
+                    <a:alpha val="10000"/>
+                  </a:schemeClr>
+                </a:gs>
+              </a:gsLst>
+              <a:path path="circle">
+                <a:fillToRect l="50000" t="50000" r="50000" b="50000"/>
+              </a:path>
+              <a:tileRect/>
+            </a:gradFill>
+            <a:ln>
+              <a:noFill/>
+            </a:ln>
+            <a:effectLst/>
+          </p:spPr>
+          <p:style>
+            <a:lnRef idx="1">
+              <a:schemeClr val="accent1"/>
+            </a:lnRef>
+            <a:fillRef idx="3">
+              <a:schemeClr val="accent1"/>
+            </a:fillRef>
+            <a:effectRef idx="2">
+              <a:schemeClr val="accent1"/>
+            </a:effectRef>
+            <a:fontRef idx="minor">
+              <a:schemeClr val="lt1"/>
+            </a:fontRef>
+          </p:style>
+          <p:txBody>
+            <a:bodyPr/>
+            <a:lstStyle/>
+            <a:p>
+              <a:endParaRPr lang="es-419"/>
+            </a:p>
+          </p:txBody>
+        </p:sp>
+        <p:sp>
+          <p:nvSpPr>
+            <p:cNvPr id="128" name="Oval 127">
+              <a:extLst>
+                <a:ext uri="{FF2B5EF4-FFF2-40B4-BE49-F238E27FC236}">
+                  <a16:creationId xmlns:a16="http://schemas.microsoft.com/office/drawing/2014/main" id="{D6B514A6-1440-4614-B316-443C485A1AF3}"/>
+                </a:ext>
+                <a:ext uri="{C183D7F6-B498-43B3-948B-1728B52AA6E4}">
+                  <adec:decorative xmlns:adec="http://schemas.microsoft.com/office/drawing/2017/decorative" xmlns="" val="1"/>
+                </a:ext>
+              </a:extLst>
+            </p:cNvPr>
+            <p:cNvSpPr/>
+            <p:nvPr>
+              <p:extLst>
+                <p:ext uri="{386F3935-93C4-4BCD-93E2-E3B085C9AB24}">
+                  <p16:designElem xmlns:p16="http://schemas.microsoft.com/office/powerpoint/2015/main" val="1"/>
+                </p:ext>
+              </p:extLst>
+            </p:nvPr>
+          </p:nvSpPr>
+          <p:spPr>
+            <a:xfrm>
+              <a:off x="0" y="2895600"/>
+              <a:ext cx="2362200" cy="2362200"/>
+            </a:xfrm>
+            <a:prstGeom prst="ellipse">
+              <a:avLst/>
+            </a:prstGeom>
+            <a:gradFill flip="none" rotWithShape="1">
+              <a:gsLst>
+                <a:gs pos="0">
+                  <a:schemeClr val="accent5">
+                    <a:alpha val="8000"/>
+                  </a:schemeClr>
+                </a:gs>
+                <a:gs pos="72000">
+                  <a:schemeClr val="accent5">
+                    <a:alpha val="0"/>
+                  </a:schemeClr>
+                </a:gs>
+                <a:gs pos="36000">
+                  <a:schemeClr val="accent5">
+                    <a:alpha val="8000"/>
+                  </a:schemeClr>
+                </a:gs>
+              </a:gsLst>
+              <a:path path="circle">
+                <a:fillToRect l="50000" t="50000" r="50000" b="50000"/>
+              </a:path>
+              <a:tileRect/>
+            </a:gradFill>
+            <a:ln>
+              <a:noFill/>
+            </a:ln>
+            <a:effectLst/>
+          </p:spPr>
+          <p:style>
+            <a:lnRef idx="1">
+              <a:schemeClr val="accent1"/>
+            </a:lnRef>
+            <a:fillRef idx="3">
+              <a:schemeClr val="accent1"/>
+            </a:fillRef>
+            <a:effectRef idx="2">
+              <a:schemeClr val="accent1"/>
+            </a:effectRef>
+            <a:fontRef idx="minor">
+              <a:schemeClr val="lt1"/>
+            </a:fontRef>
+          </p:style>
+          <p:txBody>
+            <a:bodyPr/>
+            <a:lstStyle/>
+            <a:p>
+              <a:endParaRPr lang="es-419"/>
+            </a:p>
+          </p:txBody>
+        </p:sp>
+        <p:sp>
+          <p:nvSpPr>
+            <p:cNvPr id="129" name="Oval 128">
+              <a:extLst>
+                <a:ext uri="{FF2B5EF4-FFF2-40B4-BE49-F238E27FC236}">
+                  <a16:creationId xmlns:a16="http://schemas.microsoft.com/office/drawing/2014/main" id="{B7C4B390-CACA-4CE0-A179-19E2CAADF693}"/>
+                </a:ext>
+                <a:ext uri="{C183D7F6-B498-43B3-948B-1728B52AA6E4}">
+                  <adec:decorative xmlns:adec="http://schemas.microsoft.com/office/drawing/2017/decorative" xmlns="" val="1"/>
+                </a:ext>
+              </a:extLst>
+            </p:cNvPr>
+            <p:cNvSpPr/>
+            <p:nvPr>
+              <p:extLst>
+                <p:ext uri="{386F3935-93C4-4BCD-93E2-E3B085C9AB24}">
+                  <p16:designElem xmlns:p16="http://schemas.microsoft.com/office/powerpoint/2015/main" val="1"/>
+                </p:ext>
+              </p:extLst>
+            </p:nvPr>
+          </p:nvSpPr>
+          <p:spPr>
+            <a:xfrm>
+              <a:off x="8609012" y="5867400"/>
+              <a:ext cx="990600" cy="990600"/>
+            </a:xfrm>
+            <a:prstGeom prst="ellipse">
+              <a:avLst/>
+            </a:prstGeom>
+            <a:gradFill flip="none" rotWithShape="1">
+              <a:gsLst>
+                <a:gs pos="0">
+                  <a:schemeClr val="accent5">
+                    <a:alpha val="14000"/>
+                  </a:schemeClr>
+                </a:gs>
+                <a:gs pos="66000">
+                  <a:schemeClr val="accent5">
+                    <a:alpha val="0"/>
+                  </a:schemeClr>
+                </a:gs>
+                <a:gs pos="36000">
+                  <a:schemeClr val="accent5">
+                    <a:alpha val="7000"/>
+                  </a:schemeClr>
+                </a:gs>
+              </a:gsLst>
+              <a:path path="circle">
+                <a:fillToRect l="50000" t="50000" r="50000" b="50000"/>
+              </a:path>
+              <a:tileRect/>
+            </a:gradFill>
+            <a:ln>
+              <a:noFill/>
+            </a:ln>
+            <a:effectLst/>
+          </p:spPr>
+          <p:style>
+            <a:lnRef idx="1">
+              <a:schemeClr val="accent1"/>
+            </a:lnRef>
+            <a:fillRef idx="3">
+              <a:schemeClr val="accent1"/>
+            </a:fillRef>
+            <a:effectRef idx="2">
+              <a:schemeClr val="accent1"/>
+            </a:effectRef>
+            <a:fontRef idx="minor">
+              <a:schemeClr val="lt1"/>
+            </a:fontRef>
+          </p:style>
+          <p:txBody>
+            <a:bodyPr/>
+            <a:lstStyle/>
+            <a:p>
+              <a:endParaRPr lang="es-419"/>
+            </a:p>
+          </p:txBody>
+        </p:sp>
+        <p:sp>
+          <p:nvSpPr>
+            <p:cNvPr id="130" name="Oval 129">
+              <a:extLst>
+                <a:ext uri="{FF2B5EF4-FFF2-40B4-BE49-F238E27FC236}">
+                  <a16:creationId xmlns:a16="http://schemas.microsoft.com/office/drawing/2014/main" id="{39330A14-E127-4084-BA51-D86B9568B7EE}"/>
+                </a:ext>
+                <a:ext uri="{C183D7F6-B498-43B3-948B-1728B52AA6E4}">
+                  <adec:decorative xmlns:adec="http://schemas.microsoft.com/office/drawing/2017/decorative" xmlns="" val="1"/>
+                </a:ext>
+              </a:extLst>
+            </p:cNvPr>
+            <p:cNvSpPr/>
+            <p:nvPr>
+              <p:extLst>
+                <p:ext uri="{386F3935-93C4-4BCD-93E2-E3B085C9AB24}">
+                  <p16:designElem xmlns:p16="http://schemas.microsoft.com/office/powerpoint/2015/main" val="1"/>
+                </p:ext>
+              </p:extLst>
+            </p:nvPr>
+          </p:nvSpPr>
+          <p:spPr>
+            <a:xfrm>
+              <a:off x="8609012" y="1676400"/>
+              <a:ext cx="2819400" cy="2819400"/>
+            </a:xfrm>
+            <a:prstGeom prst="ellipse">
+              <a:avLst/>
+            </a:prstGeom>
+            <a:gradFill flip="none" rotWithShape="1">
+              <a:gsLst>
+                <a:gs pos="0">
+                  <a:schemeClr val="accent5">
+                    <a:alpha val="7000"/>
+                  </a:schemeClr>
+                </a:gs>
+                <a:gs pos="69000">
+                  <a:schemeClr val="accent5">
+                    <a:alpha val="0"/>
+                  </a:schemeClr>
+                </a:gs>
+                <a:gs pos="36000">
+                  <a:schemeClr val="accent5">
+                    <a:alpha val="6000"/>
+                  </a:schemeClr>
+                </a:gs>
+              </a:gsLst>
+              <a:path path="circle">
+                <a:fillToRect l="50000" t="50000" r="50000" b="50000"/>
+              </a:path>
+              <a:tileRect/>
+            </a:gradFill>
+            <a:ln>
+              <a:noFill/>
+            </a:ln>
+            <a:effectLst/>
+          </p:spPr>
+          <p:style>
+            <a:lnRef idx="1">
+              <a:schemeClr val="accent1"/>
+            </a:lnRef>
+            <a:fillRef idx="3">
+              <a:schemeClr val="accent1"/>
+            </a:fillRef>
+            <a:effectRef idx="2">
+              <a:schemeClr val="accent1"/>
+            </a:effectRef>
+            <a:fontRef idx="minor">
+              <a:schemeClr val="lt1"/>
+            </a:fontRef>
+          </p:style>
+          <p:txBody>
+            <a:bodyPr/>
+            <a:lstStyle/>
+            <a:p>
+              <a:endParaRPr lang="es-419"/>
+            </a:p>
+          </p:txBody>
+        </p:sp>
+        <p:sp>
+          <p:nvSpPr>
+            <p:cNvPr id="131" name="Oval 130">
+              <a:extLst>
+                <a:ext uri="{FF2B5EF4-FFF2-40B4-BE49-F238E27FC236}">
+                  <a16:creationId xmlns:a16="http://schemas.microsoft.com/office/drawing/2014/main" id="{F47AD4CB-E128-49E9-A8C2-AC0CEA98F5AD}"/>
+                </a:ext>
+                <a:ext uri="{C183D7F6-B498-43B3-948B-1728B52AA6E4}">
+                  <adec:decorative xmlns:adec="http://schemas.microsoft.com/office/drawing/2017/decorative" xmlns="" val="1"/>
+                </a:ext>
+              </a:extLst>
+            </p:cNvPr>
+            <p:cNvSpPr/>
+            <p:nvPr>
+              <p:extLst>
+                <p:ext uri="{386F3935-93C4-4BCD-93E2-E3B085C9AB24}">
+                  <p16:designElem xmlns:p16="http://schemas.microsoft.com/office/powerpoint/2015/main" val="1"/>
+                </p:ext>
+              </p:extLst>
+            </p:nvPr>
+          </p:nvSpPr>
+          <p:spPr>
+            <a:xfrm>
+              <a:off x="7999412" y="8464"/>
+              <a:ext cx="1600200" cy="1600200"/>
+            </a:xfrm>
+            <a:prstGeom prst="ellipse">
+              <a:avLst/>
+            </a:prstGeom>
+            <a:gradFill flip="none" rotWithShape="1">
+              <a:gsLst>
+                <a:gs pos="0">
+                  <a:schemeClr val="accent5">
+                    <a:alpha val="14000"/>
+                  </a:schemeClr>
+                </a:gs>
+                <a:gs pos="73000">
+                  <a:schemeClr val="accent5">
+                    <a:alpha val="0"/>
+                  </a:schemeClr>
+                </a:gs>
+                <a:gs pos="36000">
+                  <a:schemeClr val="accent5">
+                    <a:alpha val="7000"/>
+                  </a:schemeClr>
+                </a:gs>
+              </a:gsLst>
+              <a:path path="circle">
+                <a:fillToRect l="50000" t="50000" r="50000" b="50000"/>
+              </a:path>
+              <a:tileRect/>
+            </a:gradFill>
+            <a:ln>
+              <a:noFill/>
+            </a:ln>
+            <a:effectLst/>
+          </p:spPr>
+          <p:style>
+            <a:lnRef idx="1">
+              <a:schemeClr val="accent1"/>
+            </a:lnRef>
+            <a:fillRef idx="3">
+              <a:schemeClr val="accent1"/>
+            </a:fillRef>
+            <a:effectRef idx="2">
+              <a:schemeClr val="accent1"/>
+            </a:effectRef>
+            <a:fontRef idx="minor">
+              <a:schemeClr val="lt1"/>
+            </a:fontRef>
+          </p:style>
+          <p:txBody>
+            <a:bodyPr/>
+            <a:lstStyle/>
+            <a:p>
+              <a:endParaRPr lang="es-419"/>
+            </a:p>
+          </p:txBody>
+        </p:sp>
+        <p:sp>
+          <p:nvSpPr>
+            <p:cNvPr id="132" name="Freeform 5">
+              <a:extLst>
+                <a:ext uri="{FF2B5EF4-FFF2-40B4-BE49-F238E27FC236}">
+                  <a16:creationId xmlns:a16="http://schemas.microsoft.com/office/drawing/2014/main" id="{D76D76C3-9DFE-4C5F-8F74-D65651A74BF4}"/>
+                </a:ext>
+                <a:ext uri="{C183D7F6-B498-43B3-948B-1728B52AA6E4}">
+                  <adec:decorative xmlns:adec="http://schemas.microsoft.com/office/drawing/2017/decorative" xmlns="" val="1"/>
+                </a:ext>
+              </a:extLst>
+            </p:cNvPr>
+            <p:cNvSpPr/>
+            <p:nvPr>
+              <p:extLst>
+                <p:ext uri="{386F3935-93C4-4BCD-93E2-E3B085C9AB24}">
+                  <p16:designElem xmlns:p16="http://schemas.microsoft.com/office/powerpoint/2015/main" val="1"/>
+                </p:ext>
+              </p:extLst>
+            </p:nvPr>
+          </p:nvSpPr>
+          <p:spPr bwMode="gray">
+            <a:xfrm rot="21010068">
+              <a:off x="8490951" y="1797517"/>
+              <a:ext cx="3299407" cy="440924"/>
+            </a:xfrm>
+            <a:custGeom>
+              <a:avLst/>
+              <a:gdLst/>
+              <a:ahLst/>
+              <a:cxnLst/>
+              <a:rect l="l" t="t" r="r" b="b"/>
+              <a:pathLst>
+                <a:path w="10000" h="5291">
+                  <a:moveTo>
+                    <a:pt x="85" y="2532"/>
+                  </a:moveTo>
+                  <a:cubicBezTo>
+                    <a:pt x="1736" y="3911"/>
+                    <a:pt x="7524" y="5298"/>
+                    <a:pt x="9958" y="5291"/>
+                  </a:cubicBezTo>
+                  <a:cubicBezTo>
+                    <a:pt x="9989" y="1958"/>
+                    <a:pt x="9969" y="3333"/>
+                    <a:pt x="10000" y="0"/>
+                  </a:cubicBezTo>
+                  <a:lnTo>
+                    <a:pt x="10000" y="0"/>
+                  </a:lnTo>
+                  <a:lnTo>
+                    <a:pt x="9667" y="204"/>
+                  </a:lnTo>
+                  <a:lnTo>
+                    <a:pt x="9334" y="400"/>
+                  </a:lnTo>
+                  <a:lnTo>
+                    <a:pt x="9001" y="590"/>
+                  </a:lnTo>
+                  <a:lnTo>
+                    <a:pt x="8667" y="753"/>
+                  </a:lnTo>
+                  <a:lnTo>
+                    <a:pt x="8333" y="917"/>
+                  </a:lnTo>
+                  <a:lnTo>
+                    <a:pt x="7999" y="1071"/>
+                  </a:lnTo>
+                  <a:lnTo>
+                    <a:pt x="7669" y="1202"/>
+                  </a:lnTo>
+                  <a:lnTo>
+                    <a:pt x="7333" y="1325"/>
+                  </a:lnTo>
+                  <a:lnTo>
+                    <a:pt x="7000" y="1440"/>
+                  </a:lnTo>
+                  <a:lnTo>
+                    <a:pt x="6673" y="1538"/>
+                  </a:lnTo>
+                  <a:lnTo>
+                    <a:pt x="6340" y="1636"/>
+                  </a:lnTo>
+                  <a:lnTo>
+                    <a:pt x="6013" y="1719"/>
+                  </a:lnTo>
+                  <a:lnTo>
+                    <a:pt x="5686" y="1784"/>
+                  </a:lnTo>
+                  <a:lnTo>
+                    <a:pt x="5359" y="1850"/>
+                  </a:lnTo>
+                  <a:lnTo>
+                    <a:pt x="5036" y="1906"/>
+                  </a:lnTo>
+                  <a:lnTo>
+                    <a:pt x="4717" y="1948"/>
+                  </a:lnTo>
+                  <a:lnTo>
+                    <a:pt x="4396" y="1980"/>
+                  </a:lnTo>
+                  <a:lnTo>
+                    <a:pt x="4079" y="2013"/>
+                  </a:lnTo>
+                  <a:lnTo>
+                    <a:pt x="3766" y="2029"/>
+                  </a:lnTo>
+                  <a:lnTo>
+                    <a:pt x="3454" y="2046"/>
+                  </a:lnTo>
+                  <a:lnTo>
+                    <a:pt x="3145" y="2053"/>
+                  </a:lnTo>
+                  <a:lnTo>
+                    <a:pt x="2839" y="2046"/>
+                  </a:lnTo>
+                  <a:lnTo>
+                    <a:pt x="2537" y="2046"/>
+                  </a:lnTo>
+                  <a:lnTo>
+                    <a:pt x="2238" y="2029"/>
+                  </a:lnTo>
+                  <a:lnTo>
+                    <a:pt x="1943" y="2004"/>
+                  </a:lnTo>
+                  <a:lnTo>
+                    <a:pt x="1653" y="1980"/>
+                  </a:lnTo>
+                  <a:lnTo>
+                    <a:pt x="1368" y="1955"/>
+                  </a:lnTo>
+                  <a:lnTo>
+                    <a:pt x="1085" y="1915"/>
+                  </a:lnTo>
+                  <a:lnTo>
+                    <a:pt x="806" y="1873"/>
+                  </a:lnTo>
+                  <a:lnTo>
+                    <a:pt x="533" y="1833"/>
+                  </a:lnTo>
+                  <a:lnTo>
+                    <a:pt x="0" y="1726"/>
+                  </a:lnTo>
+                  <a:cubicBezTo>
+                    <a:pt x="28" y="1995"/>
+                    <a:pt x="57" y="2263"/>
+                    <a:pt x="85" y="2532"/>
+                  </a:cubicBezTo>
+                  <a:close/>
+                </a:path>
+              </a:pathLst>
+            </a:custGeom>
+            <a:solidFill>
+              <a:schemeClr val="bg1">
+                <a:alpha val="20000"/>
+              </a:schemeClr>
+            </a:solidFill>
+            <a:ln>
+              <a:noFill/>
+            </a:ln>
+          </p:spPr>
+          <p:txBody>
+            <a:bodyPr/>
+            <a:lstStyle/>
+            <a:p>
+              <a:endParaRPr lang="es-419"/>
+            </a:p>
+          </p:txBody>
+        </p:sp>
+        <p:sp>
+          <p:nvSpPr>
+            <p:cNvPr id="133" name="Freeform 5">
+              <a:extLst>
+                <a:ext uri="{FF2B5EF4-FFF2-40B4-BE49-F238E27FC236}">
+                  <a16:creationId xmlns:a16="http://schemas.microsoft.com/office/drawing/2014/main" id="{7FC72400-C794-438B-90D7-5F6E03028E4A}"/>
+                </a:ext>
+                <a:ext uri="{C183D7F6-B498-43B3-948B-1728B52AA6E4}">
+                  <adec:decorative xmlns:adec="http://schemas.microsoft.com/office/drawing/2017/decorative" xmlns="" val="1"/>
+                </a:ext>
+              </a:extLst>
+            </p:cNvPr>
+            <p:cNvSpPr/>
+            <p:nvPr>
+              <p:extLst>
+                <p:ext uri="{386F3935-93C4-4BCD-93E2-E3B085C9AB24}">
+                  <p16:designElem xmlns:p16="http://schemas.microsoft.com/office/powerpoint/2015/main" val="1"/>
+                </p:ext>
+              </p:extLst>
+            </p:nvPr>
+          </p:nvSpPr>
+          <p:spPr bwMode="gray">
+            <a:xfrm>
+              <a:off x="459506" y="1866405"/>
+              <a:ext cx="11277600" cy="4533900"/>
+            </a:xfrm>
+            <a:custGeom>
+              <a:avLst/>
+              <a:gdLst/>
+              <a:ahLst/>
+              <a:cxnLst/>
+              <a:rect l="0" t="0" r="r" b="b"/>
+              <a:pathLst>
+                <a:path w="7104" h="2856">
+                  <a:moveTo>
+                    <a:pt x="0" y="0"/>
+                  </a:moveTo>
+                  <a:lnTo>
+                    <a:pt x="0" y="2856"/>
+                  </a:lnTo>
+                  <a:lnTo>
+                    <a:pt x="7104" y="2856"/>
+                  </a:lnTo>
+                  <a:lnTo>
+                    <a:pt x="7104" y="1"/>
+                  </a:lnTo>
+                  <a:lnTo>
+                    <a:pt x="7104" y="1"/>
+                  </a:lnTo>
+                  <a:lnTo>
+                    <a:pt x="6943" y="26"/>
+                  </a:lnTo>
+                  <a:lnTo>
+                    <a:pt x="6782" y="50"/>
+                  </a:lnTo>
+                  <a:lnTo>
+                    <a:pt x="6621" y="73"/>
+                  </a:lnTo>
+                  <a:lnTo>
+                    <a:pt x="6459" y="93"/>
+                  </a:lnTo>
+                  <a:lnTo>
+                    <a:pt x="6298" y="113"/>
+                  </a:lnTo>
+                  <a:lnTo>
+                    <a:pt x="6136" y="132"/>
+                  </a:lnTo>
+                  <a:lnTo>
+                    <a:pt x="5976" y="148"/>
+                  </a:lnTo>
+                  <a:lnTo>
+                    <a:pt x="5814" y="163"/>
+                  </a:lnTo>
+                  <a:lnTo>
+                    <a:pt x="5653" y="177"/>
+                  </a:lnTo>
+                  <a:lnTo>
+                    <a:pt x="5494" y="189"/>
+                  </a:lnTo>
+                  <a:lnTo>
+                    <a:pt x="5334" y="201"/>
+                  </a:lnTo>
+                  <a:lnTo>
+                    <a:pt x="5175" y="211"/>
+                  </a:lnTo>
+                  <a:lnTo>
+                    <a:pt x="5017" y="219"/>
+                  </a:lnTo>
+                  <a:lnTo>
+                    <a:pt x="4859" y="227"/>
+                  </a:lnTo>
+                  <a:lnTo>
+                    <a:pt x="4703" y="234"/>
+                  </a:lnTo>
+                  <a:lnTo>
+                    <a:pt x="4548" y="239"/>
+                  </a:lnTo>
+                  <a:lnTo>
+                    <a:pt x="4393" y="243"/>
+                  </a:lnTo>
+                  <a:lnTo>
+                    <a:pt x="4240" y="247"/>
+                  </a:lnTo>
+                  <a:lnTo>
+                    <a:pt x="4088" y="249"/>
+                  </a:lnTo>
+                  <a:lnTo>
+                    <a:pt x="3937" y="251"/>
+                  </a:lnTo>
+                  <a:lnTo>
+                    <a:pt x="3788" y="252"/>
+                  </a:lnTo>
+                  <a:lnTo>
+                    <a:pt x="3640" y="251"/>
+                  </a:lnTo>
+                  <a:lnTo>
+                    <a:pt x="3494" y="251"/>
+                  </a:lnTo>
+                  <a:lnTo>
+                    <a:pt x="3349" y="249"/>
+                  </a:lnTo>
+                  <a:lnTo>
+                    <a:pt x="3207" y="246"/>
+                  </a:lnTo>
+                  <a:lnTo>
+                    <a:pt x="3066" y="243"/>
+                  </a:lnTo>
+                  <a:lnTo>
+                    <a:pt x="2928" y="240"/>
+                  </a:lnTo>
+                  <a:lnTo>
+                    <a:pt x="2791" y="235"/>
+                  </a:lnTo>
+                  <a:lnTo>
+                    <a:pt x="2656" y="230"/>
+                  </a:lnTo>
+                  <a:lnTo>
+                    <a:pt x="2524" y="225"/>
+                  </a:lnTo>
+                  <a:lnTo>
+                    <a:pt x="2266" y="212"/>
+                  </a:lnTo>
+                  <a:lnTo>
+                    <a:pt x="2019" y="198"/>
+                  </a:lnTo>
+                  <a:lnTo>
+                    <a:pt x="1782" y="183"/>
+                  </a:lnTo>
+                  <a:lnTo>
+                    <a:pt x="1557" y="167"/>
+                  </a:lnTo>
+                  <a:lnTo>
+                    <a:pt x="1343" y="150"/>
+                  </a:lnTo>
+                  <a:lnTo>
+                    <a:pt x="1144" y="132"/>
+                  </a:lnTo>
+                  <a:lnTo>
+                    <a:pt x="957" y="114"/>
+                  </a:lnTo>
+                  <a:lnTo>
+                    <a:pt x="785" y="96"/>
+                  </a:lnTo>
+                  <a:lnTo>
+                    <a:pt x="627" y="79"/>
+                  </a:lnTo>
+                  <a:lnTo>
+                    <a:pt x="487" y="63"/>
+                  </a:lnTo>
+                  <a:lnTo>
+                    <a:pt x="361" y="48"/>
+                  </a:lnTo>
+                  <a:lnTo>
+                    <a:pt x="254" y="35"/>
+                  </a:lnTo>
+                  <a:lnTo>
+                    <a:pt x="165" y="23"/>
+                  </a:lnTo>
+                  <a:lnTo>
+                    <a:pt x="42" y="6"/>
+                  </a:lnTo>
+                  <a:lnTo>
+                    <a:pt x="0" y="0"/>
+                  </a:lnTo>
+                  <a:lnTo>
+                    <a:pt x="0" y="0"/>
+                  </a:lnTo>
+                  <a:close/>
+                </a:path>
+              </a:pathLst>
+            </a:custGeom>
+            <a:solidFill>
+              <a:schemeClr val="bg1"/>
+            </a:solidFill>
+            <a:ln>
+              <a:noFill/>
+            </a:ln>
+          </p:spPr>
+          <p:txBody>
+            <a:bodyPr/>
+            <a:lstStyle/>
+            <a:p>
+              <a:endParaRPr lang="es-419"/>
+            </a:p>
+          </p:txBody>
+        </p:sp>
+        <p:sp>
+          <p:nvSpPr>
+            <p:cNvPr id="134" name="Freeform 5">
+              <a:extLst>
+                <a:ext uri="{FF2B5EF4-FFF2-40B4-BE49-F238E27FC236}">
+                  <a16:creationId xmlns:a16="http://schemas.microsoft.com/office/drawing/2014/main" id="{AD24BDB9-26CF-4AAC-B31C-95E190D551EA}"/>
+                </a:ext>
+                <a:ext uri="{C183D7F6-B498-43B3-948B-1728B52AA6E4}">
+                  <adec:decorative xmlns:adec="http://schemas.microsoft.com/office/drawing/2017/decorative" xmlns="" val="1"/>
+                </a:ext>
+              </a:extLst>
+            </p:cNvPr>
+            <p:cNvSpPr>
+              <a:spLocks noEditPoints="1"/>
+            </p:cNvSpPr>
+            <p:nvPr>
+              <p:extLst>
+                <p:ext uri="{386F3935-93C4-4BCD-93E2-E3B085C9AB24}">
+                  <p16:designElem xmlns:p16="http://schemas.microsoft.com/office/powerpoint/2015/main" val="1"/>
+                </p:ext>
+              </p:extLst>
+            </p:nvPr>
+          </p:nvSpPr>
+          <p:spPr bwMode="gray">
+            <a:xfrm>
+              <a:off x="0" y="1587"/>
+              <a:ext cx="12192000" cy="6856413"/>
+            </a:xfrm>
+            <a:custGeom>
+              <a:avLst/>
+              <a:gdLst/>
+              <a:ahLst/>
+              <a:cxnLst/>
+              <a:rect l="0" t="0" r="r" b="b"/>
+              <a:pathLst>
+                <a:path w="15356" h="8638">
+                  <a:moveTo>
+                    <a:pt x="0" y="0"/>
+                  </a:moveTo>
+                  <a:lnTo>
+                    <a:pt x="0" y="8638"/>
+                  </a:lnTo>
+                  <a:lnTo>
+                    <a:pt x="15356" y="8638"/>
+                  </a:lnTo>
+                  <a:lnTo>
+                    <a:pt x="15356" y="0"/>
+                  </a:lnTo>
+                  <a:lnTo>
+                    <a:pt x="0" y="0"/>
+                  </a:lnTo>
+                  <a:close/>
+                  <a:moveTo>
+                    <a:pt x="14748" y="8038"/>
+                  </a:moveTo>
+                  <a:lnTo>
+                    <a:pt x="600" y="8038"/>
+                  </a:lnTo>
+                  <a:lnTo>
+                    <a:pt x="600" y="592"/>
+                  </a:lnTo>
+                  <a:lnTo>
+                    <a:pt x="14748" y="592"/>
+                  </a:lnTo>
+                  <a:lnTo>
+                    <a:pt x="14748" y="8038"/>
+                  </a:lnTo>
+                  <a:close/>
+                </a:path>
+              </a:pathLst>
+            </a:custGeom>
+            <a:solidFill>
+              <a:schemeClr val="bg1"/>
+            </a:solidFill>
+            <a:ln>
+              <a:noFill/>
+            </a:ln>
+          </p:spPr>
+          <p:txBody>
+            <a:bodyPr/>
+            <a:lstStyle/>
+            <a:p>
+              <a:endParaRPr lang="es-419"/>
+            </a:p>
+          </p:txBody>
+        </p:sp>
+      </p:grpSp>
+      <p:sp>
+        <p:nvSpPr>
+          <p:cNvPr id="136" name="Rectangle 135">
+            <a:extLst>
+              <a:ext uri="{FF2B5EF4-FFF2-40B4-BE49-F238E27FC236}">
+                <a16:creationId xmlns:a16="http://schemas.microsoft.com/office/drawing/2014/main" id="{E4947D45-3E3A-4249-A3DB-5B907C179727}"/>
+              </a:ext>
+              <a:ext uri="{C183D7F6-B498-43B3-948B-1728B52AA6E4}">
+                <adec:decorative xmlns:adec="http://schemas.microsoft.com/office/drawing/2017/decorative" xmlns="" val="1"/>
+              </a:ext>
+            </a:extLst>
+          </p:cNvPr>
+          <p:cNvSpPr>
+            <a:spLocks noGrp="1" noRot="1" noChangeAspect="1" noMove="1" noResize="1" noEditPoints="1" noAdjustHandles="1" noChangeArrowheads="1" noChangeShapeType="1" noTextEdit="1"/>
+          </p:cNvSpPr>
+          <p:nvPr>
+            <p:extLst>
+              <p:ext uri="{386F3935-93C4-4BCD-93E2-E3B085C9AB24}">
+                <p16:designElem xmlns:p16="http://schemas.microsoft.com/office/powerpoint/2015/main" val="1"/>
+              </p:ext>
+            </p:extLst>
+          </p:nvPr>
+        </p:nvSpPr>
+        <p:spPr>
+          <a:xfrm>
+            <a:off x="10437812" y="0"/>
+            <a:ext cx="685800" cy="1143000"/>
+          </a:xfrm>
+          <a:prstGeom prst="rect">
+            <a:avLst/>
+          </a:prstGeom>
+          <a:solidFill>
+            <a:schemeClr val="accent1"/>
+          </a:solidFill>
+          <a:ln>
+            <a:noFill/>
+          </a:ln>
+        </p:spPr>
+        <p:style>
+          <a:lnRef idx="1">
+            <a:schemeClr val="accent1"/>
+          </a:lnRef>
+          <a:fillRef idx="3">
+            <a:schemeClr val="accent1"/>
+          </a:fillRef>
+          <a:effectRef idx="2">
+            <a:schemeClr val="accent1"/>
+          </a:effectRef>
+          <a:fontRef idx="minor">
+            <a:schemeClr val="lt1"/>
+          </a:fontRef>
+        </p:style>
+        <p:txBody>
+          <a:bodyPr/>
+          <a:lstStyle/>
+          <a:p>
+            <a:endParaRPr lang="es-419"/>
+          </a:p>
+        </p:txBody>
+      </p:sp>
+      <p:sp>
+        <p:nvSpPr>
+          <p:cNvPr id="2" name="Título 1">
+            <a:extLst>
+              <a:ext uri="{FF2B5EF4-FFF2-40B4-BE49-F238E27FC236}">
+                <a16:creationId xmlns:a16="http://schemas.microsoft.com/office/drawing/2014/main" id="{5105512F-6638-662A-1660-3AAB0832567F}"/>
+              </a:ext>
+            </a:extLst>
+          </p:cNvPr>
+          <p:cNvSpPr>
+            <a:spLocks noGrp="1"/>
+          </p:cNvSpPr>
+          <p:nvPr>
+            <p:ph type="ctrTitle"/>
+          </p:nvPr>
+        </p:nvSpPr>
+        <p:spPr>
+          <a:xfrm>
+            <a:off x="1154954" y="973668"/>
+            <a:ext cx="8761413" cy="706964"/>
+          </a:xfrm>
+        </p:spPr>
+        <p:txBody>
+          <a:bodyPr vert="horz" lIns="91440" tIns="45720" rIns="91440" bIns="45720" rtlCol="0" anchor="ctr">
+            <a:normAutofit/>
+          </a:bodyPr>
+          <a:lstStyle/>
+          <a:p>
+            <a:r>
+              <a:rPr lang="en-US" sz="3600"/>
+              <a:t>Detalle de elementos</a:t>
+            </a:r>
+          </a:p>
+        </p:txBody>
+      </p:sp>
+      <p:sp>
+        <p:nvSpPr>
+          <p:cNvPr id="28" name="CuadroTexto 27">
+            <a:extLst>
+              <a:ext uri="{FF2B5EF4-FFF2-40B4-BE49-F238E27FC236}">
+                <a16:creationId xmlns:a16="http://schemas.microsoft.com/office/drawing/2014/main" id="{0308FDDF-F9A5-5B7D-380B-C237C016CF81}"/>
+              </a:ext>
+            </a:extLst>
+          </p:cNvPr>
+          <p:cNvSpPr txBox="1"/>
+          <p:nvPr/>
+        </p:nvSpPr>
+        <p:spPr>
+          <a:xfrm>
+            <a:off x="1154955" y="2603500"/>
+            <a:ext cx="3481054" cy="3416300"/>
+          </a:xfrm>
+          <a:prstGeom prst="rect">
+            <a:avLst/>
+          </a:prstGeom>
+        </p:spPr>
+        <p:txBody>
+          <a:bodyPr vert="horz" lIns="91440" tIns="45720" rIns="91440" bIns="45720" rtlCol="0" anchor="ctr">
+            <a:normAutofit/>
+          </a:bodyPr>
+          <a:lstStyle/>
+          <a:p>
+            <a:pPr>
+              <a:lnSpc>
+                <a:spcPct val="90000"/>
+              </a:lnSpc>
+              <a:spcBef>
+                <a:spcPts val="1000"/>
+              </a:spcBef>
+              <a:buClr>
+                <a:schemeClr val="accent1"/>
+              </a:buClr>
+              <a:buSzPct val="80000"/>
+              <a:buFont typeface="Wingdings 3" charset="2"/>
+              <a:buChar char=""/>
+            </a:pPr>
+            <a:r>
+              <a:rPr lang="en-US" sz="1500" dirty="0">
+                <a:solidFill>
+                  <a:schemeClr val="tx1">
+                    <a:lumMod val="75000"/>
+                    <a:lumOff val="25000"/>
+                  </a:schemeClr>
+                </a:solidFill>
+                <a:effectLst/>
+              </a:rPr>
+              <a:t>HTML:</a:t>
+            </a:r>
+          </a:p>
+          <a:p>
+            <a:pPr>
+              <a:lnSpc>
+                <a:spcPct val="90000"/>
+              </a:lnSpc>
+              <a:spcBef>
+                <a:spcPts val="1000"/>
+              </a:spcBef>
+              <a:buClr>
+                <a:schemeClr val="accent1"/>
+              </a:buClr>
+              <a:buSzPct val="80000"/>
+              <a:buFont typeface="Wingdings 3" charset="2"/>
+              <a:buChar char=""/>
+            </a:pPr>
+            <a:r>
+              <a:rPr lang="en-US" sz="1500" dirty="0">
+                <a:solidFill>
+                  <a:schemeClr val="tx1">
+                    <a:lumMod val="75000"/>
+                    <a:lumOff val="25000"/>
+                  </a:schemeClr>
+                </a:solidFill>
+                <a:effectLst/>
+              </a:rPr>
+              <a:t>Define la </a:t>
+            </a:r>
+            <a:r>
+              <a:rPr lang="en-US" sz="1500" dirty="0" err="1">
+                <a:solidFill>
+                  <a:schemeClr val="tx1">
+                    <a:lumMod val="75000"/>
+                    <a:lumOff val="25000"/>
+                  </a:schemeClr>
+                </a:solidFill>
+                <a:effectLst/>
+              </a:rPr>
+              <a:t>estructura</a:t>
+            </a:r>
+            <a:r>
+              <a:rPr lang="en-US" sz="1500" dirty="0">
+                <a:solidFill>
+                  <a:schemeClr val="tx1">
+                    <a:lumMod val="75000"/>
+                    <a:lumOff val="25000"/>
+                  </a:schemeClr>
+                </a:solidFill>
+                <a:effectLst/>
+              </a:rPr>
+              <a:t> para </a:t>
+            </a:r>
+            <a:r>
+              <a:rPr lang="en-US" sz="1500" dirty="0" err="1">
+                <a:solidFill>
+                  <a:schemeClr val="tx1">
+                    <a:lumMod val="75000"/>
+                    <a:lumOff val="25000"/>
+                  </a:schemeClr>
+                </a:solidFill>
+                <a:effectLst/>
+              </a:rPr>
+              <a:t>mostrar</a:t>
+            </a:r>
+            <a:r>
+              <a:rPr lang="en-US" sz="1500" dirty="0">
+                <a:solidFill>
+                  <a:schemeClr val="tx1">
+                    <a:lumMod val="75000"/>
+                    <a:lumOff val="25000"/>
+                  </a:schemeClr>
+                </a:solidFill>
+                <a:effectLst/>
+              </a:rPr>
+              <a:t> </a:t>
+            </a:r>
+            <a:r>
+              <a:rPr lang="en-US" sz="1500" dirty="0" err="1">
+                <a:solidFill>
+                  <a:schemeClr val="tx1">
+                    <a:lumMod val="75000"/>
+                    <a:lumOff val="25000"/>
+                  </a:schemeClr>
+                </a:solidFill>
+                <a:effectLst/>
+              </a:rPr>
+              <a:t>detalles</a:t>
+            </a:r>
+            <a:r>
+              <a:rPr lang="en-US" sz="1500" dirty="0">
+                <a:solidFill>
+                  <a:schemeClr val="tx1">
+                    <a:lumMod val="75000"/>
+                    <a:lumOff val="25000"/>
+                  </a:schemeClr>
+                </a:solidFill>
+                <a:effectLst/>
+              </a:rPr>
+              <a:t> de </a:t>
+            </a:r>
+            <a:r>
+              <a:rPr lang="en-US" sz="1500" dirty="0" err="1">
+                <a:solidFill>
+                  <a:schemeClr val="tx1">
+                    <a:lumMod val="75000"/>
+                    <a:lumOff val="25000"/>
+                  </a:schemeClr>
+                </a:solidFill>
+                <a:effectLst/>
+              </a:rPr>
+              <a:t>productos</a:t>
+            </a:r>
+            <a:r>
+              <a:rPr lang="en-US" sz="1500" dirty="0">
+                <a:solidFill>
+                  <a:schemeClr val="tx1">
+                    <a:lumMod val="75000"/>
+                    <a:lumOff val="25000"/>
+                  </a:schemeClr>
+                </a:solidFill>
+                <a:effectLst/>
+              </a:rPr>
+              <a:t>, </a:t>
+            </a:r>
+            <a:r>
+              <a:rPr lang="en-US" sz="1500" dirty="0" err="1">
+                <a:solidFill>
+                  <a:schemeClr val="tx1">
+                    <a:lumMod val="75000"/>
+                    <a:lumOff val="25000"/>
+                  </a:schemeClr>
+                </a:solidFill>
+                <a:effectLst/>
+              </a:rPr>
+              <a:t>como</a:t>
+            </a:r>
+            <a:r>
+              <a:rPr lang="en-US" sz="1500" dirty="0">
+                <a:solidFill>
+                  <a:schemeClr val="tx1">
+                    <a:lumMod val="75000"/>
+                    <a:lumOff val="25000"/>
+                  </a:schemeClr>
+                </a:solidFill>
+                <a:effectLst/>
+              </a:rPr>
+              <a:t> valor, </a:t>
+            </a:r>
+            <a:r>
+              <a:rPr lang="en-US" sz="1500" dirty="0" err="1">
+                <a:solidFill>
+                  <a:schemeClr val="tx1">
+                    <a:lumMod val="75000"/>
+                    <a:lumOff val="25000"/>
+                  </a:schemeClr>
+                </a:solidFill>
+                <a:effectLst/>
+              </a:rPr>
+              <a:t>cantidad</a:t>
+            </a:r>
+            <a:r>
+              <a:rPr lang="en-US" sz="1500" dirty="0">
+                <a:solidFill>
+                  <a:schemeClr val="tx1">
+                    <a:lumMod val="75000"/>
+                    <a:lumOff val="25000"/>
+                  </a:schemeClr>
+                </a:solidFill>
+                <a:effectLst/>
+              </a:rPr>
+              <a:t>, </a:t>
+            </a:r>
+            <a:r>
+              <a:rPr lang="en-US" sz="1500" dirty="0" err="1">
+                <a:solidFill>
+                  <a:schemeClr val="tx1">
+                    <a:lumMod val="75000"/>
+                    <a:lumOff val="25000"/>
+                  </a:schemeClr>
+                </a:solidFill>
+                <a:effectLst/>
+              </a:rPr>
+              <a:t>precio</a:t>
+            </a:r>
+            <a:r>
+              <a:rPr lang="en-US" sz="1500" dirty="0">
+                <a:solidFill>
+                  <a:schemeClr val="tx1">
+                    <a:lumMod val="75000"/>
+                    <a:lumOff val="25000"/>
+                  </a:schemeClr>
+                </a:solidFill>
+                <a:effectLst/>
+              </a:rPr>
+              <a:t>, etc.</a:t>
+            </a:r>
+          </a:p>
+          <a:p>
+            <a:pPr>
+              <a:lnSpc>
+                <a:spcPct val="90000"/>
+              </a:lnSpc>
+              <a:spcBef>
+                <a:spcPts val="1000"/>
+              </a:spcBef>
+              <a:buClr>
+                <a:schemeClr val="accent1"/>
+              </a:buClr>
+              <a:buSzPct val="80000"/>
+              <a:buFont typeface="Wingdings 3" charset="2"/>
+              <a:buChar char=""/>
+            </a:pPr>
+            <a:r>
+              <a:rPr lang="en-US" sz="1500" dirty="0">
+                <a:solidFill>
+                  <a:schemeClr val="tx1">
+                    <a:lumMod val="75000"/>
+                    <a:lumOff val="25000"/>
+                  </a:schemeClr>
+                </a:solidFill>
+                <a:effectLst/>
+              </a:rPr>
+              <a:t>JavaScript:</a:t>
+            </a:r>
+          </a:p>
+          <a:p>
+            <a:pPr>
+              <a:lnSpc>
+                <a:spcPct val="90000"/>
+              </a:lnSpc>
+              <a:spcBef>
+                <a:spcPts val="1000"/>
+              </a:spcBef>
+              <a:buClr>
+                <a:schemeClr val="accent1"/>
+              </a:buClr>
+              <a:buSzPct val="80000"/>
+              <a:buFont typeface="Wingdings 3" charset="2"/>
+              <a:buChar char=""/>
+            </a:pPr>
+            <a:r>
+              <a:rPr lang="en-US" sz="1500" dirty="0" err="1">
+                <a:solidFill>
+                  <a:schemeClr val="tx1">
+                    <a:lumMod val="75000"/>
+                    <a:lumOff val="25000"/>
+                  </a:schemeClr>
+                </a:solidFill>
+                <a:effectLst/>
+              </a:rPr>
+              <a:t>Permite</a:t>
+            </a:r>
+            <a:r>
+              <a:rPr lang="en-US" sz="1500" dirty="0">
+                <a:solidFill>
+                  <a:schemeClr val="tx1">
+                    <a:lumMod val="75000"/>
+                    <a:lumOff val="25000"/>
+                  </a:schemeClr>
+                </a:solidFill>
+                <a:effectLst/>
+              </a:rPr>
+              <a:t> la </a:t>
+            </a:r>
+            <a:r>
+              <a:rPr lang="en-US" sz="1500" dirty="0" err="1">
+                <a:solidFill>
+                  <a:schemeClr val="tx1">
+                    <a:lumMod val="75000"/>
+                    <a:lumOff val="25000"/>
+                  </a:schemeClr>
+                </a:solidFill>
+                <a:effectLst/>
+              </a:rPr>
+              <a:t>interactividad</a:t>
+            </a:r>
+            <a:r>
+              <a:rPr lang="en-US" sz="1500" dirty="0">
+                <a:solidFill>
+                  <a:schemeClr val="tx1">
+                    <a:lumMod val="75000"/>
+                    <a:lumOff val="25000"/>
+                  </a:schemeClr>
+                </a:solidFill>
+                <a:effectLst/>
+              </a:rPr>
+              <a:t> y </a:t>
+            </a:r>
+            <a:r>
+              <a:rPr lang="en-US" sz="1500" dirty="0" err="1">
+                <a:solidFill>
+                  <a:schemeClr val="tx1">
+                    <a:lumMod val="75000"/>
+                    <a:lumOff val="25000"/>
+                  </a:schemeClr>
+                </a:solidFill>
+                <a:effectLst/>
+              </a:rPr>
+              <a:t>actualizaciones</a:t>
+            </a:r>
+            <a:r>
+              <a:rPr lang="en-US" sz="1500" dirty="0">
+                <a:solidFill>
+                  <a:schemeClr val="tx1">
+                    <a:lumMod val="75000"/>
+                    <a:lumOff val="25000"/>
+                  </a:schemeClr>
+                </a:solidFill>
+                <a:effectLst/>
+              </a:rPr>
+              <a:t> </a:t>
+            </a:r>
+            <a:r>
+              <a:rPr lang="en-US" sz="1500" dirty="0" err="1">
+                <a:solidFill>
+                  <a:schemeClr val="tx1">
+                    <a:lumMod val="75000"/>
+                    <a:lumOff val="25000"/>
+                  </a:schemeClr>
+                </a:solidFill>
+                <a:effectLst/>
+              </a:rPr>
+              <a:t>dinámicas</a:t>
+            </a:r>
+            <a:r>
+              <a:rPr lang="en-US" sz="1500" dirty="0">
+                <a:solidFill>
+                  <a:schemeClr val="tx1">
+                    <a:lumMod val="75000"/>
+                    <a:lumOff val="25000"/>
+                  </a:schemeClr>
+                </a:solidFill>
+                <a:effectLst/>
+              </a:rPr>
+              <a:t> en </a:t>
+            </a:r>
+            <a:r>
+              <a:rPr lang="en-US" sz="1500" dirty="0" err="1">
+                <a:solidFill>
+                  <a:schemeClr val="tx1">
+                    <a:lumMod val="75000"/>
+                    <a:lumOff val="25000"/>
+                  </a:schemeClr>
+                </a:solidFill>
+                <a:effectLst/>
+              </a:rPr>
+              <a:t>tiempo</a:t>
+            </a:r>
+            <a:r>
+              <a:rPr lang="en-US" sz="1500" dirty="0">
+                <a:solidFill>
+                  <a:schemeClr val="tx1">
+                    <a:lumMod val="75000"/>
+                    <a:lumOff val="25000"/>
+                  </a:schemeClr>
+                </a:solidFill>
+                <a:effectLst/>
+              </a:rPr>
+              <a:t> real para </a:t>
+            </a:r>
+            <a:r>
+              <a:rPr lang="en-US" sz="1500" dirty="0" err="1">
+                <a:solidFill>
+                  <a:schemeClr val="tx1">
+                    <a:lumMod val="75000"/>
+                    <a:lumOff val="25000"/>
+                  </a:schemeClr>
+                </a:solidFill>
+                <a:effectLst/>
+              </a:rPr>
+              <a:t>modificar</a:t>
+            </a:r>
+            <a:r>
+              <a:rPr lang="en-US" sz="1500" dirty="0">
+                <a:solidFill>
+                  <a:schemeClr val="tx1">
+                    <a:lumMod val="75000"/>
+                    <a:lumOff val="25000"/>
+                  </a:schemeClr>
+                </a:solidFill>
+                <a:effectLst/>
+              </a:rPr>
+              <a:t> </a:t>
+            </a:r>
+            <a:r>
+              <a:rPr lang="en-US" sz="1500" dirty="0" err="1">
+                <a:solidFill>
+                  <a:schemeClr val="tx1">
+                    <a:lumMod val="75000"/>
+                    <a:lumOff val="25000"/>
+                  </a:schemeClr>
+                </a:solidFill>
+                <a:effectLst/>
+              </a:rPr>
+              <a:t>cantidades</a:t>
+            </a:r>
+            <a:r>
+              <a:rPr lang="en-US" sz="1500" dirty="0">
+                <a:solidFill>
+                  <a:schemeClr val="tx1">
+                    <a:lumMod val="75000"/>
+                    <a:lumOff val="25000"/>
+                  </a:schemeClr>
+                </a:solidFill>
+                <a:effectLst/>
+              </a:rPr>
+              <a:t> y </a:t>
+            </a:r>
+            <a:r>
+              <a:rPr lang="en-US" sz="1500" dirty="0" err="1">
+                <a:solidFill>
+                  <a:schemeClr val="tx1">
+                    <a:lumMod val="75000"/>
+                    <a:lumOff val="25000"/>
+                  </a:schemeClr>
+                </a:solidFill>
+                <a:effectLst/>
+              </a:rPr>
+              <a:t>otros</a:t>
+            </a:r>
+            <a:r>
+              <a:rPr lang="en-US" sz="1500" dirty="0">
+                <a:solidFill>
+                  <a:schemeClr val="tx1">
+                    <a:lumMod val="75000"/>
+                    <a:lumOff val="25000"/>
+                  </a:schemeClr>
+                </a:solidFill>
+                <a:effectLst/>
+              </a:rPr>
+              <a:t> </a:t>
+            </a:r>
+            <a:r>
+              <a:rPr lang="en-US" sz="1500" dirty="0" err="1">
+                <a:solidFill>
+                  <a:schemeClr val="tx1">
+                    <a:lumMod val="75000"/>
+                    <a:lumOff val="25000"/>
+                  </a:schemeClr>
+                </a:solidFill>
+                <a:effectLst/>
+              </a:rPr>
+              <a:t>detalles</a:t>
+            </a:r>
+            <a:r>
+              <a:rPr lang="en-US" sz="1500" dirty="0">
+                <a:solidFill>
+                  <a:schemeClr val="tx1">
+                    <a:lumMod val="75000"/>
+                    <a:lumOff val="25000"/>
+                  </a:schemeClr>
+                </a:solidFill>
+                <a:effectLst/>
+              </a:rPr>
+              <a:t>.</a:t>
+            </a:r>
+          </a:p>
+          <a:p>
+            <a:pPr>
+              <a:lnSpc>
+                <a:spcPct val="90000"/>
+              </a:lnSpc>
+              <a:spcBef>
+                <a:spcPts val="1000"/>
+              </a:spcBef>
+              <a:buClr>
+                <a:schemeClr val="accent1"/>
+              </a:buClr>
+              <a:buSzPct val="80000"/>
+              <a:buFont typeface="Wingdings 3" charset="2"/>
+              <a:buChar char=""/>
+            </a:pPr>
+            <a:r>
+              <a:rPr lang="en-US" sz="1500" dirty="0">
+                <a:solidFill>
+                  <a:schemeClr val="tx1">
+                    <a:lumMod val="75000"/>
+                    <a:lumOff val="25000"/>
+                  </a:schemeClr>
+                </a:solidFill>
+                <a:effectLst/>
+              </a:rPr>
+              <a:t>CSS:</a:t>
+            </a:r>
+          </a:p>
+          <a:p>
+            <a:pPr>
+              <a:lnSpc>
+                <a:spcPct val="90000"/>
+              </a:lnSpc>
+              <a:spcBef>
+                <a:spcPts val="1000"/>
+              </a:spcBef>
+              <a:buClr>
+                <a:schemeClr val="accent1"/>
+              </a:buClr>
+              <a:buSzPct val="80000"/>
+              <a:buFont typeface="Wingdings 3" charset="2"/>
+              <a:buChar char=""/>
+            </a:pPr>
+            <a:r>
+              <a:rPr lang="en-US" sz="1500" dirty="0" err="1">
+                <a:solidFill>
+                  <a:schemeClr val="tx1">
+                    <a:lumMod val="75000"/>
+                    <a:lumOff val="25000"/>
+                  </a:schemeClr>
+                </a:solidFill>
+                <a:effectLst/>
+              </a:rPr>
+              <a:t>Establece</a:t>
+            </a:r>
+            <a:r>
+              <a:rPr lang="en-US" sz="1500" dirty="0">
+                <a:solidFill>
+                  <a:schemeClr val="tx1">
+                    <a:lumMod val="75000"/>
+                    <a:lumOff val="25000"/>
+                  </a:schemeClr>
+                </a:solidFill>
+                <a:effectLst/>
+              </a:rPr>
+              <a:t> </a:t>
+            </a:r>
+            <a:r>
+              <a:rPr lang="en-US" sz="1500" dirty="0" err="1">
+                <a:solidFill>
+                  <a:schemeClr val="tx1">
+                    <a:lumMod val="75000"/>
+                    <a:lumOff val="25000"/>
+                  </a:schemeClr>
+                </a:solidFill>
+                <a:effectLst/>
+              </a:rPr>
+              <a:t>estilos</a:t>
+            </a:r>
+            <a:r>
+              <a:rPr lang="en-US" sz="1500" dirty="0">
+                <a:solidFill>
+                  <a:schemeClr val="tx1">
+                    <a:lumMod val="75000"/>
+                    <a:lumOff val="25000"/>
+                  </a:schemeClr>
+                </a:solidFill>
+                <a:effectLst/>
+              </a:rPr>
+              <a:t> </a:t>
+            </a:r>
+            <a:r>
+              <a:rPr lang="en-US" sz="1500" dirty="0" err="1">
+                <a:solidFill>
+                  <a:schemeClr val="tx1">
+                    <a:lumMod val="75000"/>
+                    <a:lumOff val="25000"/>
+                  </a:schemeClr>
+                </a:solidFill>
+                <a:effectLst/>
+              </a:rPr>
+              <a:t>visuales</a:t>
+            </a:r>
+            <a:r>
+              <a:rPr lang="en-US" sz="1500" dirty="0">
+                <a:solidFill>
+                  <a:schemeClr val="tx1">
+                    <a:lumMod val="75000"/>
+                    <a:lumOff val="25000"/>
+                  </a:schemeClr>
+                </a:solidFill>
+                <a:effectLst/>
+              </a:rPr>
+              <a:t> para </a:t>
+            </a:r>
+            <a:r>
+              <a:rPr lang="en-US" sz="1500" dirty="0" err="1">
+                <a:solidFill>
+                  <a:schemeClr val="tx1">
+                    <a:lumMod val="75000"/>
+                    <a:lumOff val="25000"/>
+                  </a:schemeClr>
+                </a:solidFill>
+                <a:effectLst/>
+              </a:rPr>
+              <a:t>organizar</a:t>
+            </a:r>
+            <a:r>
+              <a:rPr lang="en-US" sz="1500" dirty="0">
+                <a:solidFill>
+                  <a:schemeClr val="tx1">
+                    <a:lumMod val="75000"/>
+                    <a:lumOff val="25000"/>
+                  </a:schemeClr>
+                </a:solidFill>
+                <a:effectLst/>
+              </a:rPr>
+              <a:t> y </a:t>
+            </a:r>
+            <a:r>
+              <a:rPr lang="en-US" sz="1500" dirty="0" err="1">
+                <a:solidFill>
+                  <a:schemeClr val="tx1">
+                    <a:lumMod val="75000"/>
+                    <a:lumOff val="25000"/>
+                  </a:schemeClr>
+                </a:solidFill>
+                <a:effectLst/>
+              </a:rPr>
+              <a:t>destacar</a:t>
+            </a:r>
+            <a:r>
+              <a:rPr lang="en-US" sz="1500" dirty="0">
+                <a:solidFill>
+                  <a:schemeClr val="tx1">
+                    <a:lumMod val="75000"/>
+                    <a:lumOff val="25000"/>
+                  </a:schemeClr>
+                </a:solidFill>
+                <a:effectLst/>
+              </a:rPr>
+              <a:t> la </a:t>
+            </a:r>
+            <a:r>
+              <a:rPr lang="en-US" sz="1500" dirty="0" err="1">
+                <a:solidFill>
+                  <a:schemeClr val="tx1">
+                    <a:lumMod val="75000"/>
+                    <a:lumOff val="25000"/>
+                  </a:schemeClr>
+                </a:solidFill>
+                <a:effectLst/>
+              </a:rPr>
+              <a:t>información</a:t>
+            </a:r>
+            <a:r>
+              <a:rPr lang="en-US" sz="1500" dirty="0">
+                <a:solidFill>
+                  <a:schemeClr val="tx1">
+                    <a:lumMod val="75000"/>
+                    <a:lumOff val="25000"/>
+                  </a:schemeClr>
+                </a:solidFill>
+                <a:effectLst/>
+              </a:rPr>
+              <a:t> del </a:t>
+            </a:r>
+            <a:r>
+              <a:rPr lang="en-US" sz="1500" dirty="0" err="1">
+                <a:solidFill>
+                  <a:schemeClr val="tx1">
+                    <a:lumMod val="75000"/>
+                    <a:lumOff val="25000"/>
+                  </a:schemeClr>
+                </a:solidFill>
+                <a:effectLst/>
+              </a:rPr>
+              <a:t>producto</a:t>
+            </a:r>
+            <a:r>
+              <a:rPr lang="en-US" sz="1500" dirty="0">
+                <a:solidFill>
+                  <a:schemeClr val="tx1">
+                    <a:lumMod val="75000"/>
+                    <a:lumOff val="25000"/>
+                  </a:schemeClr>
+                </a:solidFill>
+                <a:effectLst/>
+              </a:rPr>
+              <a:t>.</a:t>
+            </a:r>
+          </a:p>
+        </p:txBody>
+      </p:sp>
+      <p:pic>
+        <p:nvPicPr>
+          <p:cNvPr id="4" name="Picture 3" descr="Diseño de cromosoma púrpura 3D">
+            <a:extLst>
+              <a:ext uri="{FF2B5EF4-FFF2-40B4-BE49-F238E27FC236}">
+                <a16:creationId xmlns:a16="http://schemas.microsoft.com/office/drawing/2014/main" id="{B911E0CD-BF63-CDEE-5AA8-C0825274314B}"/>
+              </a:ext>
+            </a:extLst>
+          </p:cNvPr>
+          <p:cNvPicPr>
+            <a:picLocks noChangeAspect="1"/>
+          </p:cNvPicPr>
+          <p:nvPr/>
+        </p:nvPicPr>
+        <p:blipFill rotWithShape="1">
+          <a:blip r:embed="rId3"/>
+          <a:srcRect l="314" r="1957" b="1"/>
+          <a:stretch/>
+        </p:blipFill>
+        <p:spPr>
+          <a:xfrm>
+            <a:off x="5514398" y="2389830"/>
+            <a:ext cx="6189228" cy="6332988"/>
+          </a:xfrm>
+          <a:prstGeom prst="roundRect">
+            <a:avLst>
+              <a:gd name="adj" fmla="val 1858"/>
+            </a:avLst>
+          </a:prstGeom>
+          <a:effectLst>
+            <a:outerShdw blurRad="50800" dist="50800" dir="5400000" algn="tl" rotWithShape="0">
+              <a:srgbClr val="000000">
+                <a:alpha val="43000"/>
+              </a:srgbClr>
+            </a:outerShdw>
+          </a:effectLst>
+        </p:spPr>
+      </p:pic>
+      <p:pic>
+        <p:nvPicPr>
+          <p:cNvPr id="9" name="Imagen 8" descr="Texto, Carta&#10;&#10;Descripción generada automáticamente">
+            <a:extLst>
+              <a:ext uri="{FF2B5EF4-FFF2-40B4-BE49-F238E27FC236}">
+                <a16:creationId xmlns:a16="http://schemas.microsoft.com/office/drawing/2014/main" id="{1A5E327D-8AC4-EAB3-2408-1D10362E97AD}"/>
+              </a:ext>
+            </a:extLst>
+          </p:cNvPr>
+          <p:cNvPicPr>
+            <a:picLocks noChangeAspect="1"/>
+          </p:cNvPicPr>
+          <p:nvPr/>
+        </p:nvPicPr>
+        <p:blipFill rotWithShape="1">
+          <a:blip r:embed="rId4"/>
+          <a:srcRect t="14305" r="1" b="1"/>
+          <a:stretch/>
+        </p:blipFill>
+        <p:spPr>
+          <a:xfrm>
+            <a:off x="7119787" y="3032446"/>
+            <a:ext cx="2997538" cy="3067163"/>
+          </a:xfrm>
+          <a:prstGeom prst="roundRect">
+            <a:avLst>
+              <a:gd name="adj" fmla="val 1858"/>
+            </a:avLst>
+          </a:prstGeom>
+          <a:effectLst>
+            <a:outerShdw blurRad="50800" dist="50800" dir="5400000" algn="tl" rotWithShape="0">
+              <a:srgbClr val="000000">
+                <a:alpha val="43000"/>
+              </a:srgbClr>
+            </a:outerShdw>
+          </a:effectLst>
+        </p:spPr>
+      </p:pic>
+    </p:spTree>
+    <p:extLst>
+      <p:ext uri="{BB962C8B-B14F-4D97-AF65-F5344CB8AC3E}">
+        <p14:creationId xmlns:p14="http://schemas.microsoft.com/office/powerpoint/2010/main" val="682577211"/>
+      </p:ext>
+    </p:extLst>
+  </p:cSld>
+  <p:clrMapOvr>
+    <a:masterClrMapping/>
+  </p:clrMapOvr>
+</p:sld>
+</file>
+
+<file path=ppt/slides/slide11.xml><?xml version="1.0" encoding="utf-8"?>
+<p:sld xmlns:a="http://schemas.openxmlformats.org/drawingml/2006/main" xmlns:r="http://schemas.openxmlformats.org/officeDocument/2006/relationships" xmlns:p="http://schemas.openxmlformats.org/presentationml/2006/main">
+  <p:cSld>
+    <p:bg>
+      <p:bgPr>
+        <a:solidFill>
+          <a:schemeClr val="bg1"/>
+        </a:solidFill>
+        <a:effectLst/>
+      </p:bgPr>
+    </p:bg>
+    <p:spTree>
+      <p:nvGrpSpPr>
+        <p:cNvPr id="1" name=""/>
+        <p:cNvGrpSpPr/>
+        <p:nvPr/>
+      </p:nvGrpSpPr>
+      <p:grpSpPr>
+        <a:xfrm>
+          <a:off x="0" y="0"/>
+          <a:ext cx="0" cy="0"/>
+          <a:chOff x="0" y="0"/>
+          <a:chExt cx="0" cy="0"/>
+        </a:xfrm>
+      </p:grpSpPr>
+      <p:sp>
+        <p:nvSpPr>
+          <p:cNvPr id="9" name="Freeform 5">
+            <a:extLst>
+              <a:ext uri="{FF2B5EF4-FFF2-40B4-BE49-F238E27FC236}">
+                <a16:creationId xmlns:a16="http://schemas.microsoft.com/office/drawing/2014/main" id="{2D529E20-662F-4915-ACD7-970C026FDB7F}"/>
+              </a:ext>
+              <a:ext uri="{C183D7F6-B498-43B3-948B-1728B52AA6E4}">
+                <adec:decorative xmlns:adec="http://schemas.microsoft.com/office/drawing/2017/decorative" xmlns="" val="1"/>
+              </a:ext>
+            </a:extLst>
+          </p:cNvPr>
+          <p:cNvSpPr>
+            <a:spLocks noGrp="1" noRot="1" noChangeAspect="1" noMove="1" noResize="1" noEditPoints="1" noAdjustHandles="1" noChangeArrowheads="1" noChangeShapeType="1" noTextEdit="1"/>
+          </p:cNvSpPr>
+          <p:nvPr>
+            <p:extLst>
+              <p:ext uri="{386F3935-93C4-4BCD-93E2-E3B085C9AB24}">
+                <p16:designElem xmlns:p16="http://schemas.microsoft.com/office/powerpoint/2015/main" val="1"/>
+              </p:ext>
+            </p:extLst>
+          </p:nvPr>
+        </p:nvSpPr>
+        <p:spPr bwMode="gray">
+          <a:xfrm rot="5677511" flipH="1">
+            <a:off x="3527283" y="1857885"/>
+            <a:ext cx="3299407" cy="440924"/>
+          </a:xfrm>
+          <a:custGeom>
+            <a:avLst/>
+            <a:gdLst/>
+            <a:ahLst/>
+            <a:cxnLst/>
+            <a:rect l="l" t="t" r="r" b="b"/>
+            <a:pathLst>
+              <a:path w="10000" h="5291">
+                <a:moveTo>
+                  <a:pt x="85" y="2532"/>
+                </a:moveTo>
+                <a:cubicBezTo>
+                  <a:pt x="1736" y="3911"/>
+                  <a:pt x="7524" y="5298"/>
+                  <a:pt x="9958" y="5291"/>
+                </a:cubicBezTo>
+                <a:cubicBezTo>
+                  <a:pt x="9989" y="1958"/>
+                  <a:pt x="9969" y="3333"/>
+                  <a:pt x="10000" y="0"/>
+                </a:cubicBezTo>
+                <a:lnTo>
+                  <a:pt x="10000" y="0"/>
+                </a:lnTo>
+                <a:lnTo>
+                  <a:pt x="9667" y="204"/>
+                </a:lnTo>
+                <a:lnTo>
+                  <a:pt x="9334" y="400"/>
+                </a:lnTo>
+                <a:lnTo>
+                  <a:pt x="9001" y="590"/>
+                </a:lnTo>
+                <a:lnTo>
+                  <a:pt x="8667" y="753"/>
+                </a:lnTo>
+                <a:lnTo>
+                  <a:pt x="8333" y="917"/>
+                </a:lnTo>
+                <a:lnTo>
+                  <a:pt x="7999" y="1071"/>
+                </a:lnTo>
+                <a:lnTo>
+                  <a:pt x="7669" y="1202"/>
+                </a:lnTo>
+                <a:lnTo>
+                  <a:pt x="7333" y="1325"/>
+                </a:lnTo>
+                <a:lnTo>
+                  <a:pt x="7000" y="1440"/>
+                </a:lnTo>
+                <a:lnTo>
+                  <a:pt x="6673" y="1538"/>
+                </a:lnTo>
+                <a:lnTo>
+                  <a:pt x="6340" y="1636"/>
+                </a:lnTo>
+                <a:lnTo>
+                  <a:pt x="6013" y="1719"/>
+                </a:lnTo>
+                <a:lnTo>
+                  <a:pt x="5686" y="1784"/>
+                </a:lnTo>
+                <a:lnTo>
+                  <a:pt x="5359" y="1850"/>
+                </a:lnTo>
+                <a:lnTo>
+                  <a:pt x="5036" y="1906"/>
+                </a:lnTo>
+                <a:lnTo>
+                  <a:pt x="4717" y="1948"/>
+                </a:lnTo>
+                <a:lnTo>
+                  <a:pt x="4396" y="1980"/>
+                </a:lnTo>
+                <a:lnTo>
+                  <a:pt x="4079" y="2013"/>
+                </a:lnTo>
+                <a:lnTo>
+                  <a:pt x="3766" y="2029"/>
+                </a:lnTo>
+                <a:lnTo>
+                  <a:pt x="3454" y="2046"/>
+                </a:lnTo>
+                <a:lnTo>
+                  <a:pt x="3145" y="2053"/>
+                </a:lnTo>
+                <a:lnTo>
+                  <a:pt x="2839" y="2046"/>
+                </a:lnTo>
+                <a:lnTo>
+                  <a:pt x="2537" y="2046"/>
+                </a:lnTo>
+                <a:lnTo>
+                  <a:pt x="2238" y="2029"/>
+                </a:lnTo>
+                <a:lnTo>
+                  <a:pt x="1943" y="2004"/>
+                </a:lnTo>
+                <a:lnTo>
+                  <a:pt x="1653" y="1980"/>
+                </a:lnTo>
+                <a:lnTo>
+                  <a:pt x="1368" y="1955"/>
+                </a:lnTo>
+                <a:lnTo>
+                  <a:pt x="1085" y="1915"/>
+                </a:lnTo>
+                <a:lnTo>
+                  <a:pt x="806" y="1873"/>
+                </a:lnTo>
+                <a:lnTo>
+                  <a:pt x="533" y="1833"/>
+                </a:lnTo>
+                <a:lnTo>
+                  <a:pt x="0" y="1726"/>
+                </a:lnTo>
+                <a:cubicBezTo>
+                  <a:pt x="28" y="1995"/>
+                  <a:pt x="57" y="2263"/>
+                  <a:pt x="85" y="2532"/>
+                </a:cubicBezTo>
+                <a:close/>
+              </a:path>
+            </a:pathLst>
+          </a:custGeom>
+          <a:solidFill>
+            <a:schemeClr val="bg1">
+              <a:alpha val="20000"/>
+            </a:schemeClr>
+          </a:solidFill>
+          <a:ln>
+            <a:noFill/>
+          </a:ln>
+        </p:spPr>
+        <p:txBody>
+          <a:bodyPr/>
+          <a:lstStyle/>
+          <a:p>
+            <a:endParaRPr lang="es-419"/>
+          </a:p>
+        </p:txBody>
+      </p:sp>
+      <p:pic>
+        <p:nvPicPr>
+          <p:cNvPr id="4" name="Picture 3" descr="Diseño de cromosoma púrpura 3D">
+            <a:extLst>
+              <a:ext uri="{FF2B5EF4-FFF2-40B4-BE49-F238E27FC236}">
+                <a16:creationId xmlns:a16="http://schemas.microsoft.com/office/drawing/2014/main" id="{B911E0CD-BF63-CDEE-5AA8-C0825274314B}"/>
+              </a:ext>
+            </a:extLst>
+          </p:cNvPr>
+          <p:cNvPicPr>
+            <a:picLocks noChangeAspect="1"/>
+          </p:cNvPicPr>
+          <p:nvPr/>
+        </p:nvPicPr>
+        <p:blipFill rotWithShape="1">
+          <a:blip r:embed="rId2"/>
+          <a:srcRect l="8435" r="10077" b="-1"/>
+          <a:stretch/>
+        </p:blipFill>
+        <p:spPr>
+          <a:xfrm>
+            <a:off x="423337" y="402166"/>
+            <a:ext cx="4932951" cy="6053670"/>
+          </a:xfrm>
+          <a:custGeom>
+            <a:avLst/>
+            <a:gdLst/>
+            <a:ahLst/>
+            <a:cxnLst/>
+            <a:rect l="l" t="t" r="r" b="b"/>
+            <a:pathLst>
+              <a:path w="4932951" h="6053670">
+                <a:moveTo>
+                  <a:pt x="0" y="0"/>
+                </a:moveTo>
+                <a:lnTo>
+                  <a:pt x="3678393" y="0"/>
+                </a:lnTo>
+                <a:lnTo>
+                  <a:pt x="4478865" y="0"/>
+                </a:lnTo>
+                <a:lnTo>
+                  <a:pt x="4931853" y="0"/>
+                </a:lnTo>
+                <a:lnTo>
+                  <a:pt x="4908487" y="137419"/>
+                </a:lnTo>
+                <a:lnTo>
+                  <a:pt x="4886218" y="274232"/>
+                </a:lnTo>
+                <a:lnTo>
+                  <a:pt x="4864421" y="411650"/>
+                </a:lnTo>
+                <a:lnTo>
+                  <a:pt x="4845759" y="549673"/>
+                </a:lnTo>
+                <a:lnTo>
+                  <a:pt x="4826941" y="687092"/>
+                </a:lnTo>
+                <a:lnTo>
+                  <a:pt x="4809377" y="825115"/>
+                </a:lnTo>
+                <a:lnTo>
+                  <a:pt x="4794322" y="961323"/>
+                </a:lnTo>
+                <a:lnTo>
+                  <a:pt x="4780052" y="1099347"/>
+                </a:lnTo>
+                <a:lnTo>
+                  <a:pt x="4767035" y="1236765"/>
+                </a:lnTo>
+                <a:lnTo>
+                  <a:pt x="4755744" y="1371761"/>
+                </a:lnTo>
+                <a:lnTo>
+                  <a:pt x="4744453" y="1508574"/>
+                </a:lnTo>
+                <a:lnTo>
+                  <a:pt x="4735044" y="1643572"/>
+                </a:lnTo>
+                <a:lnTo>
+                  <a:pt x="4727674" y="1778568"/>
+                </a:lnTo>
+                <a:lnTo>
+                  <a:pt x="4719990" y="1912960"/>
+                </a:lnTo>
+                <a:lnTo>
+                  <a:pt x="4713560" y="2046141"/>
+                </a:lnTo>
+                <a:lnTo>
+                  <a:pt x="4709012" y="2178111"/>
+                </a:lnTo>
+                <a:lnTo>
+                  <a:pt x="4705092" y="2310081"/>
+                </a:lnTo>
+                <a:lnTo>
+                  <a:pt x="4701328" y="2440840"/>
+                </a:lnTo>
+                <a:lnTo>
+                  <a:pt x="4699603" y="2569783"/>
+                </a:lnTo>
+                <a:lnTo>
+                  <a:pt x="4697721" y="2698726"/>
+                </a:lnTo>
+                <a:lnTo>
+                  <a:pt x="4696780" y="2825853"/>
+                </a:lnTo>
+                <a:lnTo>
+                  <a:pt x="4697721" y="2951770"/>
+                </a:lnTo>
+                <a:lnTo>
+                  <a:pt x="4697721" y="3076475"/>
+                </a:lnTo>
+                <a:lnTo>
+                  <a:pt x="4699603" y="3199970"/>
+                </a:lnTo>
+                <a:lnTo>
+                  <a:pt x="4702426" y="3321043"/>
+                </a:lnTo>
+                <a:lnTo>
+                  <a:pt x="4705092" y="3440906"/>
+                </a:lnTo>
+                <a:lnTo>
+                  <a:pt x="4708071" y="3558347"/>
+                </a:lnTo>
+                <a:lnTo>
+                  <a:pt x="4712619" y="3675183"/>
+                </a:lnTo>
+                <a:lnTo>
+                  <a:pt x="4717480" y="3790203"/>
+                </a:lnTo>
+                <a:lnTo>
+                  <a:pt x="4721871" y="3902801"/>
+                </a:lnTo>
+                <a:lnTo>
+                  <a:pt x="4734260" y="4122549"/>
+                </a:lnTo>
+                <a:lnTo>
+                  <a:pt x="4747433" y="4333217"/>
+                </a:lnTo>
+                <a:lnTo>
+                  <a:pt x="4761233" y="4535409"/>
+                </a:lnTo>
+                <a:lnTo>
+                  <a:pt x="4776445" y="4726705"/>
+                </a:lnTo>
+                <a:lnTo>
+                  <a:pt x="4792283" y="4909526"/>
+                </a:lnTo>
+                <a:lnTo>
+                  <a:pt x="4809377" y="5079029"/>
+                </a:lnTo>
+                <a:lnTo>
+                  <a:pt x="4826157" y="5238240"/>
+                </a:lnTo>
+                <a:lnTo>
+                  <a:pt x="4842936" y="5384739"/>
+                </a:lnTo>
+                <a:lnTo>
+                  <a:pt x="4858775" y="5519131"/>
+                </a:lnTo>
+                <a:lnTo>
+                  <a:pt x="4873830" y="5638388"/>
+                </a:lnTo>
+                <a:lnTo>
+                  <a:pt x="4888100" y="5746143"/>
+                </a:lnTo>
+                <a:lnTo>
+                  <a:pt x="4900019" y="5836948"/>
+                </a:lnTo>
+                <a:lnTo>
+                  <a:pt x="4911310" y="5913225"/>
+                </a:lnTo>
+                <a:lnTo>
+                  <a:pt x="4927462" y="6017953"/>
+                </a:lnTo>
+                <a:lnTo>
+                  <a:pt x="4932951" y="6053670"/>
+                </a:lnTo>
+                <a:lnTo>
+                  <a:pt x="4478865" y="6053670"/>
+                </a:lnTo>
+                <a:lnTo>
+                  <a:pt x="3683097" y="6053670"/>
+                </a:lnTo>
+                <a:lnTo>
+                  <a:pt x="0" y="6053670"/>
+                </a:lnTo>
+                <a:close/>
+              </a:path>
+            </a:pathLst>
+          </a:custGeom>
+        </p:spPr>
+      </p:pic>
+      <p:sp>
+        <p:nvSpPr>
+          <p:cNvPr id="11" name="Freeform 5">
+            <a:extLst>
+              <a:ext uri="{FF2B5EF4-FFF2-40B4-BE49-F238E27FC236}">
+                <a16:creationId xmlns:a16="http://schemas.microsoft.com/office/drawing/2014/main" id="{1AD5EB79-7F9A-4BBC-92A5-188382CBA1B6}"/>
+              </a:ext>
+              <a:ext uri="{C183D7F6-B498-43B3-948B-1728B52AA6E4}">
+                <adec:decorative xmlns:adec="http://schemas.microsoft.com/office/drawing/2017/decorative" xmlns="" val="1"/>
+              </a:ext>
+            </a:extLst>
+          </p:cNvPr>
+          <p:cNvSpPr>
+            <a:spLocks noGrp="1" noRot="1" noChangeAspect="1" noMove="1" noResize="1" noEditPoints="1" noAdjustHandles="1" noChangeArrowheads="1" noChangeShapeType="1" noTextEdit="1"/>
+          </p:cNvSpPr>
+          <p:nvPr>
+            <p:extLst>
+              <p:ext uri="{386F3935-93C4-4BCD-93E2-E3B085C9AB24}">
+                <p16:designElem xmlns:p16="http://schemas.microsoft.com/office/powerpoint/2015/main" val="1"/>
+              </p:ext>
+            </p:extLst>
+          </p:nvPr>
+        </p:nvSpPr>
+        <p:spPr bwMode="gray">
+          <a:xfrm>
+            <a:off x="0" y="1587"/>
+            <a:ext cx="12192000" cy="6856413"/>
+          </a:xfrm>
+          <a:custGeom>
+            <a:avLst/>
+            <a:gdLst/>
+            <a:ahLst/>
+            <a:cxnLst/>
+            <a:rect l="0" t="0" r="r" b="b"/>
+            <a:pathLst>
+              <a:path w="15356" h="8638">
+                <a:moveTo>
+                  <a:pt x="0" y="0"/>
+                </a:moveTo>
+                <a:lnTo>
+                  <a:pt x="0" y="8638"/>
+                </a:lnTo>
+                <a:lnTo>
+                  <a:pt x="15356" y="8638"/>
+                </a:lnTo>
+                <a:lnTo>
+                  <a:pt x="15356" y="0"/>
+                </a:lnTo>
+                <a:lnTo>
+                  <a:pt x="0" y="0"/>
+                </a:lnTo>
+                <a:close/>
+                <a:moveTo>
+                  <a:pt x="14748" y="8038"/>
+                </a:moveTo>
+                <a:lnTo>
+                  <a:pt x="600" y="8038"/>
+                </a:lnTo>
+                <a:lnTo>
+                  <a:pt x="600" y="592"/>
+                </a:lnTo>
+                <a:lnTo>
+                  <a:pt x="14748" y="592"/>
+                </a:lnTo>
+                <a:lnTo>
+                  <a:pt x="14748" y="8038"/>
+                </a:lnTo>
+                <a:close/>
+              </a:path>
+            </a:pathLst>
+          </a:custGeom>
+          <a:solidFill>
+            <a:schemeClr val="bg1"/>
+          </a:solidFill>
+          <a:ln>
+            <a:noFill/>
+          </a:ln>
+        </p:spPr>
+        <p:txBody>
+          <a:bodyPr/>
+          <a:lstStyle/>
+          <a:p>
+            <a:endParaRPr lang="es-419"/>
+          </a:p>
+        </p:txBody>
+      </p:sp>
+      <p:sp>
+        <p:nvSpPr>
+          <p:cNvPr id="2" name="Título 1">
+            <a:extLst>
+              <a:ext uri="{FF2B5EF4-FFF2-40B4-BE49-F238E27FC236}">
+                <a16:creationId xmlns:a16="http://schemas.microsoft.com/office/drawing/2014/main" id="{5105512F-6638-662A-1660-3AAB0832567F}"/>
+              </a:ext>
+            </a:extLst>
+          </p:cNvPr>
+          <p:cNvSpPr>
+            <a:spLocks noGrp="1"/>
+          </p:cNvSpPr>
+          <p:nvPr>
+            <p:ph type="ctrTitle"/>
+          </p:nvPr>
+        </p:nvSpPr>
+        <p:spPr>
+          <a:xfrm>
+            <a:off x="5695061" y="1241266"/>
+            <a:ext cx="5428551" cy="3153753"/>
+          </a:xfrm>
+        </p:spPr>
+        <p:txBody>
+          <a:bodyPr>
+            <a:normAutofit/>
+          </a:bodyPr>
+          <a:lstStyle/>
+          <a:p>
+            <a:r>
+              <a:rPr lang="es-MX"/>
+              <a:t>Conclusiones</a:t>
+            </a:r>
+            <a:endParaRPr lang="es-419"/>
+          </a:p>
+        </p:txBody>
+      </p:sp>
+      <p:sp>
+        <p:nvSpPr>
+          <p:cNvPr id="13" name="Rectangle 12">
+            <a:extLst>
+              <a:ext uri="{FF2B5EF4-FFF2-40B4-BE49-F238E27FC236}">
+                <a16:creationId xmlns:a16="http://schemas.microsoft.com/office/drawing/2014/main" id="{B9B8A17F-DC3A-4D9A-AA53-9BFB894CD7BA}"/>
+              </a:ext>
+              <a:ext uri="{C183D7F6-B498-43B3-948B-1728B52AA6E4}">
+                <adec:decorative xmlns:adec="http://schemas.microsoft.com/office/drawing/2017/decorative" xmlns="" val="1"/>
+              </a:ext>
+            </a:extLst>
+          </p:cNvPr>
+          <p:cNvSpPr>
+            <a:spLocks noGrp="1" noRot="1" noChangeAspect="1" noMove="1" noResize="1" noEditPoints="1" noAdjustHandles="1" noChangeArrowheads="1" noChangeShapeType="1" noTextEdit="1"/>
+          </p:cNvSpPr>
+          <p:nvPr>
+            <p:extLst>
+              <p:ext uri="{386F3935-93C4-4BCD-93E2-E3B085C9AB24}">
+                <p16:designElem xmlns:p16="http://schemas.microsoft.com/office/powerpoint/2015/main" val="1"/>
+              </p:ext>
+            </p:extLst>
+          </p:nvPr>
+        </p:nvSpPr>
+        <p:spPr>
+          <a:xfrm>
+            <a:off x="10437812" y="0"/>
+            <a:ext cx="685800" cy="1143000"/>
+          </a:xfrm>
+          <a:prstGeom prst="rect">
+            <a:avLst/>
+          </a:prstGeom>
+          <a:solidFill>
+            <a:schemeClr val="accent1"/>
+          </a:solidFill>
+          <a:ln>
+            <a:noFill/>
+          </a:ln>
+        </p:spPr>
+        <p:style>
+          <a:lnRef idx="1">
+            <a:schemeClr val="accent1"/>
+          </a:lnRef>
+          <a:fillRef idx="3">
+            <a:schemeClr val="accent1"/>
+          </a:fillRef>
+          <a:effectRef idx="2">
+            <a:schemeClr val="accent1"/>
+          </a:effectRef>
+          <a:fontRef idx="minor">
+            <a:schemeClr val="lt1"/>
+          </a:fontRef>
+        </p:style>
+        <p:txBody>
+          <a:bodyPr/>
+          <a:lstStyle/>
+          <a:p>
+            <a:endParaRPr lang="es-419"/>
+          </a:p>
+        </p:txBody>
+      </p:sp>
+    </p:spTree>
+    <p:extLst>
+      <p:ext uri="{BB962C8B-B14F-4D97-AF65-F5344CB8AC3E}">
+        <p14:creationId xmlns:p14="http://schemas.microsoft.com/office/powerpoint/2010/main" val="832664466"/>
+      </p:ext>
+    </p:extLst>
+  </p:cSld>
+  <p:clrMapOvr>
+    <a:masterClrMapping/>
+  </p:clrMapOvr>
+  <p:timing>
+    <p:tnLst>
+      <p:par>
+        <p:cTn id="1" dur="indefinite" restart="never" nodeType="tmRoot">
+          <p:childTnLst>
+            <p:seq concurrent="1" nextAc="seek">
+              <p:cTn id="2" dur="indefinite" nodeType="mainSeq">
+                <p:childTnLst>
+                  <p:par>
+                    <p:cTn id="3" fill="hold">
+                      <p:stCondLst>
+                        <p:cond delay="indefinite"/>
+                        <p:cond evt="onBegin" delay="0">
+                          <p:tn val="2"/>
+                        </p:cond>
+                      </p:stCondLst>
+                      <p:childTnLst>
+                        <p:par>
+                          <p:cTn id="4" fill="hold">
+                            <p:stCondLst>
+                              <p:cond delay="0"/>
+                            </p:stCondLst>
+                            <p:childTnLst>
+                              <p:par>
+                                <p:cTn id="5" presetID="10" presetClass="entr" presetSubtype="0" fill="hold" grpId="0" nodeType="withEffect">
+                                  <p:stCondLst>
+                                    <p:cond delay="1000"/>
+                                  </p:stCondLst>
+                                  <p:iterate type="lt">
+                                    <p:tmPct val="10000"/>
+                                  </p:iterate>
+                                  <p:childTnLst>
+                                    <p:set>
+                                      <p:cBhvr>
+                                        <p:cTn id="6" dur="1" fill="hold">
+                                          <p:stCondLst>
+                                            <p:cond delay="0"/>
+                                          </p:stCondLst>
+                                        </p:cTn>
+                                        <p:tgtEl>
+                                          <p:spTgt spid="2"/>
+                                        </p:tgtEl>
+                                        <p:attrNameLst>
+                                          <p:attrName>style.visibility</p:attrName>
+                                        </p:attrNameLst>
+                                      </p:cBhvr>
+                                      <p:to>
+                                        <p:strVal val="visible"/>
+                                      </p:to>
+                                    </p:set>
+                                    <p:animEffect transition="in" filter="fade">
+                                      <p:cBhvr>
+                                        <p:cTn id="7" dur="400"/>
+                                        <p:tgtEl>
+                                          <p:spTgt spid="2"/>
+                                        </p:tgtEl>
+                                      </p:cBhvr>
+                                    </p:animEffect>
+                                  </p:childTnLst>
+                                </p:cTn>
+                              </p:par>
+                            </p:childTnLst>
+                          </p:cTn>
+                        </p:par>
+                      </p:childTnLst>
+                    </p:cTn>
+                  </p:par>
+                </p:childTnLst>
+              </p:cTn>
+              <p:prevCondLst>
+                <p:cond evt="onPrev" delay="0">
+                  <p:tgtEl>
+                    <p:sldTgt/>
+                  </p:tgtEl>
+                </p:cond>
+              </p:prevCondLst>
+              <p:nextCondLst>
+                <p:cond evt="onNext" delay="0">
+                  <p:tgtEl>
+                    <p:sldTgt/>
+                  </p:tgtEl>
+                </p:cond>
+              </p:nextCondLst>
+            </p:seq>
+          </p:childTnLst>
+        </p:cTn>
+      </p:par>
+    </p:tnLst>
+    <p:bldLst>
+      <p:bldP spid="2" grpId="0"/>
+    </p:bldLst>
+  </p:timing>
 </p:sld>
 </file>
 
@@ -17188,6 +19839,190 @@
 <file path=ppt/slides/slide3.xml><?xml version="1.0" encoding="utf-8"?>
 <p:sld xmlns:a="http://schemas.openxmlformats.org/drawingml/2006/main" xmlns:r="http://schemas.openxmlformats.org/officeDocument/2006/relationships" xmlns:p="http://schemas.openxmlformats.org/presentationml/2006/main">
   <p:cSld>
+    <p:bg>
+      <p:bgPr>
+        <a:solidFill>
+          <a:schemeClr val="bg1"/>
+        </a:solidFill>
+        <a:effectLst/>
+      </p:bgPr>
+    </p:bg>
+    <p:spTree>
+      <p:nvGrpSpPr>
+        <p:cNvPr id="1" name=""/>
+        <p:cNvGrpSpPr/>
+        <p:nvPr/>
+      </p:nvGrpSpPr>
+      <p:grpSpPr>
+        <a:xfrm>
+          <a:off x="0" y="0"/>
+          <a:ext cx="0" cy="0"/>
+          <a:chOff x="0" y="0"/>
+          <a:chExt cx="0" cy="0"/>
+        </a:xfrm>
+      </p:grpSpPr>
+      <p:sp>
+        <p:nvSpPr>
+          <p:cNvPr id="2" name="Título 1">
+            <a:extLst>
+              <a:ext uri="{FF2B5EF4-FFF2-40B4-BE49-F238E27FC236}">
+                <a16:creationId xmlns:a16="http://schemas.microsoft.com/office/drawing/2014/main" id="{5105512F-6638-662A-1660-3AAB0832567F}"/>
+              </a:ext>
+            </a:extLst>
+          </p:cNvPr>
+          <p:cNvSpPr>
+            <a:spLocks noGrp="1"/>
+          </p:cNvSpPr>
+          <p:nvPr>
+            <p:ph type="ctrTitle"/>
+          </p:nvPr>
+        </p:nvSpPr>
+        <p:spPr>
+          <a:xfrm>
+            <a:off x="6575305" y="235881"/>
+            <a:ext cx="4569006" cy="2884247"/>
+          </a:xfrm>
+        </p:spPr>
+        <p:txBody>
+          <a:bodyPr anchor="ctr">
+            <a:normAutofit/>
+          </a:bodyPr>
+          <a:lstStyle/>
+          <a:p>
+            <a:r>
+              <a:rPr lang="es-MX" dirty="0" smtClean="0"/>
+              <a:t>Introducción </a:t>
+            </a:r>
+            <a:endParaRPr lang="es-419" dirty="0"/>
+          </a:p>
+        </p:txBody>
+      </p:sp>
+      <p:pic>
+        <p:nvPicPr>
+          <p:cNvPr id="4" name="Picture 3" descr="Diseño de cromosoma púrpura 3D">
+            <a:extLst>
+              <a:ext uri="{FF2B5EF4-FFF2-40B4-BE49-F238E27FC236}">
+                <a16:creationId xmlns:a16="http://schemas.microsoft.com/office/drawing/2014/main" id="{B911E0CD-BF63-CDEE-5AA8-C0825274314B}"/>
+              </a:ext>
+            </a:extLst>
+          </p:cNvPr>
+          <p:cNvPicPr>
+            <a:picLocks noChangeAspect="1"/>
+          </p:cNvPicPr>
+          <p:nvPr/>
+        </p:nvPicPr>
+        <p:blipFill rotWithShape="1">
+          <a:blip r:embed="rId2"/>
+          <a:srcRect l="4734" r="6377"/>
+          <a:stretch/>
+        </p:blipFill>
+        <p:spPr>
+          <a:xfrm>
+            <a:off x="20" y="10"/>
+            <a:ext cx="6095978" cy="6857989"/>
+          </a:xfrm>
+          <a:prstGeom prst="rect">
+            <a:avLst/>
+          </a:prstGeom>
+        </p:spPr>
+      </p:pic>
+      <p:sp>
+        <p:nvSpPr>
+          <p:cNvPr id="8" name="CuadroTexto 7">
+            <a:extLst>
+              <a:ext uri="{FF2B5EF4-FFF2-40B4-BE49-F238E27FC236}">
+                <a16:creationId xmlns:a16="http://schemas.microsoft.com/office/drawing/2014/main" id="{31861D52-CD98-5FB5-0344-81D803BBD687}"/>
+              </a:ext>
+            </a:extLst>
+          </p:cNvPr>
+          <p:cNvSpPr txBox="1"/>
+          <p:nvPr/>
+        </p:nvSpPr>
+        <p:spPr>
+          <a:xfrm>
+            <a:off x="6313384" y="2753116"/>
+            <a:ext cx="5092847" cy="2308324"/>
+          </a:xfrm>
+          <a:prstGeom prst="rect">
+            <a:avLst/>
+          </a:prstGeom>
+          <a:noFill/>
+        </p:spPr>
+        <p:txBody>
+          <a:bodyPr wrap="square">
+            <a:spAutoFit/>
+          </a:bodyPr>
+          <a:lstStyle/>
+          <a:p>
+            <a:pPr>
+              <a:lnSpc>
+                <a:spcPct val="100000"/>
+              </a:lnSpc>
+            </a:pPr>
+            <a:r>
+              <a:rPr lang="es-ES" dirty="0" smtClean="0">
+                <a:solidFill>
+                  <a:schemeClr val="bg1"/>
+                </a:solidFill>
+              </a:rPr>
+              <a:t>Esta es una plataforma </a:t>
+            </a:r>
+            <a:r>
+              <a:rPr lang="es-ES" dirty="0">
+                <a:solidFill>
+                  <a:schemeClr val="bg1"/>
+                </a:solidFill>
+              </a:rPr>
+              <a:t>diseñada para gestionar de manera eficiente y visual los detalles de hasta 50 productos. Esta aplicación proporciona una interfaz intuitiva para explorar y actualizar información vital sobre cada artículo en el inventario. </a:t>
+            </a:r>
+            <a:r>
+              <a:rPr lang="es-ES" dirty="0" smtClean="0">
+                <a:solidFill>
+                  <a:schemeClr val="bg1"/>
+                </a:solidFill>
+              </a:rPr>
+              <a:t>Desde valores </a:t>
+            </a:r>
+            <a:r>
+              <a:rPr lang="es-ES" dirty="0">
+                <a:solidFill>
+                  <a:schemeClr val="bg1"/>
+                </a:solidFill>
+              </a:rPr>
+              <a:t>y cantidades hasta precios y </a:t>
+            </a:r>
+            <a:r>
+              <a:rPr lang="es-ES" dirty="0" smtClean="0">
+                <a:solidFill>
+                  <a:schemeClr val="bg1"/>
+                </a:solidFill>
+              </a:rPr>
+              <a:t>características.</a:t>
+            </a:r>
+            <a:endParaRPr lang="es-419" sz="1800" dirty="0">
+              <a:solidFill>
+                <a:schemeClr val="bg1"/>
+              </a:solidFill>
+            </a:endParaRPr>
+          </a:p>
+        </p:txBody>
+      </p:sp>
+    </p:spTree>
+    <p:extLst>
+      <p:ext uri="{BB962C8B-B14F-4D97-AF65-F5344CB8AC3E}">
+        <p14:creationId xmlns:p14="http://schemas.microsoft.com/office/powerpoint/2010/main" val="2583453047"/>
+      </p:ext>
+    </p:extLst>
+  </p:cSld>
+  <p:clrMapOvr>
+    <a:masterClrMapping/>
+  </p:clrMapOvr>
+</p:sld>
+</file>
+
+<file path=ppt/slides/slide4.xml><?xml version="1.0" encoding="utf-8"?>
+<p:sld xmlns:a="http://schemas.openxmlformats.org/drawingml/2006/main" xmlns:r="http://schemas.openxmlformats.org/officeDocument/2006/relationships" xmlns:p="http://schemas.openxmlformats.org/presentationml/2006/main">
+  <p:cSld>
     <p:spTree>
       <p:nvGrpSpPr>
         <p:cNvPr id="1" name=""/>
@@ -17310,80 +20145,8 @@
         </p:blipFill>
         <p:spPr>
           <a:xfrm>
-            <a:off x="391150" y="1588633"/>
-            <a:ext cx="2616895" cy="3381028"/>
-          </a:xfrm>
-          <a:prstGeom prst="rect">
-            <a:avLst/>
-          </a:prstGeom>
-        </p:spPr>
-      </p:pic>
-      <p:pic>
-        <p:nvPicPr>
-          <p:cNvPr id="16" name="Imagen 15">
-            <a:extLst>
-              <a:ext uri="{FF2B5EF4-FFF2-40B4-BE49-F238E27FC236}">
-                <a16:creationId xmlns:a16="http://schemas.microsoft.com/office/drawing/2014/main" id="{F2AEEC0B-7826-609F-CCD8-2DA19989CCF6}"/>
-              </a:ext>
-            </a:extLst>
-          </p:cNvPr>
-          <p:cNvPicPr>
-            <a:picLocks noChangeAspect="1"/>
-          </p:cNvPicPr>
-          <p:nvPr/>
-        </p:nvPicPr>
-        <p:blipFill>
-          <a:blip r:embed="rId4">
-            <a:extLst>
-              <a:ext uri="{28A0092B-C50C-407E-A947-70E740481C1C}">
-                <a14:useLocalDpi xmlns:a14="http://schemas.microsoft.com/office/drawing/2010/main" val="0"/>
-              </a:ext>
-            </a:extLst>
-          </a:blip>
-          <a:stretch>
-            <a:fillRect/>
-          </a:stretch>
-        </p:blipFill>
-        <p:spPr>
-          <a:xfrm>
-            <a:off x="3604403" y="1430044"/>
-            <a:ext cx="4983192" cy="2317166"/>
-          </a:xfrm>
-          <a:prstGeom prst="rect">
-            <a:avLst/>
-          </a:prstGeom>
-        </p:spPr>
-      </p:pic>
-      <p:pic>
-        <p:nvPicPr>
-          <p:cNvPr id="18" name="Imagen 17">
-            <a:extLst>
-              <a:ext uri="{FF2B5EF4-FFF2-40B4-BE49-F238E27FC236}">
-                <a16:creationId xmlns:a16="http://schemas.microsoft.com/office/drawing/2014/main" id="{F7BD6A6E-358C-E209-3CA1-4691CE963CC2}"/>
-              </a:ext>
-            </a:extLst>
-          </p:cNvPr>
-          <p:cNvPicPr>
-            <a:picLocks noChangeAspect="1"/>
-          </p:cNvPicPr>
-          <p:nvPr/>
-        </p:nvPicPr>
-        <p:blipFill>
-          <a:blip r:embed="rId5">
-            <a:extLst>
-              <a:ext uri="{28A0092B-C50C-407E-A947-70E740481C1C}">
-                <a14:useLocalDpi xmlns:a14="http://schemas.microsoft.com/office/drawing/2010/main" val="0"/>
-              </a:ext>
-            </a:extLst>
-          </a:blip>
-          <a:stretch>
-            <a:fillRect/>
-          </a:stretch>
-        </p:blipFill>
-        <p:spPr>
-          <a:xfrm>
-            <a:off x="4727105" y="3823620"/>
-            <a:ext cx="2737787" cy="2707270"/>
+            <a:off x="3526972" y="1549444"/>
+            <a:ext cx="3793371" cy="4901035"/>
           </a:xfrm>
           <a:prstGeom prst="rect">
             <a:avLst/>
@@ -17403,7 +20166,299 @@
 </p:sld>
 </file>
 
-<file path=ppt/slides/slide4.xml><?xml version="1.0" encoding="utf-8"?>
+<file path=ppt/slides/slide5.xml><?xml version="1.0" encoding="utf-8"?>
+<p:sld xmlns:a="http://schemas.openxmlformats.org/drawingml/2006/main" xmlns:r="http://schemas.openxmlformats.org/officeDocument/2006/relationships" xmlns:p="http://schemas.openxmlformats.org/presentationml/2006/main">
+  <p:cSld>
+    <p:spTree>
+      <p:nvGrpSpPr>
+        <p:cNvPr id="1" name=""/>
+        <p:cNvGrpSpPr/>
+        <p:nvPr/>
+      </p:nvGrpSpPr>
+      <p:grpSpPr>
+        <a:xfrm>
+          <a:off x="0" y="0"/>
+          <a:ext cx="0" cy="0"/>
+          <a:chOff x="0" y="0"/>
+          <a:chExt cx="0" cy="0"/>
+        </a:xfrm>
+      </p:grpSpPr>
+      <p:pic>
+        <p:nvPicPr>
+          <p:cNvPr id="4" name="Picture 3" descr="Diseño de cromosoma púrpura 3D">
+            <a:extLst>
+              <a:ext uri="{FF2B5EF4-FFF2-40B4-BE49-F238E27FC236}">
+                <a16:creationId xmlns:a16="http://schemas.microsoft.com/office/drawing/2014/main" id="{B911E0CD-BF63-CDEE-5AA8-C0825274314B}"/>
+              </a:ext>
+            </a:extLst>
+          </p:cNvPr>
+          <p:cNvPicPr>
+            <a:picLocks noChangeAspect="1"/>
+          </p:cNvPicPr>
+          <p:nvPr/>
+        </p:nvPicPr>
+        <p:blipFill rotWithShape="1">
+          <a:blip r:embed="rId2"/>
+          <a:srcRect t="19330" r="1" b="19132"/>
+          <a:stretch/>
+        </p:blipFill>
+        <p:spPr>
+          <a:xfrm>
+            <a:off x="20" y="-1"/>
+            <a:ext cx="11144289" cy="6858001"/>
+          </a:xfrm>
+          <a:prstGeom prst="rect">
+            <a:avLst/>
+          </a:prstGeom>
+          <a:effectLst>
+            <a:outerShdw blurRad="596900" dist="330200" dir="8820000" sx="87000" sy="87000" algn="ctr" rotWithShape="0">
+              <a:srgbClr val="000000">
+                <a:alpha val="29000"/>
+              </a:srgbClr>
+            </a:outerShdw>
+          </a:effectLst>
+        </p:spPr>
+      </p:pic>
+      <p:sp>
+        <p:nvSpPr>
+          <p:cNvPr id="2" name="Título 1">
+            <a:extLst>
+              <a:ext uri="{FF2B5EF4-FFF2-40B4-BE49-F238E27FC236}">
+                <a16:creationId xmlns:a16="http://schemas.microsoft.com/office/drawing/2014/main" id="{5105512F-6638-662A-1660-3AAB0832567F}"/>
+              </a:ext>
+            </a:extLst>
+          </p:cNvPr>
+          <p:cNvSpPr>
+            <a:spLocks noGrp="1"/>
+          </p:cNvSpPr>
+          <p:nvPr>
+            <p:ph type="ctrTitle"/>
+          </p:nvPr>
+        </p:nvSpPr>
+        <p:spPr>
+          <a:xfrm>
+            <a:off x="391150" y="528929"/>
+            <a:ext cx="4501057" cy="875645"/>
+          </a:xfrm>
+        </p:spPr>
+        <p:txBody>
+          <a:bodyPr anchor="b">
+            <a:normAutofit fontScale="90000"/>
+          </a:bodyPr>
+          <a:lstStyle/>
+          <a:p>
+            <a:r>
+              <a:rPr lang="es-MX" dirty="0">
+                <a:solidFill>
+                  <a:srgbClr val="FFFFFF"/>
+                </a:solidFill>
+              </a:rPr>
+              <a:t>Maquetación</a:t>
+            </a:r>
+            <a:endParaRPr lang="es-419" dirty="0">
+              <a:solidFill>
+                <a:srgbClr val="FFFFFF"/>
+              </a:solidFill>
+            </a:endParaRPr>
+          </a:p>
+        </p:txBody>
+      </p:sp>
+      <p:pic>
+        <p:nvPicPr>
+          <p:cNvPr id="16" name="Imagen 15">
+            <a:extLst>
+              <a:ext uri="{FF2B5EF4-FFF2-40B4-BE49-F238E27FC236}">
+                <a16:creationId xmlns:a16="http://schemas.microsoft.com/office/drawing/2014/main" id="{F2AEEC0B-7826-609F-CCD8-2DA19989CCF6}"/>
+              </a:ext>
+            </a:extLst>
+          </p:cNvPr>
+          <p:cNvPicPr>
+            <a:picLocks noChangeAspect="1"/>
+          </p:cNvPicPr>
+          <p:nvPr/>
+        </p:nvPicPr>
+        <p:blipFill>
+          <a:blip r:embed="rId3">
+            <a:extLst>
+              <a:ext uri="{28A0092B-C50C-407E-A947-70E740481C1C}">
+                <a14:useLocalDpi xmlns:a14="http://schemas.microsoft.com/office/drawing/2010/main" val="0"/>
+              </a:ext>
+            </a:extLst>
+          </a:blip>
+          <a:stretch>
+            <a:fillRect/>
+          </a:stretch>
+        </p:blipFill>
+        <p:spPr>
+          <a:xfrm>
+            <a:off x="1917864" y="1933504"/>
+            <a:ext cx="7936828" cy="3690596"/>
+          </a:xfrm>
+          <a:prstGeom prst="rect">
+            <a:avLst/>
+          </a:prstGeom>
+        </p:spPr>
+      </p:pic>
+    </p:spTree>
+    <p:extLst>
+      <p:ext uri="{BB962C8B-B14F-4D97-AF65-F5344CB8AC3E}">
+        <p14:creationId xmlns:p14="http://schemas.microsoft.com/office/powerpoint/2010/main" val="1220267246"/>
+      </p:ext>
+    </p:extLst>
+  </p:cSld>
+  <p:clrMapOvr>
+    <a:masterClrMapping/>
+  </p:clrMapOvr>
+</p:sld>
+</file>
+
+<file path=ppt/slides/slide6.xml><?xml version="1.0" encoding="utf-8"?>
+<p:sld xmlns:a="http://schemas.openxmlformats.org/drawingml/2006/main" xmlns:r="http://schemas.openxmlformats.org/officeDocument/2006/relationships" xmlns:p="http://schemas.openxmlformats.org/presentationml/2006/main">
+  <p:cSld>
+    <p:spTree>
+      <p:nvGrpSpPr>
+        <p:cNvPr id="1" name=""/>
+        <p:cNvGrpSpPr/>
+        <p:nvPr/>
+      </p:nvGrpSpPr>
+      <p:grpSpPr>
+        <a:xfrm>
+          <a:off x="0" y="0"/>
+          <a:ext cx="0" cy="0"/>
+          <a:chOff x="0" y="0"/>
+          <a:chExt cx="0" cy="0"/>
+        </a:xfrm>
+      </p:grpSpPr>
+      <p:pic>
+        <p:nvPicPr>
+          <p:cNvPr id="4" name="Picture 3" descr="Diseño de cromosoma púrpura 3D">
+            <a:extLst>
+              <a:ext uri="{FF2B5EF4-FFF2-40B4-BE49-F238E27FC236}">
+                <a16:creationId xmlns:a16="http://schemas.microsoft.com/office/drawing/2014/main" id="{B911E0CD-BF63-CDEE-5AA8-C0825274314B}"/>
+              </a:ext>
+            </a:extLst>
+          </p:cNvPr>
+          <p:cNvPicPr>
+            <a:picLocks noChangeAspect="1"/>
+          </p:cNvPicPr>
+          <p:nvPr/>
+        </p:nvPicPr>
+        <p:blipFill rotWithShape="1">
+          <a:blip r:embed="rId2"/>
+          <a:srcRect t="19330" r="1" b="19132"/>
+          <a:stretch/>
+        </p:blipFill>
+        <p:spPr>
+          <a:xfrm>
+            <a:off x="20" y="-1"/>
+            <a:ext cx="11144289" cy="6858001"/>
+          </a:xfrm>
+          <a:prstGeom prst="rect">
+            <a:avLst/>
+          </a:prstGeom>
+          <a:effectLst>
+            <a:outerShdw blurRad="596900" dist="330200" dir="8820000" sx="87000" sy="87000" algn="ctr" rotWithShape="0">
+              <a:srgbClr val="000000">
+                <a:alpha val="29000"/>
+              </a:srgbClr>
+            </a:outerShdw>
+          </a:effectLst>
+        </p:spPr>
+      </p:pic>
+      <p:sp>
+        <p:nvSpPr>
+          <p:cNvPr id="2" name="Título 1">
+            <a:extLst>
+              <a:ext uri="{FF2B5EF4-FFF2-40B4-BE49-F238E27FC236}">
+                <a16:creationId xmlns:a16="http://schemas.microsoft.com/office/drawing/2014/main" id="{5105512F-6638-662A-1660-3AAB0832567F}"/>
+              </a:ext>
+            </a:extLst>
+          </p:cNvPr>
+          <p:cNvSpPr>
+            <a:spLocks noGrp="1"/>
+          </p:cNvSpPr>
+          <p:nvPr>
+            <p:ph type="ctrTitle"/>
+          </p:nvPr>
+        </p:nvSpPr>
+        <p:spPr>
+          <a:xfrm>
+            <a:off x="391150" y="528929"/>
+            <a:ext cx="4501057" cy="875645"/>
+          </a:xfrm>
+        </p:spPr>
+        <p:txBody>
+          <a:bodyPr anchor="b">
+            <a:normAutofit fontScale="90000"/>
+          </a:bodyPr>
+          <a:lstStyle/>
+          <a:p>
+            <a:r>
+              <a:rPr lang="es-MX" dirty="0">
+                <a:solidFill>
+                  <a:srgbClr val="FFFFFF"/>
+                </a:solidFill>
+              </a:rPr>
+              <a:t>Maquetación</a:t>
+            </a:r>
+            <a:endParaRPr lang="es-419" dirty="0">
+              <a:solidFill>
+                <a:srgbClr val="FFFFFF"/>
+              </a:solidFill>
+            </a:endParaRPr>
+          </a:p>
+        </p:txBody>
+      </p:sp>
+      <p:pic>
+        <p:nvPicPr>
+          <p:cNvPr id="18" name="Imagen 17">
+            <a:extLst>
+              <a:ext uri="{FF2B5EF4-FFF2-40B4-BE49-F238E27FC236}">
+                <a16:creationId xmlns:a16="http://schemas.microsoft.com/office/drawing/2014/main" id="{F7BD6A6E-358C-E209-3CA1-4691CE963CC2}"/>
+              </a:ext>
+            </a:extLst>
+          </p:cNvPr>
+          <p:cNvPicPr>
+            <a:picLocks noChangeAspect="1"/>
+          </p:cNvPicPr>
+          <p:nvPr/>
+        </p:nvPicPr>
+        <p:blipFill>
+          <a:blip r:embed="rId3">
+            <a:extLst>
+              <a:ext uri="{28A0092B-C50C-407E-A947-70E740481C1C}">
+                <a14:useLocalDpi xmlns:a14="http://schemas.microsoft.com/office/drawing/2010/main" val="0"/>
+              </a:ext>
+            </a:extLst>
+          </a:blip>
+          <a:stretch>
+            <a:fillRect/>
+          </a:stretch>
+        </p:blipFill>
+        <p:spPr>
+          <a:xfrm>
+            <a:off x="2904680" y="1404574"/>
+            <a:ext cx="5113578" cy="5056579"/>
+          </a:xfrm>
+          <a:prstGeom prst="rect">
+            <a:avLst/>
+          </a:prstGeom>
+        </p:spPr>
+      </p:pic>
+    </p:spTree>
+    <p:extLst>
+      <p:ext uri="{BB962C8B-B14F-4D97-AF65-F5344CB8AC3E}">
+        <p14:creationId xmlns:p14="http://schemas.microsoft.com/office/powerpoint/2010/main" val="2763821352"/>
+      </p:ext>
+    </p:extLst>
+  </p:cSld>
+  <p:clrMapOvr>
+    <a:masterClrMapping/>
+  </p:clrMapOvr>
+</p:sld>
+</file>
+
+<file path=ppt/slides/slide7.xml><?xml version="1.0" encoding="utf-8"?>
 <p:sld xmlns:a="http://schemas.openxmlformats.org/drawingml/2006/main" xmlns:r="http://schemas.openxmlformats.org/officeDocument/2006/relationships" xmlns:p="http://schemas.openxmlformats.org/presentationml/2006/main">
   <p:cSld>
     <p:bg>
@@ -17436,7 +20491,7 @@
                 <a16:creationId xmlns:a16="http://schemas.microsoft.com/office/drawing/2014/main" id="{FAEF28A3-012D-4640-B8B8-1EF6EAF7233B}"/>
               </a:ext>
               <a:ext uri="{C183D7F6-B498-43B3-948B-1728B52AA6E4}">
-                <adec:decorative xmlns:adec="http://schemas.microsoft.com/office/drawing/2017/decorative" val="1"/>
+                <adec:decorative xmlns:adec="http://schemas.microsoft.com/office/drawing/2017/decorative" xmlns="" val="1"/>
               </a:ext>
             </a:extLst>
           </p:cNvPr>
@@ -17467,7 +20522,7 @@
                   <a16:creationId xmlns:a16="http://schemas.microsoft.com/office/drawing/2014/main" id="{F3B2F1C2-14D3-4A53-B329-323795BCFD5A}"/>
                 </a:ext>
                 <a:ext uri="{C183D7F6-B498-43B3-948B-1728B52AA6E4}">
-                  <adec:decorative xmlns:adec="http://schemas.microsoft.com/office/drawing/2017/decorative" val="1"/>
+                  <adec:decorative xmlns:adec="http://schemas.microsoft.com/office/drawing/2017/decorative" xmlns="" val="1"/>
                 </a:ext>
               </a:extLst>
             </p:cNvPr>
@@ -17544,7 +20599,7 @@
                   <a16:creationId xmlns:a16="http://schemas.microsoft.com/office/drawing/2014/main" id="{194E879E-1515-4211-8F1B-B68A92B2C20E}"/>
                 </a:ext>
                 <a:ext uri="{C183D7F6-B498-43B3-948B-1728B52AA6E4}">
-                  <adec:decorative xmlns:adec="http://schemas.microsoft.com/office/drawing/2017/decorative" val="1"/>
+                  <adec:decorative xmlns:adec="http://schemas.microsoft.com/office/drawing/2017/decorative" xmlns="" val="1"/>
                 </a:ext>
               </a:extLst>
             </p:cNvPr>
@@ -17623,7 +20678,7 @@
                   <a16:creationId xmlns:a16="http://schemas.microsoft.com/office/drawing/2014/main" id="{F7137E7D-1F4E-498A-97D1-0E1FE6FC6F9F}"/>
                 </a:ext>
                 <a:ext uri="{C183D7F6-B498-43B3-948B-1728B52AA6E4}">
-                  <adec:decorative xmlns:adec="http://schemas.microsoft.com/office/drawing/2017/decorative" val="1"/>
+                  <adec:decorative xmlns:adec="http://schemas.microsoft.com/office/drawing/2017/decorative" xmlns="" val="1"/>
                 </a:ext>
               </a:extLst>
             </p:cNvPr>
@@ -17702,7 +20757,7 @@
                   <a16:creationId xmlns:a16="http://schemas.microsoft.com/office/drawing/2014/main" id="{91375183-B6E5-43E0-B28F-39EC9083853F}"/>
                 </a:ext>
                 <a:ext uri="{C183D7F6-B498-43B3-948B-1728B52AA6E4}">
-                  <adec:decorative xmlns:adec="http://schemas.microsoft.com/office/drawing/2017/decorative" val="1"/>
+                  <adec:decorative xmlns:adec="http://schemas.microsoft.com/office/drawing/2017/decorative" xmlns="" val="1"/>
                 </a:ext>
               </a:extLst>
             </p:cNvPr>
@@ -17781,7 +20836,7 @@
                   <a16:creationId xmlns:a16="http://schemas.microsoft.com/office/drawing/2014/main" id="{267F36BD-A8AF-4304-A662-1007CC1748D8}"/>
                 </a:ext>
                 <a:ext uri="{C183D7F6-B498-43B3-948B-1728B52AA6E4}">
-                  <adec:decorative xmlns:adec="http://schemas.microsoft.com/office/drawing/2017/decorative" val="1"/>
+                  <adec:decorative xmlns:adec="http://schemas.microsoft.com/office/drawing/2017/decorative" xmlns="" val="1"/>
                 </a:ext>
               </a:extLst>
             </p:cNvPr>
@@ -17860,7 +20915,7 @@
                   <a16:creationId xmlns:a16="http://schemas.microsoft.com/office/drawing/2014/main" id="{15D9095F-2809-4A90-A032-250AC21C3529}"/>
                 </a:ext>
                 <a:ext uri="{C183D7F6-B498-43B3-948B-1728B52AA6E4}">
-                  <adec:decorative xmlns:adec="http://schemas.microsoft.com/office/drawing/2017/decorative" val="1"/>
+                  <adec:decorative xmlns:adec="http://schemas.microsoft.com/office/drawing/2017/decorative" xmlns="" val="1"/>
                 </a:ext>
               </a:extLst>
             </p:cNvPr>
@@ -17939,7 +20994,7 @@
                   <a16:creationId xmlns:a16="http://schemas.microsoft.com/office/drawing/2014/main" id="{9027D7BF-C282-4477-A406-245C3F26521E}"/>
                 </a:ext>
                 <a:ext uri="{C183D7F6-B498-43B3-948B-1728B52AA6E4}">
-                  <adec:decorative xmlns:adec="http://schemas.microsoft.com/office/drawing/2017/decorative" val="1"/>
+                  <adec:decorative xmlns:adec="http://schemas.microsoft.com/office/drawing/2017/decorative" xmlns="" val="1"/>
                 </a:ext>
               </a:extLst>
             </p:cNvPr>
@@ -18108,7 +21163,7 @@
                   <a16:creationId xmlns:a16="http://schemas.microsoft.com/office/drawing/2014/main" id="{AC3C43D8-426E-472E-A8E8-C41BF7A876B9}"/>
                 </a:ext>
                 <a:ext uri="{C183D7F6-B498-43B3-948B-1728B52AA6E4}">
-                  <adec:decorative xmlns:adec="http://schemas.microsoft.com/office/drawing/2017/decorative" val="1"/>
+                  <adec:decorative xmlns:adec="http://schemas.microsoft.com/office/drawing/2017/decorative" xmlns="" val="1"/>
                 </a:ext>
               </a:extLst>
             </p:cNvPr>
@@ -18314,7 +21369,7 @@
                   <a16:creationId xmlns:a16="http://schemas.microsoft.com/office/drawing/2014/main" id="{52DCAE0E-B8DE-4C42-A48F-FA0C8345AC93}"/>
                 </a:ext>
                 <a:ext uri="{C183D7F6-B498-43B3-948B-1728B52AA6E4}">
-                  <adec:decorative xmlns:adec="http://schemas.microsoft.com/office/drawing/2017/decorative" val="1"/>
+                  <adec:decorative xmlns:adec="http://schemas.microsoft.com/office/drawing/2017/decorative" xmlns="" val="1"/>
                 </a:ext>
               </a:extLst>
             </p:cNvPr>
@@ -18401,7 +21456,7 @@
                 <a16:creationId xmlns:a16="http://schemas.microsoft.com/office/drawing/2014/main" id="{59647F54-801D-44AB-8284-EDDFF7763139}"/>
               </a:ext>
               <a:ext uri="{C183D7F6-B498-43B3-948B-1728B52AA6E4}">
-                <adec:decorative xmlns:adec="http://schemas.microsoft.com/office/drawing/2017/decorative" val="1"/>
+                <adec:decorative xmlns:adec="http://schemas.microsoft.com/office/drawing/2017/decorative" xmlns="" val="1"/>
               </a:ext>
             </a:extLst>
           </p:cNvPr>
@@ -18461,7 +21516,7 @@
                 <a16:creationId xmlns:a16="http://schemas.microsoft.com/office/drawing/2014/main" id="{510C9632-BB6F-48EE-AB65-501878BA5DB6}"/>
               </a:ext>
               <a:ext uri="{C183D7F6-B498-43B3-948B-1728B52AA6E4}">
-                <adec:decorative xmlns:adec="http://schemas.microsoft.com/office/drawing/2017/decorative" val="1"/>
+                <adec:decorative xmlns:adec="http://schemas.microsoft.com/office/drawing/2017/decorative" xmlns="" val="1"/>
               </a:ext>
             </a:extLst>
           </p:cNvPr>
@@ -18520,7 +21575,7 @@
                 <a16:creationId xmlns:a16="http://schemas.microsoft.com/office/drawing/2014/main" id="{4EC8AAB6-953B-4D29-9967-3C44D06BB4E8}"/>
               </a:ext>
               <a:ext uri="{C183D7F6-B498-43B3-948B-1728B52AA6E4}">
-                <adec:decorative xmlns:adec="http://schemas.microsoft.com/office/drawing/2017/decorative" val="1"/>
+                <adec:decorative xmlns:adec="http://schemas.microsoft.com/office/drawing/2017/decorative" xmlns="" val="1"/>
               </a:ext>
             </a:extLst>
           </p:cNvPr>
@@ -18993,7 +22048,7 @@
                 <a16:creationId xmlns:a16="http://schemas.microsoft.com/office/drawing/2014/main" id="{C89ED458-2326-40DC-9C7B-1A717B6551AD}"/>
               </a:ext>
               <a:ext uri="{C183D7F6-B498-43B3-948B-1728B52AA6E4}">
-                <adec:decorative xmlns:adec="http://schemas.microsoft.com/office/drawing/2017/decorative" val="1"/>
+                <adec:decorative xmlns:adec="http://schemas.microsoft.com/office/drawing/2017/decorative" xmlns="" val="1"/>
               </a:ext>
             </a:extLst>
           </p:cNvPr>
@@ -19089,7 +22144,7 @@
         </p:nvSpPr>
         <p:spPr>
           <a:xfrm>
-            <a:off x="1154955" y="973668"/>
+            <a:off x="1273848" y="2819957"/>
             <a:ext cx="2942210" cy="1020232"/>
           </a:xfrm>
         </p:spPr>
@@ -19105,45 +22160,37 @@
               </a:lnSpc>
             </a:pPr>
             <a:r>
-              <a:rPr lang="en-US" sz="3300">
+              <a:rPr lang="en-US" sz="3300" dirty="0" err="1">
                 <a:solidFill>
                   <a:schemeClr val="tx1"/>
                 </a:solidFill>
               </a:rPr>
-              <a:t>Línea de diseño</a:t>
+              <a:t>Línea</a:t>
             </a:r>
+            <a:r>
+              <a:rPr lang="en-US" sz="3300" dirty="0">
+                <a:solidFill>
+                  <a:schemeClr val="tx1"/>
+                </a:solidFill>
+              </a:rPr>
+              <a:t> de </a:t>
+            </a:r>
+            <a:r>
+              <a:rPr lang="en-US" sz="3300" dirty="0" err="1">
+                <a:solidFill>
+                  <a:schemeClr val="tx1"/>
+                </a:solidFill>
+              </a:rPr>
+              <a:t>diseño</a:t>
+            </a:r>
+            <a:endParaRPr lang="en-US" sz="3300" dirty="0">
+              <a:solidFill>
+                <a:schemeClr val="tx1"/>
+              </a:solidFill>
+            </a:endParaRPr>
           </a:p>
         </p:txBody>
       </p:sp>
-      <p:pic>
-        <p:nvPicPr>
-          <p:cNvPr id="4" name="Picture 3" descr="Diseño de cromosoma púrpura 3D">
-            <a:extLst>
-              <a:ext uri="{FF2B5EF4-FFF2-40B4-BE49-F238E27FC236}">
-                <a16:creationId xmlns:a16="http://schemas.microsoft.com/office/drawing/2014/main" id="{B911E0CD-BF63-CDEE-5AA8-C0825274314B}"/>
-              </a:ext>
-            </a:extLst>
-          </p:cNvPr>
-          <p:cNvPicPr>
-            <a:picLocks noChangeAspect="1"/>
-          </p:cNvPicPr>
-          <p:nvPr/>
-        </p:nvPicPr>
-        <p:blipFill rotWithShape="1">
-          <a:blip r:embed="rId3"/>
-          <a:srcRect t="8928" r="1" b="8925"/>
-          <a:stretch/>
-        </p:blipFill>
-        <p:spPr>
-          <a:xfrm>
-            <a:off x="5194607" y="803751"/>
-            <a:ext cx="6391533" cy="5250498"/>
-          </a:xfrm>
-          <a:prstGeom prst="rect">
-            <a:avLst/>
-          </a:prstGeom>
-        </p:spPr>
-      </p:pic>
       <p:sp>
         <p:nvSpPr>
           <p:cNvPr id="41" name="Rectangle 40">
@@ -19152,7 +22199,7 @@
                 <a16:creationId xmlns:a16="http://schemas.microsoft.com/office/drawing/2014/main" id="{6F9D1DE6-E368-4F07-85F9-D5B767477DDF}"/>
               </a:ext>
               <a:ext uri="{C183D7F6-B498-43B3-948B-1728B52AA6E4}">
-                <adec:decorative xmlns:adec="http://schemas.microsoft.com/office/drawing/2017/decorative" val="1"/>
+                <adec:decorative xmlns:adec="http://schemas.microsoft.com/office/drawing/2017/decorative" xmlns="" val="1"/>
               </a:ext>
             </a:extLst>
           </p:cNvPr>
@@ -19212,7 +22259,7 @@
                 <a16:creationId xmlns:a16="http://schemas.microsoft.com/office/drawing/2014/main" id="{F63B1F66-4ACE-4A01-8ADF-F175A9C358B2}"/>
               </a:ext>
               <a:ext uri="{C183D7F6-B498-43B3-948B-1728B52AA6E4}">
-                <adec:decorative xmlns:adec="http://schemas.microsoft.com/office/drawing/2017/decorative" val="1"/>
+                <adec:decorative xmlns:adec="http://schemas.microsoft.com/office/drawing/2017/decorative" xmlns="" val="1"/>
               </a:ext>
             </a:extLst>
           </p:cNvPr>
@@ -19293,7 +22340,7 @@
                 <a16:creationId xmlns:a16="http://schemas.microsoft.com/office/drawing/2014/main" id="{CF8448ED-9332-4A9B-8CAB-B1985E596E20}"/>
               </a:ext>
               <a:ext uri="{C183D7F6-B498-43B3-948B-1728B52AA6E4}">
-                <adec:decorative xmlns:adec="http://schemas.microsoft.com/office/drawing/2017/decorative" val="1"/>
+                <adec:decorative xmlns:adec="http://schemas.microsoft.com/office/drawing/2017/decorative" xmlns="" val="1"/>
               </a:ext>
             </a:extLst>
           </p:cNvPr>
@@ -19368,197 +22415,13 @@
       </p:sp>
       <p:sp>
         <p:nvSpPr>
-          <p:cNvPr id="8" name="CuadroTexto 7">
-            <a:extLst>
-              <a:ext uri="{FF2B5EF4-FFF2-40B4-BE49-F238E27FC236}">
-                <a16:creationId xmlns:a16="http://schemas.microsoft.com/office/drawing/2014/main" id="{A78FC360-E171-70B1-BF79-F19776C94C01}"/>
-              </a:ext>
-            </a:extLst>
-          </p:cNvPr>
-          <p:cNvSpPr txBox="1"/>
-          <p:nvPr/>
-        </p:nvSpPr>
-        <p:spPr>
-          <a:xfrm>
-            <a:off x="1154955" y="2120900"/>
-            <a:ext cx="3133726" cy="3898900"/>
-          </a:xfrm>
-          <a:prstGeom prst="rect">
-            <a:avLst/>
-          </a:prstGeom>
-        </p:spPr>
-        <p:txBody>
-          <a:bodyPr vert="horz" lIns="91440" tIns="45720" rIns="91440" bIns="45720" rtlCol="0">
-            <a:normAutofit/>
-          </a:bodyPr>
-          <a:lstStyle/>
-          <a:p>
-            <a:pPr>
-              <a:spcBef>
-                <a:spcPts val="1000"/>
-              </a:spcBef>
-              <a:buClr>
-                <a:schemeClr val="accent1"/>
-              </a:buClr>
-              <a:buSzPct val="80000"/>
-              <a:buFont typeface="Wingdings 3" charset="2"/>
-              <a:buChar char=""/>
-            </a:pPr>
-            <a:r>
-              <a:rPr lang="en-US" dirty="0" err="1">
-                <a:effectLst/>
-              </a:rPr>
-              <a:t>Requisitos</a:t>
-            </a:r>
-            <a:endParaRPr lang="en-US" dirty="0">
-              <a:effectLst/>
-            </a:endParaRPr>
-          </a:p>
-          <a:p>
-            <a:pPr>
-              <a:spcBef>
-                <a:spcPts val="1000"/>
-              </a:spcBef>
-              <a:buClr>
-                <a:schemeClr val="accent1"/>
-              </a:buClr>
-              <a:buSzPct val="80000"/>
-              <a:buFont typeface="Wingdings 3" charset="2"/>
-              <a:buChar char=""/>
-            </a:pPr>
-            <a:r>
-              <a:rPr lang="en-US" dirty="0" err="1">
-                <a:effectLst/>
-              </a:rPr>
-              <a:t>Diseño</a:t>
-            </a:r>
-            <a:endParaRPr lang="en-US" dirty="0">
-              <a:effectLst/>
-            </a:endParaRPr>
-          </a:p>
-          <a:p>
-            <a:pPr>
-              <a:spcBef>
-                <a:spcPts val="1000"/>
-              </a:spcBef>
-              <a:buClr>
-                <a:schemeClr val="accent1"/>
-              </a:buClr>
-              <a:buSzPct val="80000"/>
-              <a:buFont typeface="Wingdings 3" charset="2"/>
-              <a:buChar char=""/>
-            </a:pPr>
-            <a:r>
-              <a:rPr lang="en-US" dirty="0" err="1">
-                <a:effectLst/>
-              </a:rPr>
-              <a:t>Implementación</a:t>
-            </a:r>
-            <a:r>
-              <a:rPr lang="en-US" dirty="0">
-                <a:effectLst/>
-              </a:rPr>
-              <a:t>/</a:t>
-            </a:r>
-            <a:r>
-              <a:rPr lang="en-US" dirty="0" err="1">
-                <a:effectLst/>
-              </a:rPr>
-              <a:t>Codificación</a:t>
-            </a:r>
-            <a:endParaRPr lang="en-US" dirty="0">
-              <a:effectLst/>
-            </a:endParaRPr>
-          </a:p>
-          <a:p>
-            <a:pPr>
-              <a:spcBef>
-                <a:spcPts val="1000"/>
-              </a:spcBef>
-              <a:buClr>
-                <a:schemeClr val="accent1"/>
-              </a:buClr>
-              <a:buSzPct val="80000"/>
-              <a:buFont typeface="Wingdings 3" charset="2"/>
-              <a:buChar char=""/>
-            </a:pPr>
-            <a:r>
-              <a:rPr lang="en-US" dirty="0" err="1">
-                <a:effectLst/>
-              </a:rPr>
-              <a:t>Pruebas</a:t>
-            </a:r>
-            <a:endParaRPr lang="en-US" dirty="0">
-              <a:effectLst/>
-            </a:endParaRPr>
-          </a:p>
-          <a:p>
-            <a:pPr>
-              <a:spcBef>
-                <a:spcPts val="1000"/>
-              </a:spcBef>
-              <a:buClr>
-                <a:schemeClr val="accent1"/>
-              </a:buClr>
-              <a:buSzPct val="80000"/>
-              <a:buFont typeface="Wingdings 3" charset="2"/>
-              <a:buChar char=""/>
-            </a:pPr>
-            <a:r>
-              <a:rPr lang="en-US" dirty="0" err="1">
-                <a:effectLst/>
-              </a:rPr>
-              <a:t>Despliegue</a:t>
-            </a:r>
-            <a:r>
-              <a:rPr lang="en-US" dirty="0">
-                <a:effectLst/>
-              </a:rPr>
-              <a:t>/</a:t>
-            </a:r>
-            <a:r>
-              <a:rPr lang="en-US" dirty="0" err="1">
-                <a:effectLst/>
-              </a:rPr>
-              <a:t>Implementación</a:t>
-            </a:r>
-            <a:endParaRPr lang="en-US" dirty="0">
-              <a:effectLst/>
-            </a:endParaRPr>
-          </a:p>
-          <a:p>
-            <a:pPr>
-              <a:spcBef>
-                <a:spcPts val="1000"/>
-              </a:spcBef>
-              <a:buClr>
-                <a:schemeClr val="accent1"/>
-              </a:buClr>
-              <a:buSzPct val="80000"/>
-              <a:buFont typeface="Wingdings 3" charset="2"/>
-              <a:buChar char=""/>
-            </a:pPr>
-            <a:r>
-              <a:rPr lang="en-US" dirty="0" err="1">
-                <a:effectLst/>
-              </a:rPr>
-              <a:t>Mantenimiento</a:t>
-            </a:r>
-            <a:endParaRPr lang="en-US" dirty="0">
-              <a:effectLst/>
-            </a:endParaRPr>
-          </a:p>
-        </p:txBody>
-      </p:sp>
-      <p:sp>
-        <p:nvSpPr>
           <p:cNvPr id="47" name="Freeform 5">
             <a:extLst>
               <a:ext uri="{FF2B5EF4-FFF2-40B4-BE49-F238E27FC236}">
                 <a16:creationId xmlns:a16="http://schemas.microsoft.com/office/drawing/2014/main" id="{ED3A2261-1C75-40FF-8CD6-18C5900C1C8D}"/>
               </a:ext>
               <a:ext uri="{C183D7F6-B498-43B3-948B-1728B52AA6E4}">
-                <adec:decorative xmlns:adec="http://schemas.microsoft.com/office/drawing/2017/decorative" val="1"/>
+                <adec:decorative xmlns:adec="http://schemas.microsoft.com/office/drawing/2017/decorative" xmlns="" val="1"/>
               </a:ext>
             </a:extLst>
           </p:cNvPr>
@@ -19721,6 +22584,828 @@
           </a:p>
         </p:txBody>
       </p:sp>
+      <p:sp>
+        <p:nvSpPr>
+          <p:cNvPr id="3" name="CuadroTexto 2"/>
+          <p:cNvSpPr txBox="1"/>
+          <p:nvPr/>
+        </p:nvSpPr>
+        <p:spPr>
+          <a:xfrm>
+            <a:off x="5142960" y="676509"/>
+            <a:ext cx="2806337" cy="2862322"/>
+          </a:xfrm>
+          <a:prstGeom prst="rect">
+            <a:avLst/>
+          </a:prstGeom>
+          <a:noFill/>
+        </p:spPr>
+        <p:txBody>
+          <a:bodyPr wrap="square" rtlCol="0">
+            <a:spAutoFit/>
+          </a:bodyPr>
+          <a:lstStyle/>
+          <a:p>
+            <a:r>
+              <a:rPr lang="es-CO" b="1" dirty="0" smtClean="0">
+                <a:solidFill>
+                  <a:schemeClr val="bg1"/>
+                </a:solidFill>
+              </a:rPr>
+              <a:t>Línea de colores</a:t>
+            </a:r>
+          </a:p>
+          <a:p>
+            <a:pPr marL="285750" indent="-285750">
+              <a:buFont typeface="Arial" panose="020B0604020202020204" pitchFamily="34" charset="0"/>
+              <a:buChar char="•"/>
+            </a:pPr>
+            <a:r>
+              <a:rPr lang="es-CO" dirty="0" smtClean="0">
+                <a:solidFill>
+                  <a:schemeClr val="bg1"/>
+                </a:solidFill>
+              </a:rPr>
+              <a:t>#000</a:t>
+            </a:r>
+          </a:p>
+          <a:p>
+            <a:pPr marL="285750" indent="-285750">
+              <a:buFont typeface="Arial" panose="020B0604020202020204" pitchFamily="34" charset="0"/>
+              <a:buChar char="•"/>
+            </a:pPr>
+            <a:r>
+              <a:rPr lang="es-CO" dirty="0">
+                <a:solidFill>
+                  <a:schemeClr val="bg1"/>
+                </a:solidFill>
+              </a:rPr>
+              <a:t>#</a:t>
+            </a:r>
+            <a:r>
+              <a:rPr lang="es-CO" dirty="0" smtClean="0">
+                <a:solidFill>
+                  <a:schemeClr val="bg1"/>
+                </a:solidFill>
+              </a:rPr>
+              <a:t>fff </a:t>
+            </a:r>
+          </a:p>
+          <a:p>
+            <a:pPr marL="285750" indent="-285750">
+              <a:buFont typeface="Arial" panose="020B0604020202020204" pitchFamily="34" charset="0"/>
+              <a:buChar char="•"/>
+            </a:pPr>
+            <a:r>
+              <a:rPr lang="es-CO" dirty="0">
+                <a:solidFill>
+                  <a:schemeClr val="bg1"/>
+                </a:solidFill>
+              </a:rPr>
+              <a:t>#</a:t>
+            </a:r>
+            <a:r>
+              <a:rPr lang="es-CO" dirty="0" smtClean="0">
+                <a:solidFill>
+                  <a:schemeClr val="bg1"/>
+                </a:solidFill>
+              </a:rPr>
+              <a:t>b80f22 </a:t>
+            </a:r>
+          </a:p>
+          <a:p>
+            <a:pPr marL="285750" indent="-285750">
+              <a:buFont typeface="Arial" panose="020B0604020202020204" pitchFamily="34" charset="0"/>
+              <a:buChar char="•"/>
+            </a:pPr>
+            <a:r>
+              <a:rPr lang="es-CO" dirty="0" smtClean="0">
+                <a:solidFill>
+                  <a:schemeClr val="bg1"/>
+                </a:solidFill>
+              </a:rPr>
+              <a:t>Ffc107 </a:t>
+            </a:r>
+            <a:endParaRPr lang="es-CO" dirty="0">
+              <a:solidFill>
+                <a:schemeClr val="bg1"/>
+              </a:solidFill>
+            </a:endParaRPr>
+          </a:p>
+          <a:p>
+            <a:pPr marL="285750" indent="-285750">
+              <a:buFont typeface="Arial" panose="020B0604020202020204" pitchFamily="34" charset="0"/>
+              <a:buChar char="•"/>
+            </a:pPr>
+            <a:r>
+              <a:rPr lang="es-CO" dirty="0">
+                <a:solidFill>
+                  <a:schemeClr val="bg1"/>
+                </a:solidFill>
+              </a:rPr>
+              <a:t>#</a:t>
+            </a:r>
+            <a:r>
+              <a:rPr lang="es-CO" dirty="0" smtClean="0">
+                <a:solidFill>
+                  <a:schemeClr val="bg1"/>
+                </a:solidFill>
+              </a:rPr>
+              <a:t>5A5A5A</a:t>
+            </a:r>
+          </a:p>
+          <a:p>
+            <a:pPr marL="285750" indent="-285750">
+              <a:buFont typeface="Arial" panose="020B0604020202020204" pitchFamily="34" charset="0"/>
+              <a:buChar char="•"/>
+            </a:pPr>
+            <a:r>
+              <a:rPr lang="es-CO" dirty="0">
+                <a:solidFill>
+                  <a:schemeClr val="bg1"/>
+                </a:solidFill>
+              </a:rPr>
+              <a:t>#</a:t>
+            </a:r>
+            <a:r>
+              <a:rPr lang="es-CO" dirty="0" smtClean="0">
+                <a:solidFill>
+                  <a:schemeClr val="bg1"/>
+                </a:solidFill>
+              </a:rPr>
+              <a:t>d9c6fb </a:t>
+            </a:r>
+          </a:p>
+          <a:p>
+            <a:pPr marL="285750" indent="-285750">
+              <a:buFont typeface="Arial" panose="020B0604020202020204" pitchFamily="34" charset="0"/>
+              <a:buChar char="•"/>
+            </a:pPr>
+            <a:r>
+              <a:rPr lang="es-CO" dirty="0" smtClean="0">
+                <a:solidFill>
+                  <a:schemeClr val="bg1"/>
+                </a:solidFill>
+              </a:rPr>
+              <a:t>Ff6666 </a:t>
+            </a:r>
+          </a:p>
+          <a:p>
+            <a:pPr marL="285750" indent="-285750">
+              <a:buFont typeface="Arial" panose="020B0604020202020204" pitchFamily="34" charset="0"/>
+              <a:buChar char="•"/>
+            </a:pPr>
+            <a:r>
+              <a:rPr lang="es-CO" dirty="0">
+                <a:solidFill>
+                  <a:schemeClr val="bg1"/>
+                </a:solidFill>
+              </a:rPr>
+              <a:t>2fb4cc</a:t>
+            </a:r>
+          </a:p>
+          <a:p>
+            <a:pPr marL="285750" indent="-285750">
+              <a:buFont typeface="Arial" panose="020B0604020202020204" pitchFamily="34" charset="0"/>
+              <a:buChar char="•"/>
+            </a:pPr>
+            <a:endParaRPr lang="es-CO" dirty="0">
+              <a:solidFill>
+                <a:schemeClr val="bg1"/>
+              </a:solidFill>
+            </a:endParaRPr>
+          </a:p>
+        </p:txBody>
+      </p:sp>
+      <p:sp>
+        <p:nvSpPr>
+          <p:cNvPr id="5" name="Elipse 4"/>
+          <p:cNvSpPr/>
+          <p:nvPr/>
+        </p:nvSpPr>
+        <p:spPr>
+          <a:xfrm>
+            <a:off x="6923335" y="1052438"/>
+            <a:ext cx="195354" cy="185319"/>
+          </a:xfrm>
+          <a:prstGeom prst="ellipse">
+            <a:avLst/>
+          </a:prstGeom>
+          <a:solidFill>
+            <a:schemeClr val="bg1"/>
+          </a:solidFill>
+        </p:spPr>
+        <p:style>
+          <a:lnRef idx="2">
+            <a:schemeClr val="accent1">
+              <a:shade val="50000"/>
+            </a:schemeClr>
+          </a:lnRef>
+          <a:fillRef idx="1">
+            <a:schemeClr val="accent1"/>
+          </a:fillRef>
+          <a:effectRef idx="0">
+            <a:schemeClr val="accent1"/>
+          </a:effectRef>
+          <a:fontRef idx="minor">
+            <a:schemeClr val="lt1"/>
+          </a:fontRef>
+        </p:style>
+        <p:txBody>
+          <a:bodyPr rtlCol="0" anchor="ctr"/>
+          <a:lstStyle/>
+          <a:p>
+            <a:pPr algn="ctr"/>
+            <a:endParaRPr lang="es-CO"/>
+          </a:p>
+        </p:txBody>
+      </p:sp>
+      <p:sp>
+        <p:nvSpPr>
+          <p:cNvPr id="6" name="Elipse 5"/>
+          <p:cNvSpPr/>
+          <p:nvPr/>
+        </p:nvSpPr>
+        <p:spPr>
+          <a:xfrm>
+            <a:off x="6936398" y="1273968"/>
+            <a:ext cx="195354" cy="208634"/>
+          </a:xfrm>
+          <a:prstGeom prst="ellipse">
+            <a:avLst/>
+          </a:prstGeom>
+          <a:ln>
+            <a:solidFill>
+              <a:schemeClr val="bg1"/>
+            </a:solidFill>
+          </a:ln>
+        </p:spPr>
+        <p:style>
+          <a:lnRef idx="2">
+            <a:schemeClr val="accent6"/>
+          </a:lnRef>
+          <a:fillRef idx="1">
+            <a:schemeClr val="lt1"/>
+          </a:fillRef>
+          <a:effectRef idx="0">
+            <a:schemeClr val="accent6"/>
+          </a:effectRef>
+          <a:fontRef idx="minor">
+            <a:schemeClr val="dk1"/>
+          </a:fontRef>
+        </p:style>
+        <p:txBody>
+          <a:bodyPr rtlCol="0" anchor="ctr"/>
+          <a:lstStyle/>
+          <a:p>
+            <a:pPr algn="ctr"/>
+            <a:endParaRPr lang="es-CO"/>
+          </a:p>
+        </p:txBody>
+      </p:sp>
+      <p:sp>
+        <p:nvSpPr>
+          <p:cNvPr id="7" name="Elipse 6"/>
+          <p:cNvSpPr/>
+          <p:nvPr/>
+        </p:nvSpPr>
+        <p:spPr>
+          <a:xfrm>
+            <a:off x="6942305" y="1561182"/>
+            <a:ext cx="211009" cy="208634"/>
+          </a:xfrm>
+          <a:prstGeom prst="ellipse">
+            <a:avLst/>
+          </a:prstGeom>
+          <a:solidFill>
+            <a:schemeClr val="accent2">
+              <a:lumMod val="75000"/>
+            </a:schemeClr>
+          </a:solidFill>
+        </p:spPr>
+        <p:style>
+          <a:lnRef idx="2">
+            <a:schemeClr val="accent1">
+              <a:shade val="50000"/>
+            </a:schemeClr>
+          </a:lnRef>
+          <a:fillRef idx="1">
+            <a:schemeClr val="accent1"/>
+          </a:fillRef>
+          <a:effectRef idx="0">
+            <a:schemeClr val="accent1"/>
+          </a:effectRef>
+          <a:fontRef idx="minor">
+            <a:schemeClr val="lt1"/>
+          </a:fontRef>
+        </p:style>
+        <p:txBody>
+          <a:bodyPr rtlCol="0" anchor="ctr"/>
+          <a:lstStyle/>
+          <a:p>
+            <a:pPr algn="ctr"/>
+            <a:endParaRPr lang="es-CO"/>
+          </a:p>
+        </p:txBody>
+      </p:sp>
+      <p:sp>
+        <p:nvSpPr>
+          <p:cNvPr id="9" name="Elipse 8"/>
+          <p:cNvSpPr/>
+          <p:nvPr/>
+        </p:nvSpPr>
+        <p:spPr>
+          <a:xfrm>
+            <a:off x="6950740" y="1864818"/>
+            <a:ext cx="195401" cy="188870"/>
+          </a:xfrm>
+          <a:prstGeom prst="ellipse">
+            <a:avLst/>
+          </a:prstGeom>
+          <a:solidFill>
+            <a:srgbClr val="FFFF00"/>
+          </a:solidFill>
+        </p:spPr>
+        <p:style>
+          <a:lnRef idx="2">
+            <a:schemeClr val="accent1">
+              <a:shade val="50000"/>
+            </a:schemeClr>
+          </a:lnRef>
+          <a:fillRef idx="1">
+            <a:schemeClr val="accent1"/>
+          </a:fillRef>
+          <a:effectRef idx="0">
+            <a:schemeClr val="accent1"/>
+          </a:effectRef>
+          <a:fontRef idx="minor">
+            <a:schemeClr val="lt1"/>
+          </a:fontRef>
+        </p:style>
+        <p:txBody>
+          <a:bodyPr rtlCol="0" anchor="ctr"/>
+          <a:lstStyle/>
+          <a:p>
+            <a:pPr algn="ctr"/>
+            <a:endParaRPr lang="es-CO"/>
+          </a:p>
+        </p:txBody>
+      </p:sp>
+      <p:sp>
+        <p:nvSpPr>
+          <p:cNvPr id="10" name="Elipse 9"/>
+          <p:cNvSpPr/>
+          <p:nvPr/>
+        </p:nvSpPr>
+        <p:spPr>
+          <a:xfrm>
+            <a:off x="6960104" y="2160811"/>
+            <a:ext cx="186037" cy="182476"/>
+          </a:xfrm>
+          <a:prstGeom prst="ellipse">
+            <a:avLst/>
+          </a:prstGeom>
+          <a:solidFill>
+            <a:schemeClr val="tx2">
+              <a:lumMod val="75000"/>
+            </a:schemeClr>
+          </a:solidFill>
+        </p:spPr>
+        <p:style>
+          <a:lnRef idx="2">
+            <a:schemeClr val="accent1">
+              <a:shade val="50000"/>
+            </a:schemeClr>
+          </a:lnRef>
+          <a:fillRef idx="1">
+            <a:schemeClr val="accent1"/>
+          </a:fillRef>
+          <a:effectRef idx="0">
+            <a:schemeClr val="accent1"/>
+          </a:effectRef>
+          <a:fontRef idx="minor">
+            <a:schemeClr val="lt1"/>
+          </a:fontRef>
+        </p:style>
+        <p:txBody>
+          <a:bodyPr rtlCol="0" anchor="ctr"/>
+          <a:lstStyle/>
+          <a:p>
+            <a:pPr algn="ctr"/>
+            <a:endParaRPr lang="es-CO"/>
+          </a:p>
+        </p:txBody>
+      </p:sp>
+      <p:sp>
+        <p:nvSpPr>
+          <p:cNvPr id="11" name="Elipse 10"/>
+          <p:cNvSpPr/>
+          <p:nvPr/>
+        </p:nvSpPr>
+        <p:spPr>
+          <a:xfrm>
+            <a:off x="6960104" y="2421867"/>
+            <a:ext cx="207611" cy="208085"/>
+          </a:xfrm>
+          <a:prstGeom prst="ellipse">
+            <a:avLst/>
+          </a:prstGeom>
+          <a:solidFill>
+            <a:schemeClr val="accent6">
+              <a:lumMod val="60000"/>
+              <a:lumOff val="40000"/>
+            </a:schemeClr>
+          </a:solidFill>
+        </p:spPr>
+        <p:style>
+          <a:lnRef idx="2">
+            <a:schemeClr val="accent1">
+              <a:shade val="50000"/>
+            </a:schemeClr>
+          </a:lnRef>
+          <a:fillRef idx="1">
+            <a:schemeClr val="accent1"/>
+          </a:fillRef>
+          <a:effectRef idx="0">
+            <a:schemeClr val="accent1"/>
+          </a:effectRef>
+          <a:fontRef idx="minor">
+            <a:schemeClr val="lt1"/>
+          </a:fontRef>
+        </p:style>
+        <p:txBody>
+          <a:bodyPr rtlCol="0" anchor="ctr"/>
+          <a:lstStyle/>
+          <a:p>
+            <a:pPr algn="ctr"/>
+            <a:endParaRPr lang="es-CO"/>
+          </a:p>
+        </p:txBody>
+      </p:sp>
+      <p:sp>
+        <p:nvSpPr>
+          <p:cNvPr id="12" name="Elipse 11"/>
+          <p:cNvSpPr/>
+          <p:nvPr/>
+        </p:nvSpPr>
+        <p:spPr>
+          <a:xfrm>
+            <a:off x="6954135" y="2705657"/>
+            <a:ext cx="219548" cy="228600"/>
+          </a:xfrm>
+          <a:prstGeom prst="ellipse">
+            <a:avLst/>
+          </a:prstGeom>
+          <a:solidFill>
+            <a:schemeClr val="accent2">
+              <a:lumMod val="60000"/>
+              <a:lumOff val="40000"/>
+            </a:schemeClr>
+          </a:solidFill>
+        </p:spPr>
+        <p:style>
+          <a:lnRef idx="2">
+            <a:schemeClr val="accent1">
+              <a:shade val="50000"/>
+            </a:schemeClr>
+          </a:lnRef>
+          <a:fillRef idx="1">
+            <a:schemeClr val="accent1"/>
+          </a:fillRef>
+          <a:effectRef idx="0">
+            <a:schemeClr val="accent1"/>
+          </a:effectRef>
+          <a:fontRef idx="minor">
+            <a:schemeClr val="lt1"/>
+          </a:fontRef>
+        </p:style>
+        <p:txBody>
+          <a:bodyPr rtlCol="0" anchor="ctr"/>
+          <a:lstStyle/>
+          <a:p>
+            <a:pPr algn="ctr"/>
+            <a:endParaRPr lang="es-CO"/>
+          </a:p>
+        </p:txBody>
+      </p:sp>
+      <p:sp>
+        <p:nvSpPr>
+          <p:cNvPr id="13" name="Elipse 12"/>
+          <p:cNvSpPr/>
+          <p:nvPr/>
+        </p:nvSpPr>
+        <p:spPr>
+          <a:xfrm>
+            <a:off x="6962665" y="3023652"/>
+            <a:ext cx="202488" cy="218803"/>
+          </a:xfrm>
+          <a:prstGeom prst="ellipse">
+            <a:avLst/>
+          </a:prstGeom>
+          <a:solidFill>
+            <a:srgbClr val="00B0F0"/>
+          </a:solidFill>
+        </p:spPr>
+        <p:style>
+          <a:lnRef idx="2">
+            <a:schemeClr val="accent1">
+              <a:shade val="50000"/>
+            </a:schemeClr>
+          </a:lnRef>
+          <a:fillRef idx="1">
+            <a:schemeClr val="accent1"/>
+          </a:fillRef>
+          <a:effectRef idx="0">
+            <a:schemeClr val="accent1"/>
+          </a:effectRef>
+          <a:fontRef idx="minor">
+            <a:schemeClr val="lt1"/>
+          </a:fontRef>
+        </p:style>
+        <p:txBody>
+          <a:bodyPr rtlCol="0" anchor="ctr"/>
+          <a:lstStyle/>
+          <a:p>
+            <a:pPr algn="ctr"/>
+            <a:endParaRPr lang="es-CO"/>
+          </a:p>
+        </p:txBody>
+      </p:sp>
+      <p:sp>
+        <p:nvSpPr>
+          <p:cNvPr id="15" name="Rectángulo 14"/>
+          <p:cNvSpPr/>
+          <p:nvPr/>
+        </p:nvSpPr>
+        <p:spPr>
+          <a:xfrm>
+            <a:off x="5142960" y="3726382"/>
+            <a:ext cx="2491388" cy="1200329"/>
+          </a:xfrm>
+          <a:prstGeom prst="rect">
+            <a:avLst/>
+          </a:prstGeom>
+        </p:spPr>
+        <p:txBody>
+          <a:bodyPr wrap="none">
+            <a:spAutoFit/>
+          </a:bodyPr>
+          <a:lstStyle/>
+          <a:p>
+            <a:r>
+              <a:rPr lang="es-CO" b="1" dirty="0" err="1" smtClean="0">
+                <a:solidFill>
+                  <a:schemeClr val="bg1"/>
+                </a:solidFill>
+              </a:rPr>
+              <a:t>Linea</a:t>
+            </a:r>
+            <a:r>
+              <a:rPr lang="es-CO" b="1" dirty="0" smtClean="0">
+                <a:solidFill>
+                  <a:schemeClr val="bg1"/>
+                </a:solidFill>
+              </a:rPr>
+              <a:t> de botones</a:t>
+            </a:r>
+            <a:r>
+              <a:rPr lang="es-CO" b="1" dirty="0">
+                <a:solidFill>
+                  <a:schemeClr val="bg1"/>
+                </a:solidFill>
+              </a:rPr>
+              <a:t> </a:t>
+            </a:r>
+            <a:endParaRPr lang="es-CO" b="1" dirty="0" smtClean="0">
+              <a:solidFill>
+                <a:schemeClr val="bg1"/>
+              </a:solidFill>
+            </a:endParaRPr>
+          </a:p>
+          <a:p>
+            <a:pPr marL="285750" indent="-285750">
+              <a:buFont typeface="Arial" panose="020B0604020202020204" pitchFamily="34" charset="0"/>
+              <a:buChar char="•"/>
+            </a:pPr>
+            <a:r>
+              <a:rPr lang="es-CO" dirty="0" err="1" smtClean="0">
+                <a:solidFill>
+                  <a:schemeClr val="bg1"/>
+                </a:solidFill>
+              </a:rPr>
+              <a:t>border</a:t>
+            </a:r>
+            <a:r>
+              <a:rPr lang="es-CO" dirty="0">
+                <a:solidFill>
+                  <a:schemeClr val="bg1"/>
+                </a:solidFill>
+              </a:rPr>
+              <a:t>: 1px </a:t>
+            </a:r>
+            <a:r>
+              <a:rPr lang="es-CO" dirty="0" err="1" smtClean="0">
+                <a:solidFill>
+                  <a:schemeClr val="bg1"/>
+                </a:solidFill>
+              </a:rPr>
+              <a:t>solid</a:t>
+            </a:r>
+            <a:endParaRPr lang="es-CO" dirty="0">
+              <a:solidFill>
+                <a:schemeClr val="bg1"/>
+              </a:solidFill>
+            </a:endParaRPr>
+          </a:p>
+          <a:p>
+            <a:pPr marL="285750" indent="-285750">
+              <a:buFont typeface="Arial" panose="020B0604020202020204" pitchFamily="34" charset="0"/>
+              <a:buChar char="•"/>
+            </a:pPr>
+            <a:r>
+              <a:rPr lang="es-CO" dirty="0" err="1" smtClean="0">
+                <a:solidFill>
+                  <a:schemeClr val="bg1"/>
+                </a:solidFill>
+              </a:rPr>
+              <a:t>border-radius</a:t>
+            </a:r>
+            <a:r>
+              <a:rPr lang="es-CO" dirty="0">
+                <a:solidFill>
+                  <a:schemeClr val="bg1"/>
+                </a:solidFill>
+              </a:rPr>
+              <a:t>: </a:t>
+            </a:r>
+            <a:r>
+              <a:rPr lang="es-CO" dirty="0" smtClean="0">
+                <a:solidFill>
+                  <a:schemeClr val="bg1"/>
+                </a:solidFill>
+              </a:rPr>
+              <a:t>4px</a:t>
+            </a:r>
+          </a:p>
+          <a:p>
+            <a:pPr marL="285750" indent="-285750">
+              <a:buFont typeface="Arial" panose="020B0604020202020204" pitchFamily="34" charset="0"/>
+              <a:buChar char="•"/>
+            </a:pPr>
+            <a:r>
+              <a:rPr lang="es-CO" dirty="0" err="1" smtClean="0">
+                <a:solidFill>
+                  <a:schemeClr val="bg1"/>
+                </a:solidFill>
+              </a:rPr>
+              <a:t>font-size</a:t>
+            </a:r>
+            <a:r>
+              <a:rPr lang="es-CO" dirty="0">
+                <a:solidFill>
+                  <a:schemeClr val="bg1"/>
+                </a:solidFill>
+              </a:rPr>
+              <a:t>: 20px</a:t>
+            </a:r>
+          </a:p>
+        </p:txBody>
+      </p:sp>
+      <p:pic>
+        <p:nvPicPr>
+          <p:cNvPr id="16" name="Imagen 15"/>
+          <p:cNvPicPr>
+            <a:picLocks noChangeAspect="1"/>
+          </p:cNvPicPr>
+          <p:nvPr/>
+        </p:nvPicPr>
+        <p:blipFill>
+          <a:blip r:embed="rId3"/>
+          <a:stretch>
+            <a:fillRect/>
+          </a:stretch>
+        </p:blipFill>
+        <p:spPr>
+          <a:xfrm>
+            <a:off x="5513438" y="5020805"/>
+            <a:ext cx="1409897" cy="552527"/>
+          </a:xfrm>
+          <a:prstGeom prst="rect">
+            <a:avLst/>
+          </a:prstGeom>
+        </p:spPr>
+      </p:pic>
+      <p:sp>
+        <p:nvSpPr>
+          <p:cNvPr id="17" name="Rectángulo 16"/>
+          <p:cNvSpPr/>
+          <p:nvPr/>
+        </p:nvSpPr>
+        <p:spPr>
+          <a:xfrm>
+            <a:off x="8021034" y="2964255"/>
+            <a:ext cx="4243469" cy="923330"/>
+          </a:xfrm>
+          <a:prstGeom prst="rect">
+            <a:avLst/>
+          </a:prstGeom>
+        </p:spPr>
+        <p:txBody>
+          <a:bodyPr wrap="none">
+            <a:spAutoFit/>
+          </a:bodyPr>
+          <a:lstStyle/>
+          <a:p>
+            <a:pPr marL="285750" indent="-285750">
+              <a:buFont typeface="Arial" panose="020B0604020202020204" pitchFamily="34" charset="0"/>
+              <a:buChar char="•"/>
+            </a:pPr>
+            <a:r>
+              <a:rPr lang="es-ES" b="1" dirty="0" smtClean="0">
+                <a:solidFill>
+                  <a:schemeClr val="bg1"/>
+                </a:solidFill>
+              </a:rPr>
+              <a:t>Fuente</a:t>
+            </a:r>
+            <a:endParaRPr lang="es-CO" b="1" dirty="0" smtClean="0">
+              <a:solidFill>
+                <a:schemeClr val="bg1"/>
+              </a:solidFill>
+            </a:endParaRPr>
+          </a:p>
+          <a:p>
+            <a:pPr marL="285750" indent="-285750">
+              <a:buFont typeface="Arial" panose="020B0604020202020204" pitchFamily="34" charset="0"/>
+              <a:buChar char="•"/>
+            </a:pPr>
+            <a:r>
+              <a:rPr lang="es-CO" dirty="0" err="1" smtClean="0">
+                <a:solidFill>
+                  <a:schemeClr val="bg1"/>
+                </a:solidFill>
+              </a:rPr>
+              <a:t>font-family</a:t>
+            </a:r>
+            <a:r>
+              <a:rPr lang="es-CO" dirty="0">
+                <a:solidFill>
+                  <a:schemeClr val="bg1"/>
+                </a:solidFill>
+              </a:rPr>
+              <a:t>: </a:t>
+            </a:r>
+            <a:r>
+              <a:rPr lang="es-CO" dirty="0" err="1" smtClean="0">
+                <a:solidFill>
+                  <a:schemeClr val="bg1"/>
+                </a:solidFill>
+              </a:rPr>
+              <a:t>sans-serif</a:t>
+            </a:r>
+            <a:endParaRPr lang="es-CO" dirty="0" smtClean="0">
+              <a:solidFill>
+                <a:schemeClr val="bg1"/>
+              </a:solidFill>
+            </a:endParaRPr>
+          </a:p>
+          <a:p>
+            <a:pPr marL="285750" indent="-285750">
+              <a:buFont typeface="Arial" panose="020B0604020202020204" pitchFamily="34" charset="0"/>
+              <a:buChar char="•"/>
+            </a:pPr>
+            <a:r>
+              <a:rPr lang="es-CO" dirty="0" err="1" smtClean="0">
+                <a:solidFill>
+                  <a:schemeClr val="bg1"/>
+                </a:solidFill>
+              </a:rPr>
+              <a:t>font-family</a:t>
+            </a:r>
+            <a:r>
+              <a:rPr lang="es-CO" dirty="0">
+                <a:solidFill>
+                  <a:schemeClr val="bg1"/>
+                </a:solidFill>
+              </a:rPr>
+              <a:t>: 'Montserrat', </a:t>
+            </a:r>
+            <a:r>
+              <a:rPr lang="es-CO" dirty="0" err="1">
+                <a:solidFill>
+                  <a:schemeClr val="bg1"/>
+                </a:solidFill>
+              </a:rPr>
+              <a:t>sans-serif</a:t>
+            </a:r>
+            <a:endParaRPr lang="es-CO" dirty="0">
+              <a:solidFill>
+                <a:schemeClr val="bg1"/>
+              </a:solidFill>
+            </a:endParaRPr>
+          </a:p>
+        </p:txBody>
+      </p:sp>
     </p:spTree>
     <p:extLst>
       <p:ext uri="{BB962C8B-B14F-4D97-AF65-F5344CB8AC3E}">
@@ -19826,7 +23511,7 @@
 </p:sld>
 </file>
 
-<file path=ppt/slides/slide5.xml><?xml version="1.0" encoding="utf-8"?>
+<file path=ppt/slides/slide8.xml><?xml version="1.0" encoding="utf-8"?>
 <p:sld xmlns:a="http://schemas.openxmlformats.org/drawingml/2006/main" xmlns:r="http://schemas.openxmlformats.org/officeDocument/2006/relationships" xmlns:p="http://schemas.openxmlformats.org/presentationml/2006/main">
   <p:cSld>
     <p:bg>
@@ -20244,7 +23929,7 @@
 </p:sld>
 </file>
 
-<file path=ppt/slides/slide6.xml><?xml version="1.0" encoding="utf-8"?>
+<file path=ppt/slides/slide9.xml><?xml version="1.0" encoding="utf-8"?>
 <p:sld xmlns:a="http://schemas.openxmlformats.org/drawingml/2006/main" xmlns:r="http://schemas.openxmlformats.org/officeDocument/2006/relationships" xmlns:p="http://schemas.openxmlformats.org/presentationml/2006/main">
   <p:cSld>
     <p:spTree>
@@ -20432,2581 +24117,6 @@
   <p:clrMapOvr>
     <a:masterClrMapping/>
   </p:clrMapOvr>
-</p:sld>
-</file>
-
-<file path=ppt/slides/slide7.xml><?xml version="1.0" encoding="utf-8"?>
-<p:sld xmlns:a="http://schemas.openxmlformats.org/drawingml/2006/main" xmlns:r="http://schemas.openxmlformats.org/officeDocument/2006/relationships" xmlns:p="http://schemas.openxmlformats.org/presentationml/2006/main">
-  <p:cSld>
-    <p:bg>
-      <p:bgPr>
-        <a:solidFill>
-          <a:schemeClr val="bg1"/>
-        </a:solidFill>
-        <a:effectLst/>
-      </p:bgPr>
-    </p:bg>
-    <p:spTree>
-      <p:nvGrpSpPr>
-        <p:cNvPr id="1" name=""/>
-        <p:cNvGrpSpPr/>
-        <p:nvPr/>
-      </p:nvGrpSpPr>
-      <p:grpSpPr>
-        <a:xfrm>
-          <a:off x="0" y="0"/>
-          <a:ext cx="0" cy="0"/>
-          <a:chOff x="0" y="0"/>
-          <a:chExt cx="0" cy="0"/>
-        </a:xfrm>
-      </p:grpSpPr>
-      <p:grpSp>
-        <p:nvGrpSpPr>
-          <p:cNvPr id="125" name="Group 124">
-            <a:extLst>
-              <a:ext uri="{FF2B5EF4-FFF2-40B4-BE49-F238E27FC236}">
-                <a16:creationId xmlns:a16="http://schemas.microsoft.com/office/drawing/2014/main" id="{ACCC08F4-6649-4752-A49D-EC2C8E965620}"/>
-              </a:ext>
-              <a:ext uri="{C183D7F6-B498-43B3-948B-1728B52AA6E4}">
-                <adec:decorative xmlns:adec="http://schemas.microsoft.com/office/drawing/2017/decorative" val="1"/>
-              </a:ext>
-            </a:extLst>
-          </p:cNvPr>
-          <p:cNvGrpSpPr>
-            <a:grpSpLocks noGrp="1" noUngrp="1" noRot="1" noChangeAspect="1" noMove="1" noResize="1"/>
-          </p:cNvGrpSpPr>
-          <p:nvPr>
-            <p:extLst>
-              <p:ext uri="{386F3935-93C4-4BCD-93E2-E3B085C9AB24}">
-                <p16:designElem xmlns:p16="http://schemas.microsoft.com/office/powerpoint/2015/main" val="1"/>
-              </p:ext>
-            </p:extLst>
-          </p:nvPr>
-        </p:nvGrpSpPr>
-        <p:grpSpPr>
-          <a:xfrm>
-            <a:off x="0" y="0"/>
-            <a:ext cx="12192000" cy="6858000"/>
-            <a:chOff x="0" y="0"/>
-            <a:chExt cx="12192000" cy="6858000"/>
-          </a:xfrm>
-        </p:grpSpPr>
-        <p:sp>
-          <p:nvSpPr>
-            <p:cNvPr id="126" name="Rectangle 125">
-              <a:extLst>
-                <a:ext uri="{FF2B5EF4-FFF2-40B4-BE49-F238E27FC236}">
-                  <a16:creationId xmlns:a16="http://schemas.microsoft.com/office/drawing/2014/main" id="{DCCBFAE1-A7B8-4741-A1BD-1D22BE1B96EB}"/>
-                </a:ext>
-                <a:ext uri="{C183D7F6-B498-43B3-948B-1728B52AA6E4}">
-                  <adec:decorative xmlns:adec="http://schemas.microsoft.com/office/drawing/2017/decorative" val="1"/>
-                </a:ext>
-              </a:extLst>
-            </p:cNvPr>
-            <p:cNvSpPr/>
-            <p:nvPr>
-              <p:extLst>
-                <p:ext uri="{386F3935-93C4-4BCD-93E2-E3B085C9AB24}">
-                  <p16:designElem xmlns:p16="http://schemas.microsoft.com/office/powerpoint/2015/main" val="1"/>
-                </p:ext>
-              </p:extLst>
-            </p:nvPr>
-          </p:nvSpPr>
-          <p:spPr>
-            <a:xfrm>
-              <a:off x="0" y="0"/>
-              <a:ext cx="12192000" cy="6858000"/>
-            </a:xfrm>
-            <a:prstGeom prst="rect">
-              <a:avLst/>
-            </a:prstGeom>
-            <a:blipFill>
-              <a:blip r:embed="rId2">
-                <a:duotone>
-                  <a:schemeClr val="dk2">
-                    <a:shade val="69000"/>
-                    <a:hueMod val="91000"/>
-                    <a:satMod val="164000"/>
-                    <a:lumMod val="74000"/>
-                  </a:schemeClr>
-                  <a:schemeClr val="dk2">
-                    <a:hueMod val="124000"/>
-                    <a:satMod val="140000"/>
-                    <a:lumMod val="142000"/>
-                  </a:schemeClr>
-                </a:duotone>
-              </a:blip>
-              <a:stretch>
-                <a:fillRect/>
-              </a:stretch>
-            </a:blipFill>
-            <a:ln>
-              <a:noFill/>
-            </a:ln>
-          </p:spPr>
-          <p:style>
-            <a:lnRef idx="2">
-              <a:schemeClr val="accent1">
-                <a:shade val="50000"/>
-              </a:schemeClr>
-            </a:lnRef>
-            <a:fillRef idx="1">
-              <a:schemeClr val="accent1"/>
-            </a:fillRef>
-            <a:effectRef idx="0">
-              <a:schemeClr val="accent1"/>
-            </a:effectRef>
-            <a:fontRef idx="minor">
-              <a:schemeClr val="lt1"/>
-            </a:fontRef>
-          </p:style>
-          <p:txBody>
-            <a:bodyPr/>
-            <a:lstStyle/>
-            <a:p>
-              <a:endParaRPr lang="es-419"/>
-            </a:p>
-          </p:txBody>
-        </p:sp>
-        <p:sp>
-          <p:nvSpPr>
-            <p:cNvPr id="127" name="Oval 126">
-              <a:extLst>
-                <a:ext uri="{FF2B5EF4-FFF2-40B4-BE49-F238E27FC236}">
-                  <a16:creationId xmlns:a16="http://schemas.microsoft.com/office/drawing/2014/main" id="{A8DFBA0E-2986-4121-92BD-9ADBE9F79485}"/>
-                </a:ext>
-                <a:ext uri="{C183D7F6-B498-43B3-948B-1728B52AA6E4}">
-                  <adec:decorative xmlns:adec="http://schemas.microsoft.com/office/drawing/2017/decorative" val="1"/>
-                </a:ext>
-              </a:extLst>
-            </p:cNvPr>
-            <p:cNvSpPr/>
-            <p:nvPr>
-              <p:extLst>
-                <p:ext uri="{386F3935-93C4-4BCD-93E2-E3B085C9AB24}">
-                  <p16:designElem xmlns:p16="http://schemas.microsoft.com/office/powerpoint/2015/main" val="1"/>
-                </p:ext>
-              </p:extLst>
-            </p:nvPr>
-          </p:nvSpPr>
-          <p:spPr>
-            <a:xfrm>
-              <a:off x="0" y="2667000"/>
-              <a:ext cx="4191000" cy="4191000"/>
-            </a:xfrm>
-            <a:prstGeom prst="ellipse">
-              <a:avLst/>
-            </a:prstGeom>
-            <a:gradFill flip="none" rotWithShape="1">
-              <a:gsLst>
-                <a:gs pos="0">
-                  <a:schemeClr val="accent5">
-                    <a:alpha val="11000"/>
-                  </a:schemeClr>
-                </a:gs>
-                <a:gs pos="75000">
-                  <a:schemeClr val="accent5">
-                    <a:alpha val="0"/>
-                  </a:schemeClr>
-                </a:gs>
-                <a:gs pos="36000">
-                  <a:schemeClr val="accent5">
-                    <a:alpha val="10000"/>
-                  </a:schemeClr>
-                </a:gs>
-              </a:gsLst>
-              <a:path path="circle">
-                <a:fillToRect l="50000" t="50000" r="50000" b="50000"/>
-              </a:path>
-              <a:tileRect/>
-            </a:gradFill>
-            <a:ln>
-              <a:noFill/>
-            </a:ln>
-            <a:effectLst/>
-          </p:spPr>
-          <p:style>
-            <a:lnRef idx="1">
-              <a:schemeClr val="accent1"/>
-            </a:lnRef>
-            <a:fillRef idx="3">
-              <a:schemeClr val="accent1"/>
-            </a:fillRef>
-            <a:effectRef idx="2">
-              <a:schemeClr val="accent1"/>
-            </a:effectRef>
-            <a:fontRef idx="minor">
-              <a:schemeClr val="lt1"/>
-            </a:fontRef>
-          </p:style>
-          <p:txBody>
-            <a:bodyPr/>
-            <a:lstStyle/>
-            <a:p>
-              <a:endParaRPr lang="es-419"/>
-            </a:p>
-          </p:txBody>
-        </p:sp>
-        <p:sp>
-          <p:nvSpPr>
-            <p:cNvPr id="128" name="Oval 127">
-              <a:extLst>
-                <a:ext uri="{FF2B5EF4-FFF2-40B4-BE49-F238E27FC236}">
-                  <a16:creationId xmlns:a16="http://schemas.microsoft.com/office/drawing/2014/main" id="{D6B514A6-1440-4614-B316-443C485A1AF3}"/>
-                </a:ext>
-                <a:ext uri="{C183D7F6-B498-43B3-948B-1728B52AA6E4}">
-                  <adec:decorative xmlns:adec="http://schemas.microsoft.com/office/drawing/2017/decorative" val="1"/>
-                </a:ext>
-              </a:extLst>
-            </p:cNvPr>
-            <p:cNvSpPr/>
-            <p:nvPr>
-              <p:extLst>
-                <p:ext uri="{386F3935-93C4-4BCD-93E2-E3B085C9AB24}">
-                  <p16:designElem xmlns:p16="http://schemas.microsoft.com/office/powerpoint/2015/main" val="1"/>
-                </p:ext>
-              </p:extLst>
-            </p:nvPr>
-          </p:nvSpPr>
-          <p:spPr>
-            <a:xfrm>
-              <a:off x="0" y="2895600"/>
-              <a:ext cx="2362200" cy="2362200"/>
-            </a:xfrm>
-            <a:prstGeom prst="ellipse">
-              <a:avLst/>
-            </a:prstGeom>
-            <a:gradFill flip="none" rotWithShape="1">
-              <a:gsLst>
-                <a:gs pos="0">
-                  <a:schemeClr val="accent5">
-                    <a:alpha val="8000"/>
-                  </a:schemeClr>
-                </a:gs>
-                <a:gs pos="72000">
-                  <a:schemeClr val="accent5">
-                    <a:alpha val="0"/>
-                  </a:schemeClr>
-                </a:gs>
-                <a:gs pos="36000">
-                  <a:schemeClr val="accent5">
-                    <a:alpha val="8000"/>
-                  </a:schemeClr>
-                </a:gs>
-              </a:gsLst>
-              <a:path path="circle">
-                <a:fillToRect l="50000" t="50000" r="50000" b="50000"/>
-              </a:path>
-              <a:tileRect/>
-            </a:gradFill>
-            <a:ln>
-              <a:noFill/>
-            </a:ln>
-            <a:effectLst/>
-          </p:spPr>
-          <p:style>
-            <a:lnRef idx="1">
-              <a:schemeClr val="accent1"/>
-            </a:lnRef>
-            <a:fillRef idx="3">
-              <a:schemeClr val="accent1"/>
-            </a:fillRef>
-            <a:effectRef idx="2">
-              <a:schemeClr val="accent1"/>
-            </a:effectRef>
-            <a:fontRef idx="minor">
-              <a:schemeClr val="lt1"/>
-            </a:fontRef>
-          </p:style>
-          <p:txBody>
-            <a:bodyPr/>
-            <a:lstStyle/>
-            <a:p>
-              <a:endParaRPr lang="es-419"/>
-            </a:p>
-          </p:txBody>
-        </p:sp>
-        <p:sp>
-          <p:nvSpPr>
-            <p:cNvPr id="129" name="Oval 128">
-              <a:extLst>
-                <a:ext uri="{FF2B5EF4-FFF2-40B4-BE49-F238E27FC236}">
-                  <a16:creationId xmlns:a16="http://schemas.microsoft.com/office/drawing/2014/main" id="{B7C4B390-CACA-4CE0-A179-19E2CAADF693}"/>
-                </a:ext>
-                <a:ext uri="{C183D7F6-B498-43B3-948B-1728B52AA6E4}">
-                  <adec:decorative xmlns:adec="http://schemas.microsoft.com/office/drawing/2017/decorative" val="1"/>
-                </a:ext>
-              </a:extLst>
-            </p:cNvPr>
-            <p:cNvSpPr/>
-            <p:nvPr>
-              <p:extLst>
-                <p:ext uri="{386F3935-93C4-4BCD-93E2-E3B085C9AB24}">
-                  <p16:designElem xmlns:p16="http://schemas.microsoft.com/office/powerpoint/2015/main" val="1"/>
-                </p:ext>
-              </p:extLst>
-            </p:nvPr>
-          </p:nvSpPr>
-          <p:spPr>
-            <a:xfrm>
-              <a:off x="8609012" y="5867400"/>
-              <a:ext cx="990600" cy="990600"/>
-            </a:xfrm>
-            <a:prstGeom prst="ellipse">
-              <a:avLst/>
-            </a:prstGeom>
-            <a:gradFill flip="none" rotWithShape="1">
-              <a:gsLst>
-                <a:gs pos="0">
-                  <a:schemeClr val="accent5">
-                    <a:alpha val="14000"/>
-                  </a:schemeClr>
-                </a:gs>
-                <a:gs pos="66000">
-                  <a:schemeClr val="accent5">
-                    <a:alpha val="0"/>
-                  </a:schemeClr>
-                </a:gs>
-                <a:gs pos="36000">
-                  <a:schemeClr val="accent5">
-                    <a:alpha val="7000"/>
-                  </a:schemeClr>
-                </a:gs>
-              </a:gsLst>
-              <a:path path="circle">
-                <a:fillToRect l="50000" t="50000" r="50000" b="50000"/>
-              </a:path>
-              <a:tileRect/>
-            </a:gradFill>
-            <a:ln>
-              <a:noFill/>
-            </a:ln>
-            <a:effectLst/>
-          </p:spPr>
-          <p:style>
-            <a:lnRef idx="1">
-              <a:schemeClr val="accent1"/>
-            </a:lnRef>
-            <a:fillRef idx="3">
-              <a:schemeClr val="accent1"/>
-            </a:fillRef>
-            <a:effectRef idx="2">
-              <a:schemeClr val="accent1"/>
-            </a:effectRef>
-            <a:fontRef idx="minor">
-              <a:schemeClr val="lt1"/>
-            </a:fontRef>
-          </p:style>
-          <p:txBody>
-            <a:bodyPr/>
-            <a:lstStyle/>
-            <a:p>
-              <a:endParaRPr lang="es-419"/>
-            </a:p>
-          </p:txBody>
-        </p:sp>
-        <p:sp>
-          <p:nvSpPr>
-            <p:cNvPr id="130" name="Oval 129">
-              <a:extLst>
-                <a:ext uri="{FF2B5EF4-FFF2-40B4-BE49-F238E27FC236}">
-                  <a16:creationId xmlns:a16="http://schemas.microsoft.com/office/drawing/2014/main" id="{39330A14-E127-4084-BA51-D86B9568B7EE}"/>
-                </a:ext>
-                <a:ext uri="{C183D7F6-B498-43B3-948B-1728B52AA6E4}">
-                  <adec:decorative xmlns:adec="http://schemas.microsoft.com/office/drawing/2017/decorative" val="1"/>
-                </a:ext>
-              </a:extLst>
-            </p:cNvPr>
-            <p:cNvSpPr/>
-            <p:nvPr>
-              <p:extLst>
-                <p:ext uri="{386F3935-93C4-4BCD-93E2-E3B085C9AB24}">
-                  <p16:designElem xmlns:p16="http://schemas.microsoft.com/office/powerpoint/2015/main" val="1"/>
-                </p:ext>
-              </p:extLst>
-            </p:nvPr>
-          </p:nvSpPr>
-          <p:spPr>
-            <a:xfrm>
-              <a:off x="8609012" y="1676400"/>
-              <a:ext cx="2819400" cy="2819400"/>
-            </a:xfrm>
-            <a:prstGeom prst="ellipse">
-              <a:avLst/>
-            </a:prstGeom>
-            <a:gradFill flip="none" rotWithShape="1">
-              <a:gsLst>
-                <a:gs pos="0">
-                  <a:schemeClr val="accent5">
-                    <a:alpha val="7000"/>
-                  </a:schemeClr>
-                </a:gs>
-                <a:gs pos="69000">
-                  <a:schemeClr val="accent5">
-                    <a:alpha val="0"/>
-                  </a:schemeClr>
-                </a:gs>
-                <a:gs pos="36000">
-                  <a:schemeClr val="accent5">
-                    <a:alpha val="6000"/>
-                  </a:schemeClr>
-                </a:gs>
-              </a:gsLst>
-              <a:path path="circle">
-                <a:fillToRect l="50000" t="50000" r="50000" b="50000"/>
-              </a:path>
-              <a:tileRect/>
-            </a:gradFill>
-            <a:ln>
-              <a:noFill/>
-            </a:ln>
-            <a:effectLst/>
-          </p:spPr>
-          <p:style>
-            <a:lnRef idx="1">
-              <a:schemeClr val="accent1"/>
-            </a:lnRef>
-            <a:fillRef idx="3">
-              <a:schemeClr val="accent1"/>
-            </a:fillRef>
-            <a:effectRef idx="2">
-              <a:schemeClr val="accent1"/>
-            </a:effectRef>
-            <a:fontRef idx="minor">
-              <a:schemeClr val="lt1"/>
-            </a:fontRef>
-          </p:style>
-          <p:txBody>
-            <a:bodyPr/>
-            <a:lstStyle/>
-            <a:p>
-              <a:endParaRPr lang="es-419"/>
-            </a:p>
-          </p:txBody>
-        </p:sp>
-        <p:sp>
-          <p:nvSpPr>
-            <p:cNvPr id="131" name="Oval 130">
-              <a:extLst>
-                <a:ext uri="{FF2B5EF4-FFF2-40B4-BE49-F238E27FC236}">
-                  <a16:creationId xmlns:a16="http://schemas.microsoft.com/office/drawing/2014/main" id="{F47AD4CB-E128-49E9-A8C2-AC0CEA98F5AD}"/>
-                </a:ext>
-                <a:ext uri="{C183D7F6-B498-43B3-948B-1728B52AA6E4}">
-                  <adec:decorative xmlns:adec="http://schemas.microsoft.com/office/drawing/2017/decorative" val="1"/>
-                </a:ext>
-              </a:extLst>
-            </p:cNvPr>
-            <p:cNvSpPr/>
-            <p:nvPr>
-              <p:extLst>
-                <p:ext uri="{386F3935-93C4-4BCD-93E2-E3B085C9AB24}">
-                  <p16:designElem xmlns:p16="http://schemas.microsoft.com/office/powerpoint/2015/main" val="1"/>
-                </p:ext>
-              </p:extLst>
-            </p:nvPr>
-          </p:nvSpPr>
-          <p:spPr>
-            <a:xfrm>
-              <a:off x="7999412" y="8464"/>
-              <a:ext cx="1600200" cy="1600200"/>
-            </a:xfrm>
-            <a:prstGeom prst="ellipse">
-              <a:avLst/>
-            </a:prstGeom>
-            <a:gradFill flip="none" rotWithShape="1">
-              <a:gsLst>
-                <a:gs pos="0">
-                  <a:schemeClr val="accent5">
-                    <a:alpha val="14000"/>
-                  </a:schemeClr>
-                </a:gs>
-                <a:gs pos="73000">
-                  <a:schemeClr val="accent5">
-                    <a:alpha val="0"/>
-                  </a:schemeClr>
-                </a:gs>
-                <a:gs pos="36000">
-                  <a:schemeClr val="accent5">
-                    <a:alpha val="7000"/>
-                  </a:schemeClr>
-                </a:gs>
-              </a:gsLst>
-              <a:path path="circle">
-                <a:fillToRect l="50000" t="50000" r="50000" b="50000"/>
-              </a:path>
-              <a:tileRect/>
-            </a:gradFill>
-            <a:ln>
-              <a:noFill/>
-            </a:ln>
-            <a:effectLst/>
-          </p:spPr>
-          <p:style>
-            <a:lnRef idx="1">
-              <a:schemeClr val="accent1"/>
-            </a:lnRef>
-            <a:fillRef idx="3">
-              <a:schemeClr val="accent1"/>
-            </a:fillRef>
-            <a:effectRef idx="2">
-              <a:schemeClr val="accent1"/>
-            </a:effectRef>
-            <a:fontRef idx="minor">
-              <a:schemeClr val="lt1"/>
-            </a:fontRef>
-          </p:style>
-          <p:txBody>
-            <a:bodyPr/>
-            <a:lstStyle/>
-            <a:p>
-              <a:endParaRPr lang="es-419"/>
-            </a:p>
-          </p:txBody>
-        </p:sp>
-        <p:sp>
-          <p:nvSpPr>
-            <p:cNvPr id="132" name="Freeform 5">
-              <a:extLst>
-                <a:ext uri="{FF2B5EF4-FFF2-40B4-BE49-F238E27FC236}">
-                  <a16:creationId xmlns:a16="http://schemas.microsoft.com/office/drawing/2014/main" id="{D76D76C3-9DFE-4C5F-8F74-D65651A74BF4}"/>
-                </a:ext>
-                <a:ext uri="{C183D7F6-B498-43B3-948B-1728B52AA6E4}">
-                  <adec:decorative xmlns:adec="http://schemas.microsoft.com/office/drawing/2017/decorative" val="1"/>
-                </a:ext>
-              </a:extLst>
-            </p:cNvPr>
-            <p:cNvSpPr/>
-            <p:nvPr>
-              <p:extLst>
-                <p:ext uri="{386F3935-93C4-4BCD-93E2-E3B085C9AB24}">
-                  <p16:designElem xmlns:p16="http://schemas.microsoft.com/office/powerpoint/2015/main" val="1"/>
-                </p:ext>
-              </p:extLst>
-            </p:nvPr>
-          </p:nvSpPr>
-          <p:spPr bwMode="gray">
-            <a:xfrm rot="21010068">
-              <a:off x="8490951" y="1797517"/>
-              <a:ext cx="3299407" cy="440924"/>
-            </a:xfrm>
-            <a:custGeom>
-              <a:avLst/>
-              <a:gdLst/>
-              <a:ahLst/>
-              <a:cxnLst/>
-              <a:rect l="l" t="t" r="r" b="b"/>
-              <a:pathLst>
-                <a:path w="10000" h="5291">
-                  <a:moveTo>
-                    <a:pt x="85" y="2532"/>
-                  </a:moveTo>
-                  <a:cubicBezTo>
-                    <a:pt x="1736" y="3911"/>
-                    <a:pt x="7524" y="5298"/>
-                    <a:pt x="9958" y="5291"/>
-                  </a:cubicBezTo>
-                  <a:cubicBezTo>
-                    <a:pt x="9989" y="1958"/>
-                    <a:pt x="9969" y="3333"/>
-                    <a:pt x="10000" y="0"/>
-                  </a:cubicBezTo>
-                  <a:lnTo>
-                    <a:pt x="10000" y="0"/>
-                  </a:lnTo>
-                  <a:lnTo>
-                    <a:pt x="9667" y="204"/>
-                  </a:lnTo>
-                  <a:lnTo>
-                    <a:pt x="9334" y="400"/>
-                  </a:lnTo>
-                  <a:lnTo>
-                    <a:pt x="9001" y="590"/>
-                  </a:lnTo>
-                  <a:lnTo>
-                    <a:pt x="8667" y="753"/>
-                  </a:lnTo>
-                  <a:lnTo>
-                    <a:pt x="8333" y="917"/>
-                  </a:lnTo>
-                  <a:lnTo>
-                    <a:pt x="7999" y="1071"/>
-                  </a:lnTo>
-                  <a:lnTo>
-                    <a:pt x="7669" y="1202"/>
-                  </a:lnTo>
-                  <a:lnTo>
-                    <a:pt x="7333" y="1325"/>
-                  </a:lnTo>
-                  <a:lnTo>
-                    <a:pt x="7000" y="1440"/>
-                  </a:lnTo>
-                  <a:lnTo>
-                    <a:pt x="6673" y="1538"/>
-                  </a:lnTo>
-                  <a:lnTo>
-                    <a:pt x="6340" y="1636"/>
-                  </a:lnTo>
-                  <a:lnTo>
-                    <a:pt x="6013" y="1719"/>
-                  </a:lnTo>
-                  <a:lnTo>
-                    <a:pt x="5686" y="1784"/>
-                  </a:lnTo>
-                  <a:lnTo>
-                    <a:pt x="5359" y="1850"/>
-                  </a:lnTo>
-                  <a:lnTo>
-                    <a:pt x="5036" y="1906"/>
-                  </a:lnTo>
-                  <a:lnTo>
-                    <a:pt x="4717" y="1948"/>
-                  </a:lnTo>
-                  <a:lnTo>
-                    <a:pt x="4396" y="1980"/>
-                  </a:lnTo>
-                  <a:lnTo>
-                    <a:pt x="4079" y="2013"/>
-                  </a:lnTo>
-                  <a:lnTo>
-                    <a:pt x="3766" y="2029"/>
-                  </a:lnTo>
-                  <a:lnTo>
-                    <a:pt x="3454" y="2046"/>
-                  </a:lnTo>
-                  <a:lnTo>
-                    <a:pt x="3145" y="2053"/>
-                  </a:lnTo>
-                  <a:lnTo>
-                    <a:pt x="2839" y="2046"/>
-                  </a:lnTo>
-                  <a:lnTo>
-                    <a:pt x="2537" y="2046"/>
-                  </a:lnTo>
-                  <a:lnTo>
-                    <a:pt x="2238" y="2029"/>
-                  </a:lnTo>
-                  <a:lnTo>
-                    <a:pt x="1943" y="2004"/>
-                  </a:lnTo>
-                  <a:lnTo>
-                    <a:pt x="1653" y="1980"/>
-                  </a:lnTo>
-                  <a:lnTo>
-                    <a:pt x="1368" y="1955"/>
-                  </a:lnTo>
-                  <a:lnTo>
-                    <a:pt x="1085" y="1915"/>
-                  </a:lnTo>
-                  <a:lnTo>
-                    <a:pt x="806" y="1873"/>
-                  </a:lnTo>
-                  <a:lnTo>
-                    <a:pt x="533" y="1833"/>
-                  </a:lnTo>
-                  <a:lnTo>
-                    <a:pt x="0" y="1726"/>
-                  </a:lnTo>
-                  <a:cubicBezTo>
-                    <a:pt x="28" y="1995"/>
-                    <a:pt x="57" y="2263"/>
-                    <a:pt x="85" y="2532"/>
-                  </a:cubicBezTo>
-                  <a:close/>
-                </a:path>
-              </a:pathLst>
-            </a:custGeom>
-            <a:solidFill>
-              <a:schemeClr val="bg1">
-                <a:alpha val="20000"/>
-              </a:schemeClr>
-            </a:solidFill>
-            <a:ln>
-              <a:noFill/>
-            </a:ln>
-          </p:spPr>
-          <p:txBody>
-            <a:bodyPr/>
-            <a:lstStyle/>
-            <a:p>
-              <a:endParaRPr lang="es-419"/>
-            </a:p>
-          </p:txBody>
-        </p:sp>
-        <p:sp>
-          <p:nvSpPr>
-            <p:cNvPr id="133" name="Freeform 5">
-              <a:extLst>
-                <a:ext uri="{FF2B5EF4-FFF2-40B4-BE49-F238E27FC236}">
-                  <a16:creationId xmlns:a16="http://schemas.microsoft.com/office/drawing/2014/main" id="{7FC72400-C794-438B-90D7-5F6E03028E4A}"/>
-                </a:ext>
-                <a:ext uri="{C183D7F6-B498-43B3-948B-1728B52AA6E4}">
-                  <adec:decorative xmlns:adec="http://schemas.microsoft.com/office/drawing/2017/decorative" val="1"/>
-                </a:ext>
-              </a:extLst>
-            </p:cNvPr>
-            <p:cNvSpPr/>
-            <p:nvPr>
-              <p:extLst>
-                <p:ext uri="{386F3935-93C4-4BCD-93E2-E3B085C9AB24}">
-                  <p16:designElem xmlns:p16="http://schemas.microsoft.com/office/powerpoint/2015/main" val="1"/>
-                </p:ext>
-              </p:extLst>
-            </p:nvPr>
-          </p:nvSpPr>
-          <p:spPr bwMode="gray">
-            <a:xfrm>
-              <a:off x="459506" y="1866405"/>
-              <a:ext cx="11277600" cy="4533900"/>
-            </a:xfrm>
-            <a:custGeom>
-              <a:avLst/>
-              <a:gdLst/>
-              <a:ahLst/>
-              <a:cxnLst/>
-              <a:rect l="0" t="0" r="r" b="b"/>
-              <a:pathLst>
-                <a:path w="7104" h="2856">
-                  <a:moveTo>
-                    <a:pt x="0" y="0"/>
-                  </a:moveTo>
-                  <a:lnTo>
-                    <a:pt x="0" y="2856"/>
-                  </a:lnTo>
-                  <a:lnTo>
-                    <a:pt x="7104" y="2856"/>
-                  </a:lnTo>
-                  <a:lnTo>
-                    <a:pt x="7104" y="1"/>
-                  </a:lnTo>
-                  <a:lnTo>
-                    <a:pt x="7104" y="1"/>
-                  </a:lnTo>
-                  <a:lnTo>
-                    <a:pt x="6943" y="26"/>
-                  </a:lnTo>
-                  <a:lnTo>
-                    <a:pt x="6782" y="50"/>
-                  </a:lnTo>
-                  <a:lnTo>
-                    <a:pt x="6621" y="73"/>
-                  </a:lnTo>
-                  <a:lnTo>
-                    <a:pt x="6459" y="93"/>
-                  </a:lnTo>
-                  <a:lnTo>
-                    <a:pt x="6298" y="113"/>
-                  </a:lnTo>
-                  <a:lnTo>
-                    <a:pt x="6136" y="132"/>
-                  </a:lnTo>
-                  <a:lnTo>
-                    <a:pt x="5976" y="148"/>
-                  </a:lnTo>
-                  <a:lnTo>
-                    <a:pt x="5814" y="163"/>
-                  </a:lnTo>
-                  <a:lnTo>
-                    <a:pt x="5653" y="177"/>
-                  </a:lnTo>
-                  <a:lnTo>
-                    <a:pt x="5494" y="189"/>
-                  </a:lnTo>
-                  <a:lnTo>
-                    <a:pt x="5334" y="201"/>
-                  </a:lnTo>
-                  <a:lnTo>
-                    <a:pt x="5175" y="211"/>
-                  </a:lnTo>
-                  <a:lnTo>
-                    <a:pt x="5017" y="219"/>
-                  </a:lnTo>
-                  <a:lnTo>
-                    <a:pt x="4859" y="227"/>
-                  </a:lnTo>
-                  <a:lnTo>
-                    <a:pt x="4703" y="234"/>
-                  </a:lnTo>
-                  <a:lnTo>
-                    <a:pt x="4548" y="239"/>
-                  </a:lnTo>
-                  <a:lnTo>
-                    <a:pt x="4393" y="243"/>
-                  </a:lnTo>
-                  <a:lnTo>
-                    <a:pt x="4240" y="247"/>
-                  </a:lnTo>
-                  <a:lnTo>
-                    <a:pt x="4088" y="249"/>
-                  </a:lnTo>
-                  <a:lnTo>
-                    <a:pt x="3937" y="251"/>
-                  </a:lnTo>
-                  <a:lnTo>
-                    <a:pt x="3788" y="252"/>
-                  </a:lnTo>
-                  <a:lnTo>
-                    <a:pt x="3640" y="251"/>
-                  </a:lnTo>
-                  <a:lnTo>
-                    <a:pt x="3494" y="251"/>
-                  </a:lnTo>
-                  <a:lnTo>
-                    <a:pt x="3349" y="249"/>
-                  </a:lnTo>
-                  <a:lnTo>
-                    <a:pt x="3207" y="246"/>
-                  </a:lnTo>
-                  <a:lnTo>
-                    <a:pt x="3066" y="243"/>
-                  </a:lnTo>
-                  <a:lnTo>
-                    <a:pt x="2928" y="240"/>
-                  </a:lnTo>
-                  <a:lnTo>
-                    <a:pt x="2791" y="235"/>
-                  </a:lnTo>
-                  <a:lnTo>
-                    <a:pt x="2656" y="230"/>
-                  </a:lnTo>
-                  <a:lnTo>
-                    <a:pt x="2524" y="225"/>
-                  </a:lnTo>
-                  <a:lnTo>
-                    <a:pt x="2266" y="212"/>
-                  </a:lnTo>
-                  <a:lnTo>
-                    <a:pt x="2019" y="198"/>
-                  </a:lnTo>
-                  <a:lnTo>
-                    <a:pt x="1782" y="183"/>
-                  </a:lnTo>
-                  <a:lnTo>
-                    <a:pt x="1557" y="167"/>
-                  </a:lnTo>
-                  <a:lnTo>
-                    <a:pt x="1343" y="150"/>
-                  </a:lnTo>
-                  <a:lnTo>
-                    <a:pt x="1144" y="132"/>
-                  </a:lnTo>
-                  <a:lnTo>
-                    <a:pt x="957" y="114"/>
-                  </a:lnTo>
-                  <a:lnTo>
-                    <a:pt x="785" y="96"/>
-                  </a:lnTo>
-                  <a:lnTo>
-                    <a:pt x="627" y="79"/>
-                  </a:lnTo>
-                  <a:lnTo>
-                    <a:pt x="487" y="63"/>
-                  </a:lnTo>
-                  <a:lnTo>
-                    <a:pt x="361" y="48"/>
-                  </a:lnTo>
-                  <a:lnTo>
-                    <a:pt x="254" y="35"/>
-                  </a:lnTo>
-                  <a:lnTo>
-                    <a:pt x="165" y="23"/>
-                  </a:lnTo>
-                  <a:lnTo>
-                    <a:pt x="42" y="6"/>
-                  </a:lnTo>
-                  <a:lnTo>
-                    <a:pt x="0" y="0"/>
-                  </a:lnTo>
-                  <a:lnTo>
-                    <a:pt x="0" y="0"/>
-                  </a:lnTo>
-                  <a:close/>
-                </a:path>
-              </a:pathLst>
-            </a:custGeom>
-            <a:solidFill>
-              <a:schemeClr val="bg1"/>
-            </a:solidFill>
-            <a:ln>
-              <a:noFill/>
-            </a:ln>
-          </p:spPr>
-          <p:txBody>
-            <a:bodyPr/>
-            <a:lstStyle/>
-            <a:p>
-              <a:endParaRPr lang="es-419"/>
-            </a:p>
-          </p:txBody>
-        </p:sp>
-        <p:sp>
-          <p:nvSpPr>
-            <p:cNvPr id="134" name="Freeform 5">
-              <a:extLst>
-                <a:ext uri="{FF2B5EF4-FFF2-40B4-BE49-F238E27FC236}">
-                  <a16:creationId xmlns:a16="http://schemas.microsoft.com/office/drawing/2014/main" id="{AD24BDB9-26CF-4AAC-B31C-95E190D551EA}"/>
-                </a:ext>
-                <a:ext uri="{C183D7F6-B498-43B3-948B-1728B52AA6E4}">
-                  <adec:decorative xmlns:adec="http://schemas.microsoft.com/office/drawing/2017/decorative" val="1"/>
-                </a:ext>
-              </a:extLst>
-            </p:cNvPr>
-            <p:cNvSpPr>
-              <a:spLocks noEditPoints="1"/>
-            </p:cNvSpPr>
-            <p:nvPr>
-              <p:extLst>
-                <p:ext uri="{386F3935-93C4-4BCD-93E2-E3B085C9AB24}">
-                  <p16:designElem xmlns:p16="http://schemas.microsoft.com/office/powerpoint/2015/main" val="1"/>
-                </p:ext>
-              </p:extLst>
-            </p:nvPr>
-          </p:nvSpPr>
-          <p:spPr bwMode="gray">
-            <a:xfrm>
-              <a:off x="0" y="1587"/>
-              <a:ext cx="12192000" cy="6856413"/>
-            </a:xfrm>
-            <a:custGeom>
-              <a:avLst/>
-              <a:gdLst/>
-              <a:ahLst/>
-              <a:cxnLst/>
-              <a:rect l="0" t="0" r="r" b="b"/>
-              <a:pathLst>
-                <a:path w="15356" h="8638">
-                  <a:moveTo>
-                    <a:pt x="0" y="0"/>
-                  </a:moveTo>
-                  <a:lnTo>
-                    <a:pt x="0" y="8638"/>
-                  </a:lnTo>
-                  <a:lnTo>
-                    <a:pt x="15356" y="8638"/>
-                  </a:lnTo>
-                  <a:lnTo>
-                    <a:pt x="15356" y="0"/>
-                  </a:lnTo>
-                  <a:lnTo>
-                    <a:pt x="0" y="0"/>
-                  </a:lnTo>
-                  <a:close/>
-                  <a:moveTo>
-                    <a:pt x="14748" y="8038"/>
-                  </a:moveTo>
-                  <a:lnTo>
-                    <a:pt x="600" y="8038"/>
-                  </a:lnTo>
-                  <a:lnTo>
-                    <a:pt x="600" y="592"/>
-                  </a:lnTo>
-                  <a:lnTo>
-                    <a:pt x="14748" y="592"/>
-                  </a:lnTo>
-                  <a:lnTo>
-                    <a:pt x="14748" y="8038"/>
-                  </a:lnTo>
-                  <a:close/>
-                </a:path>
-              </a:pathLst>
-            </a:custGeom>
-            <a:solidFill>
-              <a:schemeClr val="bg1"/>
-            </a:solidFill>
-            <a:ln>
-              <a:noFill/>
-            </a:ln>
-          </p:spPr>
-          <p:txBody>
-            <a:bodyPr/>
-            <a:lstStyle/>
-            <a:p>
-              <a:endParaRPr lang="es-419"/>
-            </a:p>
-          </p:txBody>
-        </p:sp>
-      </p:grpSp>
-      <p:sp>
-        <p:nvSpPr>
-          <p:cNvPr id="136" name="Rectangle 135">
-            <a:extLst>
-              <a:ext uri="{FF2B5EF4-FFF2-40B4-BE49-F238E27FC236}">
-                <a16:creationId xmlns:a16="http://schemas.microsoft.com/office/drawing/2014/main" id="{E4947D45-3E3A-4249-A3DB-5B907C179727}"/>
-              </a:ext>
-              <a:ext uri="{C183D7F6-B498-43B3-948B-1728B52AA6E4}">
-                <adec:decorative xmlns:adec="http://schemas.microsoft.com/office/drawing/2017/decorative" val="1"/>
-              </a:ext>
-            </a:extLst>
-          </p:cNvPr>
-          <p:cNvSpPr>
-            <a:spLocks noGrp="1" noRot="1" noChangeAspect="1" noMove="1" noResize="1" noEditPoints="1" noAdjustHandles="1" noChangeArrowheads="1" noChangeShapeType="1" noTextEdit="1"/>
-          </p:cNvSpPr>
-          <p:nvPr>
-            <p:extLst>
-              <p:ext uri="{386F3935-93C4-4BCD-93E2-E3B085C9AB24}">
-                <p16:designElem xmlns:p16="http://schemas.microsoft.com/office/powerpoint/2015/main" val="1"/>
-              </p:ext>
-            </p:extLst>
-          </p:nvPr>
-        </p:nvSpPr>
-        <p:spPr>
-          <a:xfrm>
-            <a:off x="10437812" y="0"/>
-            <a:ext cx="685800" cy="1143000"/>
-          </a:xfrm>
-          <a:prstGeom prst="rect">
-            <a:avLst/>
-          </a:prstGeom>
-          <a:solidFill>
-            <a:schemeClr val="accent1"/>
-          </a:solidFill>
-          <a:ln>
-            <a:noFill/>
-          </a:ln>
-        </p:spPr>
-        <p:style>
-          <a:lnRef idx="1">
-            <a:schemeClr val="accent1"/>
-          </a:lnRef>
-          <a:fillRef idx="3">
-            <a:schemeClr val="accent1"/>
-          </a:fillRef>
-          <a:effectRef idx="2">
-            <a:schemeClr val="accent1"/>
-          </a:effectRef>
-          <a:fontRef idx="minor">
-            <a:schemeClr val="lt1"/>
-          </a:fontRef>
-        </p:style>
-        <p:txBody>
-          <a:bodyPr/>
-          <a:lstStyle/>
-          <a:p>
-            <a:endParaRPr lang="es-419"/>
-          </a:p>
-        </p:txBody>
-      </p:sp>
-      <p:sp>
-        <p:nvSpPr>
-          <p:cNvPr id="2" name="Título 1">
-            <a:extLst>
-              <a:ext uri="{FF2B5EF4-FFF2-40B4-BE49-F238E27FC236}">
-                <a16:creationId xmlns:a16="http://schemas.microsoft.com/office/drawing/2014/main" id="{5105512F-6638-662A-1660-3AAB0832567F}"/>
-              </a:ext>
-            </a:extLst>
-          </p:cNvPr>
-          <p:cNvSpPr>
-            <a:spLocks noGrp="1"/>
-          </p:cNvSpPr>
-          <p:nvPr>
-            <p:ph type="ctrTitle"/>
-          </p:nvPr>
-        </p:nvSpPr>
-        <p:spPr>
-          <a:xfrm>
-            <a:off x="1154954" y="973668"/>
-            <a:ext cx="8761413" cy="706964"/>
-          </a:xfrm>
-        </p:spPr>
-        <p:txBody>
-          <a:bodyPr vert="horz" lIns="91440" tIns="45720" rIns="91440" bIns="45720" rtlCol="0" anchor="ctr">
-            <a:normAutofit/>
-          </a:bodyPr>
-          <a:lstStyle/>
-          <a:p>
-            <a:r>
-              <a:rPr lang="en-US" sz="3600"/>
-              <a:t>Detalle de elementos</a:t>
-            </a:r>
-          </a:p>
-        </p:txBody>
-      </p:sp>
-      <p:sp>
-        <p:nvSpPr>
-          <p:cNvPr id="28" name="CuadroTexto 27">
-            <a:extLst>
-              <a:ext uri="{FF2B5EF4-FFF2-40B4-BE49-F238E27FC236}">
-                <a16:creationId xmlns:a16="http://schemas.microsoft.com/office/drawing/2014/main" id="{0308FDDF-F9A5-5B7D-380B-C237C016CF81}"/>
-              </a:ext>
-            </a:extLst>
-          </p:cNvPr>
-          <p:cNvSpPr txBox="1"/>
-          <p:nvPr/>
-        </p:nvSpPr>
-        <p:spPr>
-          <a:xfrm>
-            <a:off x="1154955" y="2603500"/>
-            <a:ext cx="3481054" cy="3416300"/>
-          </a:xfrm>
-          <a:prstGeom prst="rect">
-            <a:avLst/>
-          </a:prstGeom>
-        </p:spPr>
-        <p:txBody>
-          <a:bodyPr vert="horz" lIns="91440" tIns="45720" rIns="91440" bIns="45720" rtlCol="0" anchor="ctr">
-            <a:normAutofit/>
-          </a:bodyPr>
-          <a:lstStyle/>
-          <a:p>
-            <a:pPr>
-              <a:lnSpc>
-                <a:spcPct val="90000"/>
-              </a:lnSpc>
-              <a:spcBef>
-                <a:spcPts val="1000"/>
-              </a:spcBef>
-              <a:buClr>
-                <a:schemeClr val="accent1"/>
-              </a:buClr>
-              <a:buSzPct val="80000"/>
-              <a:buFont typeface="Wingdings 3" charset="2"/>
-              <a:buChar char=""/>
-            </a:pPr>
-            <a:r>
-              <a:rPr lang="en-US" sz="1500" dirty="0">
-                <a:solidFill>
-                  <a:schemeClr val="tx1">
-                    <a:lumMod val="75000"/>
-                    <a:lumOff val="25000"/>
-                  </a:schemeClr>
-                </a:solidFill>
-                <a:effectLst/>
-              </a:rPr>
-              <a:t>HTML:</a:t>
-            </a:r>
-          </a:p>
-          <a:p>
-            <a:pPr>
-              <a:lnSpc>
-                <a:spcPct val="90000"/>
-              </a:lnSpc>
-              <a:spcBef>
-                <a:spcPts val="1000"/>
-              </a:spcBef>
-              <a:buClr>
-                <a:schemeClr val="accent1"/>
-              </a:buClr>
-              <a:buSzPct val="80000"/>
-              <a:buFont typeface="Wingdings 3" charset="2"/>
-              <a:buChar char=""/>
-            </a:pPr>
-            <a:r>
-              <a:rPr lang="en-US" sz="1500" dirty="0">
-                <a:solidFill>
-                  <a:schemeClr val="tx1">
-                    <a:lumMod val="75000"/>
-                    <a:lumOff val="25000"/>
-                  </a:schemeClr>
-                </a:solidFill>
-                <a:effectLst/>
-              </a:rPr>
-              <a:t>Define la </a:t>
-            </a:r>
-            <a:r>
-              <a:rPr lang="en-US" sz="1500" dirty="0" err="1">
-                <a:solidFill>
-                  <a:schemeClr val="tx1">
-                    <a:lumMod val="75000"/>
-                    <a:lumOff val="25000"/>
-                  </a:schemeClr>
-                </a:solidFill>
-                <a:effectLst/>
-              </a:rPr>
-              <a:t>estructura</a:t>
-            </a:r>
-            <a:r>
-              <a:rPr lang="en-US" sz="1500" dirty="0">
-                <a:solidFill>
-                  <a:schemeClr val="tx1">
-                    <a:lumMod val="75000"/>
-                    <a:lumOff val="25000"/>
-                  </a:schemeClr>
-                </a:solidFill>
-                <a:effectLst/>
-              </a:rPr>
-              <a:t> para </a:t>
-            </a:r>
-            <a:r>
-              <a:rPr lang="en-US" sz="1500" dirty="0" err="1">
-                <a:solidFill>
-                  <a:schemeClr val="tx1">
-                    <a:lumMod val="75000"/>
-                    <a:lumOff val="25000"/>
-                  </a:schemeClr>
-                </a:solidFill>
-                <a:effectLst/>
-              </a:rPr>
-              <a:t>mostrar</a:t>
-            </a:r>
-            <a:r>
-              <a:rPr lang="en-US" sz="1500" dirty="0">
-                <a:solidFill>
-                  <a:schemeClr val="tx1">
-                    <a:lumMod val="75000"/>
-                    <a:lumOff val="25000"/>
-                  </a:schemeClr>
-                </a:solidFill>
-                <a:effectLst/>
-              </a:rPr>
-              <a:t> </a:t>
-            </a:r>
-            <a:r>
-              <a:rPr lang="en-US" sz="1500" dirty="0" err="1">
-                <a:solidFill>
-                  <a:schemeClr val="tx1">
-                    <a:lumMod val="75000"/>
-                    <a:lumOff val="25000"/>
-                  </a:schemeClr>
-                </a:solidFill>
-                <a:effectLst/>
-              </a:rPr>
-              <a:t>detalles</a:t>
-            </a:r>
-            <a:r>
-              <a:rPr lang="en-US" sz="1500" dirty="0">
-                <a:solidFill>
-                  <a:schemeClr val="tx1">
-                    <a:lumMod val="75000"/>
-                    <a:lumOff val="25000"/>
-                  </a:schemeClr>
-                </a:solidFill>
-                <a:effectLst/>
-              </a:rPr>
-              <a:t> de </a:t>
-            </a:r>
-            <a:r>
-              <a:rPr lang="en-US" sz="1500" dirty="0" err="1">
-                <a:solidFill>
-                  <a:schemeClr val="tx1">
-                    <a:lumMod val="75000"/>
-                    <a:lumOff val="25000"/>
-                  </a:schemeClr>
-                </a:solidFill>
-                <a:effectLst/>
-              </a:rPr>
-              <a:t>productos</a:t>
-            </a:r>
-            <a:r>
-              <a:rPr lang="en-US" sz="1500" dirty="0">
-                <a:solidFill>
-                  <a:schemeClr val="tx1">
-                    <a:lumMod val="75000"/>
-                    <a:lumOff val="25000"/>
-                  </a:schemeClr>
-                </a:solidFill>
-                <a:effectLst/>
-              </a:rPr>
-              <a:t>, </a:t>
-            </a:r>
-            <a:r>
-              <a:rPr lang="en-US" sz="1500" dirty="0" err="1">
-                <a:solidFill>
-                  <a:schemeClr val="tx1">
-                    <a:lumMod val="75000"/>
-                    <a:lumOff val="25000"/>
-                  </a:schemeClr>
-                </a:solidFill>
-                <a:effectLst/>
-              </a:rPr>
-              <a:t>como</a:t>
-            </a:r>
-            <a:r>
-              <a:rPr lang="en-US" sz="1500" dirty="0">
-                <a:solidFill>
-                  <a:schemeClr val="tx1">
-                    <a:lumMod val="75000"/>
-                    <a:lumOff val="25000"/>
-                  </a:schemeClr>
-                </a:solidFill>
-                <a:effectLst/>
-              </a:rPr>
-              <a:t> valor, </a:t>
-            </a:r>
-            <a:r>
-              <a:rPr lang="en-US" sz="1500" dirty="0" err="1">
-                <a:solidFill>
-                  <a:schemeClr val="tx1">
-                    <a:lumMod val="75000"/>
-                    <a:lumOff val="25000"/>
-                  </a:schemeClr>
-                </a:solidFill>
-                <a:effectLst/>
-              </a:rPr>
-              <a:t>cantidad</a:t>
-            </a:r>
-            <a:r>
-              <a:rPr lang="en-US" sz="1500" dirty="0">
-                <a:solidFill>
-                  <a:schemeClr val="tx1">
-                    <a:lumMod val="75000"/>
-                    <a:lumOff val="25000"/>
-                  </a:schemeClr>
-                </a:solidFill>
-                <a:effectLst/>
-              </a:rPr>
-              <a:t>, </a:t>
-            </a:r>
-            <a:r>
-              <a:rPr lang="en-US" sz="1500" dirty="0" err="1">
-                <a:solidFill>
-                  <a:schemeClr val="tx1">
-                    <a:lumMod val="75000"/>
-                    <a:lumOff val="25000"/>
-                  </a:schemeClr>
-                </a:solidFill>
-                <a:effectLst/>
-              </a:rPr>
-              <a:t>precio</a:t>
-            </a:r>
-            <a:r>
-              <a:rPr lang="en-US" sz="1500" dirty="0">
-                <a:solidFill>
-                  <a:schemeClr val="tx1">
-                    <a:lumMod val="75000"/>
-                    <a:lumOff val="25000"/>
-                  </a:schemeClr>
-                </a:solidFill>
-                <a:effectLst/>
-              </a:rPr>
-              <a:t>, etc.</a:t>
-            </a:r>
-          </a:p>
-          <a:p>
-            <a:pPr>
-              <a:lnSpc>
-                <a:spcPct val="90000"/>
-              </a:lnSpc>
-              <a:spcBef>
-                <a:spcPts val="1000"/>
-              </a:spcBef>
-              <a:buClr>
-                <a:schemeClr val="accent1"/>
-              </a:buClr>
-              <a:buSzPct val="80000"/>
-              <a:buFont typeface="Wingdings 3" charset="2"/>
-              <a:buChar char=""/>
-            </a:pPr>
-            <a:r>
-              <a:rPr lang="en-US" sz="1500" dirty="0">
-                <a:solidFill>
-                  <a:schemeClr val="tx1">
-                    <a:lumMod val="75000"/>
-                    <a:lumOff val="25000"/>
-                  </a:schemeClr>
-                </a:solidFill>
-                <a:effectLst/>
-              </a:rPr>
-              <a:t>JavaScript:</a:t>
-            </a:r>
-          </a:p>
-          <a:p>
-            <a:pPr>
-              <a:lnSpc>
-                <a:spcPct val="90000"/>
-              </a:lnSpc>
-              <a:spcBef>
-                <a:spcPts val="1000"/>
-              </a:spcBef>
-              <a:buClr>
-                <a:schemeClr val="accent1"/>
-              </a:buClr>
-              <a:buSzPct val="80000"/>
-              <a:buFont typeface="Wingdings 3" charset="2"/>
-              <a:buChar char=""/>
-            </a:pPr>
-            <a:r>
-              <a:rPr lang="en-US" sz="1500" dirty="0" err="1">
-                <a:solidFill>
-                  <a:schemeClr val="tx1">
-                    <a:lumMod val="75000"/>
-                    <a:lumOff val="25000"/>
-                  </a:schemeClr>
-                </a:solidFill>
-                <a:effectLst/>
-              </a:rPr>
-              <a:t>Permite</a:t>
-            </a:r>
-            <a:r>
-              <a:rPr lang="en-US" sz="1500" dirty="0">
-                <a:solidFill>
-                  <a:schemeClr val="tx1">
-                    <a:lumMod val="75000"/>
-                    <a:lumOff val="25000"/>
-                  </a:schemeClr>
-                </a:solidFill>
-                <a:effectLst/>
-              </a:rPr>
-              <a:t> la </a:t>
-            </a:r>
-            <a:r>
-              <a:rPr lang="en-US" sz="1500" dirty="0" err="1">
-                <a:solidFill>
-                  <a:schemeClr val="tx1">
-                    <a:lumMod val="75000"/>
-                    <a:lumOff val="25000"/>
-                  </a:schemeClr>
-                </a:solidFill>
-                <a:effectLst/>
-              </a:rPr>
-              <a:t>interactividad</a:t>
-            </a:r>
-            <a:r>
-              <a:rPr lang="en-US" sz="1500" dirty="0">
-                <a:solidFill>
-                  <a:schemeClr val="tx1">
-                    <a:lumMod val="75000"/>
-                    <a:lumOff val="25000"/>
-                  </a:schemeClr>
-                </a:solidFill>
-                <a:effectLst/>
-              </a:rPr>
-              <a:t> y </a:t>
-            </a:r>
-            <a:r>
-              <a:rPr lang="en-US" sz="1500" dirty="0" err="1">
-                <a:solidFill>
-                  <a:schemeClr val="tx1">
-                    <a:lumMod val="75000"/>
-                    <a:lumOff val="25000"/>
-                  </a:schemeClr>
-                </a:solidFill>
-                <a:effectLst/>
-              </a:rPr>
-              <a:t>actualizaciones</a:t>
-            </a:r>
-            <a:r>
-              <a:rPr lang="en-US" sz="1500" dirty="0">
-                <a:solidFill>
-                  <a:schemeClr val="tx1">
-                    <a:lumMod val="75000"/>
-                    <a:lumOff val="25000"/>
-                  </a:schemeClr>
-                </a:solidFill>
-                <a:effectLst/>
-              </a:rPr>
-              <a:t> </a:t>
-            </a:r>
-            <a:r>
-              <a:rPr lang="en-US" sz="1500" dirty="0" err="1">
-                <a:solidFill>
-                  <a:schemeClr val="tx1">
-                    <a:lumMod val="75000"/>
-                    <a:lumOff val="25000"/>
-                  </a:schemeClr>
-                </a:solidFill>
-                <a:effectLst/>
-              </a:rPr>
-              <a:t>dinámicas</a:t>
-            </a:r>
-            <a:r>
-              <a:rPr lang="en-US" sz="1500" dirty="0">
-                <a:solidFill>
-                  <a:schemeClr val="tx1">
-                    <a:lumMod val="75000"/>
-                    <a:lumOff val="25000"/>
-                  </a:schemeClr>
-                </a:solidFill>
-                <a:effectLst/>
-              </a:rPr>
-              <a:t> en </a:t>
-            </a:r>
-            <a:r>
-              <a:rPr lang="en-US" sz="1500" dirty="0" err="1">
-                <a:solidFill>
-                  <a:schemeClr val="tx1">
-                    <a:lumMod val="75000"/>
-                    <a:lumOff val="25000"/>
-                  </a:schemeClr>
-                </a:solidFill>
-                <a:effectLst/>
-              </a:rPr>
-              <a:t>tiempo</a:t>
-            </a:r>
-            <a:r>
-              <a:rPr lang="en-US" sz="1500" dirty="0">
-                <a:solidFill>
-                  <a:schemeClr val="tx1">
-                    <a:lumMod val="75000"/>
-                    <a:lumOff val="25000"/>
-                  </a:schemeClr>
-                </a:solidFill>
-                <a:effectLst/>
-              </a:rPr>
-              <a:t> real para </a:t>
-            </a:r>
-            <a:r>
-              <a:rPr lang="en-US" sz="1500" dirty="0" err="1">
-                <a:solidFill>
-                  <a:schemeClr val="tx1">
-                    <a:lumMod val="75000"/>
-                    <a:lumOff val="25000"/>
-                  </a:schemeClr>
-                </a:solidFill>
-                <a:effectLst/>
-              </a:rPr>
-              <a:t>modificar</a:t>
-            </a:r>
-            <a:r>
-              <a:rPr lang="en-US" sz="1500" dirty="0">
-                <a:solidFill>
-                  <a:schemeClr val="tx1">
-                    <a:lumMod val="75000"/>
-                    <a:lumOff val="25000"/>
-                  </a:schemeClr>
-                </a:solidFill>
-                <a:effectLst/>
-              </a:rPr>
-              <a:t> </a:t>
-            </a:r>
-            <a:r>
-              <a:rPr lang="en-US" sz="1500" dirty="0" err="1">
-                <a:solidFill>
-                  <a:schemeClr val="tx1">
-                    <a:lumMod val="75000"/>
-                    <a:lumOff val="25000"/>
-                  </a:schemeClr>
-                </a:solidFill>
-                <a:effectLst/>
-              </a:rPr>
-              <a:t>cantidades</a:t>
-            </a:r>
-            <a:r>
-              <a:rPr lang="en-US" sz="1500" dirty="0">
-                <a:solidFill>
-                  <a:schemeClr val="tx1">
-                    <a:lumMod val="75000"/>
-                    <a:lumOff val="25000"/>
-                  </a:schemeClr>
-                </a:solidFill>
-                <a:effectLst/>
-              </a:rPr>
-              <a:t> y </a:t>
-            </a:r>
-            <a:r>
-              <a:rPr lang="en-US" sz="1500" dirty="0" err="1">
-                <a:solidFill>
-                  <a:schemeClr val="tx1">
-                    <a:lumMod val="75000"/>
-                    <a:lumOff val="25000"/>
-                  </a:schemeClr>
-                </a:solidFill>
-                <a:effectLst/>
-              </a:rPr>
-              <a:t>otros</a:t>
-            </a:r>
-            <a:r>
-              <a:rPr lang="en-US" sz="1500" dirty="0">
-                <a:solidFill>
-                  <a:schemeClr val="tx1">
-                    <a:lumMod val="75000"/>
-                    <a:lumOff val="25000"/>
-                  </a:schemeClr>
-                </a:solidFill>
-                <a:effectLst/>
-              </a:rPr>
-              <a:t> </a:t>
-            </a:r>
-            <a:r>
-              <a:rPr lang="en-US" sz="1500" dirty="0" err="1">
-                <a:solidFill>
-                  <a:schemeClr val="tx1">
-                    <a:lumMod val="75000"/>
-                    <a:lumOff val="25000"/>
-                  </a:schemeClr>
-                </a:solidFill>
-                <a:effectLst/>
-              </a:rPr>
-              <a:t>detalles</a:t>
-            </a:r>
-            <a:r>
-              <a:rPr lang="en-US" sz="1500" dirty="0">
-                <a:solidFill>
-                  <a:schemeClr val="tx1">
-                    <a:lumMod val="75000"/>
-                    <a:lumOff val="25000"/>
-                  </a:schemeClr>
-                </a:solidFill>
-                <a:effectLst/>
-              </a:rPr>
-              <a:t>.</a:t>
-            </a:r>
-          </a:p>
-          <a:p>
-            <a:pPr>
-              <a:lnSpc>
-                <a:spcPct val="90000"/>
-              </a:lnSpc>
-              <a:spcBef>
-                <a:spcPts val="1000"/>
-              </a:spcBef>
-              <a:buClr>
-                <a:schemeClr val="accent1"/>
-              </a:buClr>
-              <a:buSzPct val="80000"/>
-              <a:buFont typeface="Wingdings 3" charset="2"/>
-              <a:buChar char=""/>
-            </a:pPr>
-            <a:r>
-              <a:rPr lang="en-US" sz="1500" dirty="0">
-                <a:solidFill>
-                  <a:schemeClr val="tx1">
-                    <a:lumMod val="75000"/>
-                    <a:lumOff val="25000"/>
-                  </a:schemeClr>
-                </a:solidFill>
-                <a:effectLst/>
-              </a:rPr>
-              <a:t>CSS:</a:t>
-            </a:r>
-          </a:p>
-          <a:p>
-            <a:pPr>
-              <a:lnSpc>
-                <a:spcPct val="90000"/>
-              </a:lnSpc>
-              <a:spcBef>
-                <a:spcPts val="1000"/>
-              </a:spcBef>
-              <a:buClr>
-                <a:schemeClr val="accent1"/>
-              </a:buClr>
-              <a:buSzPct val="80000"/>
-              <a:buFont typeface="Wingdings 3" charset="2"/>
-              <a:buChar char=""/>
-            </a:pPr>
-            <a:r>
-              <a:rPr lang="en-US" sz="1500" dirty="0" err="1">
-                <a:solidFill>
-                  <a:schemeClr val="tx1">
-                    <a:lumMod val="75000"/>
-                    <a:lumOff val="25000"/>
-                  </a:schemeClr>
-                </a:solidFill>
-                <a:effectLst/>
-              </a:rPr>
-              <a:t>Establece</a:t>
-            </a:r>
-            <a:r>
-              <a:rPr lang="en-US" sz="1500" dirty="0">
-                <a:solidFill>
-                  <a:schemeClr val="tx1">
-                    <a:lumMod val="75000"/>
-                    <a:lumOff val="25000"/>
-                  </a:schemeClr>
-                </a:solidFill>
-                <a:effectLst/>
-              </a:rPr>
-              <a:t> </a:t>
-            </a:r>
-            <a:r>
-              <a:rPr lang="en-US" sz="1500" dirty="0" err="1">
-                <a:solidFill>
-                  <a:schemeClr val="tx1">
-                    <a:lumMod val="75000"/>
-                    <a:lumOff val="25000"/>
-                  </a:schemeClr>
-                </a:solidFill>
-                <a:effectLst/>
-              </a:rPr>
-              <a:t>estilos</a:t>
-            </a:r>
-            <a:r>
-              <a:rPr lang="en-US" sz="1500" dirty="0">
-                <a:solidFill>
-                  <a:schemeClr val="tx1">
-                    <a:lumMod val="75000"/>
-                    <a:lumOff val="25000"/>
-                  </a:schemeClr>
-                </a:solidFill>
-                <a:effectLst/>
-              </a:rPr>
-              <a:t> </a:t>
-            </a:r>
-            <a:r>
-              <a:rPr lang="en-US" sz="1500" dirty="0" err="1">
-                <a:solidFill>
-                  <a:schemeClr val="tx1">
-                    <a:lumMod val="75000"/>
-                    <a:lumOff val="25000"/>
-                  </a:schemeClr>
-                </a:solidFill>
-                <a:effectLst/>
-              </a:rPr>
-              <a:t>visuales</a:t>
-            </a:r>
-            <a:r>
-              <a:rPr lang="en-US" sz="1500" dirty="0">
-                <a:solidFill>
-                  <a:schemeClr val="tx1">
-                    <a:lumMod val="75000"/>
-                    <a:lumOff val="25000"/>
-                  </a:schemeClr>
-                </a:solidFill>
-                <a:effectLst/>
-              </a:rPr>
-              <a:t> para </a:t>
-            </a:r>
-            <a:r>
-              <a:rPr lang="en-US" sz="1500" dirty="0" err="1">
-                <a:solidFill>
-                  <a:schemeClr val="tx1">
-                    <a:lumMod val="75000"/>
-                    <a:lumOff val="25000"/>
-                  </a:schemeClr>
-                </a:solidFill>
-                <a:effectLst/>
-              </a:rPr>
-              <a:t>organizar</a:t>
-            </a:r>
-            <a:r>
-              <a:rPr lang="en-US" sz="1500" dirty="0">
-                <a:solidFill>
-                  <a:schemeClr val="tx1">
-                    <a:lumMod val="75000"/>
-                    <a:lumOff val="25000"/>
-                  </a:schemeClr>
-                </a:solidFill>
-                <a:effectLst/>
-              </a:rPr>
-              <a:t> y </a:t>
-            </a:r>
-            <a:r>
-              <a:rPr lang="en-US" sz="1500" dirty="0" err="1">
-                <a:solidFill>
-                  <a:schemeClr val="tx1">
-                    <a:lumMod val="75000"/>
-                    <a:lumOff val="25000"/>
-                  </a:schemeClr>
-                </a:solidFill>
-                <a:effectLst/>
-              </a:rPr>
-              <a:t>destacar</a:t>
-            </a:r>
-            <a:r>
-              <a:rPr lang="en-US" sz="1500" dirty="0">
-                <a:solidFill>
-                  <a:schemeClr val="tx1">
-                    <a:lumMod val="75000"/>
-                    <a:lumOff val="25000"/>
-                  </a:schemeClr>
-                </a:solidFill>
-                <a:effectLst/>
-              </a:rPr>
-              <a:t> la </a:t>
-            </a:r>
-            <a:r>
-              <a:rPr lang="en-US" sz="1500" dirty="0" err="1">
-                <a:solidFill>
-                  <a:schemeClr val="tx1">
-                    <a:lumMod val="75000"/>
-                    <a:lumOff val="25000"/>
-                  </a:schemeClr>
-                </a:solidFill>
-                <a:effectLst/>
-              </a:rPr>
-              <a:t>información</a:t>
-            </a:r>
-            <a:r>
-              <a:rPr lang="en-US" sz="1500" dirty="0">
-                <a:solidFill>
-                  <a:schemeClr val="tx1">
-                    <a:lumMod val="75000"/>
-                    <a:lumOff val="25000"/>
-                  </a:schemeClr>
-                </a:solidFill>
-                <a:effectLst/>
-              </a:rPr>
-              <a:t> del </a:t>
-            </a:r>
-            <a:r>
-              <a:rPr lang="en-US" sz="1500" dirty="0" err="1">
-                <a:solidFill>
-                  <a:schemeClr val="tx1">
-                    <a:lumMod val="75000"/>
-                    <a:lumOff val="25000"/>
-                  </a:schemeClr>
-                </a:solidFill>
-                <a:effectLst/>
-              </a:rPr>
-              <a:t>producto</a:t>
-            </a:r>
-            <a:r>
-              <a:rPr lang="en-US" sz="1500" dirty="0">
-                <a:solidFill>
-                  <a:schemeClr val="tx1">
-                    <a:lumMod val="75000"/>
-                    <a:lumOff val="25000"/>
-                  </a:schemeClr>
-                </a:solidFill>
-                <a:effectLst/>
-              </a:rPr>
-              <a:t>.</a:t>
-            </a:r>
-          </a:p>
-        </p:txBody>
-      </p:sp>
-      <p:pic>
-        <p:nvPicPr>
-          <p:cNvPr id="4" name="Picture 3" descr="Diseño de cromosoma púrpura 3D">
-            <a:extLst>
-              <a:ext uri="{FF2B5EF4-FFF2-40B4-BE49-F238E27FC236}">
-                <a16:creationId xmlns:a16="http://schemas.microsoft.com/office/drawing/2014/main" id="{B911E0CD-BF63-CDEE-5AA8-C0825274314B}"/>
-              </a:ext>
-            </a:extLst>
-          </p:cNvPr>
-          <p:cNvPicPr>
-            <a:picLocks noChangeAspect="1"/>
-          </p:cNvPicPr>
-          <p:nvPr/>
-        </p:nvPicPr>
-        <p:blipFill rotWithShape="1">
-          <a:blip r:embed="rId3"/>
-          <a:srcRect l="314" r="1957" b="1"/>
-          <a:stretch/>
-        </p:blipFill>
-        <p:spPr>
-          <a:xfrm>
-            <a:off x="5514398" y="2389830"/>
-            <a:ext cx="6189228" cy="6332988"/>
-          </a:xfrm>
-          <a:prstGeom prst="roundRect">
-            <a:avLst>
-              <a:gd name="adj" fmla="val 1858"/>
-            </a:avLst>
-          </a:prstGeom>
-          <a:effectLst>
-            <a:outerShdw blurRad="50800" dist="50800" dir="5400000" algn="tl" rotWithShape="0">
-              <a:srgbClr val="000000">
-                <a:alpha val="43000"/>
-              </a:srgbClr>
-            </a:outerShdw>
-          </a:effectLst>
-        </p:spPr>
-      </p:pic>
-      <p:pic>
-        <p:nvPicPr>
-          <p:cNvPr id="9" name="Imagen 8" descr="Texto, Carta&#10;&#10;Descripción generada automáticamente">
-            <a:extLst>
-              <a:ext uri="{FF2B5EF4-FFF2-40B4-BE49-F238E27FC236}">
-                <a16:creationId xmlns:a16="http://schemas.microsoft.com/office/drawing/2014/main" id="{1A5E327D-8AC4-EAB3-2408-1D10362E97AD}"/>
-              </a:ext>
-            </a:extLst>
-          </p:cNvPr>
-          <p:cNvPicPr>
-            <a:picLocks noChangeAspect="1"/>
-          </p:cNvPicPr>
-          <p:nvPr/>
-        </p:nvPicPr>
-        <p:blipFill rotWithShape="1">
-          <a:blip r:embed="rId4"/>
-          <a:srcRect t="14305" r="1" b="1"/>
-          <a:stretch/>
-        </p:blipFill>
-        <p:spPr>
-          <a:xfrm>
-            <a:off x="7119787" y="3032446"/>
-            <a:ext cx="2997538" cy="3067163"/>
-          </a:xfrm>
-          <a:prstGeom prst="roundRect">
-            <a:avLst>
-              <a:gd name="adj" fmla="val 1858"/>
-            </a:avLst>
-          </a:prstGeom>
-          <a:effectLst>
-            <a:outerShdw blurRad="50800" dist="50800" dir="5400000" algn="tl" rotWithShape="0">
-              <a:srgbClr val="000000">
-                <a:alpha val="43000"/>
-              </a:srgbClr>
-            </a:outerShdw>
-          </a:effectLst>
-        </p:spPr>
-      </p:pic>
-    </p:spTree>
-    <p:extLst>
-      <p:ext uri="{BB962C8B-B14F-4D97-AF65-F5344CB8AC3E}">
-        <p14:creationId xmlns:p14="http://schemas.microsoft.com/office/powerpoint/2010/main" val="682577211"/>
-      </p:ext>
-    </p:extLst>
-  </p:cSld>
-  <p:clrMapOvr>
-    <a:masterClrMapping/>
-  </p:clrMapOvr>
-</p:sld>
-</file>
-
-<file path=ppt/slides/slide8.xml><?xml version="1.0" encoding="utf-8"?>
-<p:sld xmlns:a="http://schemas.openxmlformats.org/drawingml/2006/main" xmlns:r="http://schemas.openxmlformats.org/officeDocument/2006/relationships" xmlns:p="http://schemas.openxmlformats.org/presentationml/2006/main">
-  <p:cSld>
-    <p:bg>
-      <p:bgPr>
-        <a:solidFill>
-          <a:schemeClr val="bg1"/>
-        </a:solidFill>
-        <a:effectLst/>
-      </p:bgPr>
-    </p:bg>
-    <p:spTree>
-      <p:nvGrpSpPr>
-        <p:cNvPr id="1" name=""/>
-        <p:cNvGrpSpPr/>
-        <p:nvPr/>
-      </p:nvGrpSpPr>
-      <p:grpSpPr>
-        <a:xfrm>
-          <a:off x="0" y="0"/>
-          <a:ext cx="0" cy="0"/>
-          <a:chOff x="0" y="0"/>
-          <a:chExt cx="0" cy="0"/>
-        </a:xfrm>
-      </p:grpSpPr>
-      <p:sp>
-        <p:nvSpPr>
-          <p:cNvPr id="9" name="Freeform 5">
-            <a:extLst>
-              <a:ext uri="{FF2B5EF4-FFF2-40B4-BE49-F238E27FC236}">
-                <a16:creationId xmlns:a16="http://schemas.microsoft.com/office/drawing/2014/main" id="{2D529E20-662F-4915-ACD7-970C026FDB7F}"/>
-              </a:ext>
-              <a:ext uri="{C183D7F6-B498-43B3-948B-1728B52AA6E4}">
-                <adec:decorative xmlns:adec="http://schemas.microsoft.com/office/drawing/2017/decorative" val="1"/>
-              </a:ext>
-            </a:extLst>
-          </p:cNvPr>
-          <p:cNvSpPr>
-            <a:spLocks noGrp="1" noRot="1" noChangeAspect="1" noMove="1" noResize="1" noEditPoints="1" noAdjustHandles="1" noChangeArrowheads="1" noChangeShapeType="1" noTextEdit="1"/>
-          </p:cNvSpPr>
-          <p:nvPr>
-            <p:extLst>
-              <p:ext uri="{386F3935-93C4-4BCD-93E2-E3B085C9AB24}">
-                <p16:designElem xmlns:p16="http://schemas.microsoft.com/office/powerpoint/2015/main" val="1"/>
-              </p:ext>
-            </p:extLst>
-          </p:nvPr>
-        </p:nvSpPr>
-        <p:spPr bwMode="gray">
-          <a:xfrm rot="5677511" flipH="1">
-            <a:off x="3527283" y="1857885"/>
-            <a:ext cx="3299407" cy="440924"/>
-          </a:xfrm>
-          <a:custGeom>
-            <a:avLst/>
-            <a:gdLst/>
-            <a:ahLst/>
-            <a:cxnLst/>
-            <a:rect l="l" t="t" r="r" b="b"/>
-            <a:pathLst>
-              <a:path w="10000" h="5291">
-                <a:moveTo>
-                  <a:pt x="85" y="2532"/>
-                </a:moveTo>
-                <a:cubicBezTo>
-                  <a:pt x="1736" y="3911"/>
-                  <a:pt x="7524" y="5298"/>
-                  <a:pt x="9958" y="5291"/>
-                </a:cubicBezTo>
-                <a:cubicBezTo>
-                  <a:pt x="9989" y="1958"/>
-                  <a:pt x="9969" y="3333"/>
-                  <a:pt x="10000" y="0"/>
-                </a:cubicBezTo>
-                <a:lnTo>
-                  <a:pt x="10000" y="0"/>
-                </a:lnTo>
-                <a:lnTo>
-                  <a:pt x="9667" y="204"/>
-                </a:lnTo>
-                <a:lnTo>
-                  <a:pt x="9334" y="400"/>
-                </a:lnTo>
-                <a:lnTo>
-                  <a:pt x="9001" y="590"/>
-                </a:lnTo>
-                <a:lnTo>
-                  <a:pt x="8667" y="753"/>
-                </a:lnTo>
-                <a:lnTo>
-                  <a:pt x="8333" y="917"/>
-                </a:lnTo>
-                <a:lnTo>
-                  <a:pt x="7999" y="1071"/>
-                </a:lnTo>
-                <a:lnTo>
-                  <a:pt x="7669" y="1202"/>
-                </a:lnTo>
-                <a:lnTo>
-                  <a:pt x="7333" y="1325"/>
-                </a:lnTo>
-                <a:lnTo>
-                  <a:pt x="7000" y="1440"/>
-                </a:lnTo>
-                <a:lnTo>
-                  <a:pt x="6673" y="1538"/>
-                </a:lnTo>
-                <a:lnTo>
-                  <a:pt x="6340" y="1636"/>
-                </a:lnTo>
-                <a:lnTo>
-                  <a:pt x="6013" y="1719"/>
-                </a:lnTo>
-                <a:lnTo>
-                  <a:pt x="5686" y="1784"/>
-                </a:lnTo>
-                <a:lnTo>
-                  <a:pt x="5359" y="1850"/>
-                </a:lnTo>
-                <a:lnTo>
-                  <a:pt x="5036" y="1906"/>
-                </a:lnTo>
-                <a:lnTo>
-                  <a:pt x="4717" y="1948"/>
-                </a:lnTo>
-                <a:lnTo>
-                  <a:pt x="4396" y="1980"/>
-                </a:lnTo>
-                <a:lnTo>
-                  <a:pt x="4079" y="2013"/>
-                </a:lnTo>
-                <a:lnTo>
-                  <a:pt x="3766" y="2029"/>
-                </a:lnTo>
-                <a:lnTo>
-                  <a:pt x="3454" y="2046"/>
-                </a:lnTo>
-                <a:lnTo>
-                  <a:pt x="3145" y="2053"/>
-                </a:lnTo>
-                <a:lnTo>
-                  <a:pt x="2839" y="2046"/>
-                </a:lnTo>
-                <a:lnTo>
-                  <a:pt x="2537" y="2046"/>
-                </a:lnTo>
-                <a:lnTo>
-                  <a:pt x="2238" y="2029"/>
-                </a:lnTo>
-                <a:lnTo>
-                  <a:pt x="1943" y="2004"/>
-                </a:lnTo>
-                <a:lnTo>
-                  <a:pt x="1653" y="1980"/>
-                </a:lnTo>
-                <a:lnTo>
-                  <a:pt x="1368" y="1955"/>
-                </a:lnTo>
-                <a:lnTo>
-                  <a:pt x="1085" y="1915"/>
-                </a:lnTo>
-                <a:lnTo>
-                  <a:pt x="806" y="1873"/>
-                </a:lnTo>
-                <a:lnTo>
-                  <a:pt x="533" y="1833"/>
-                </a:lnTo>
-                <a:lnTo>
-                  <a:pt x="0" y="1726"/>
-                </a:lnTo>
-                <a:cubicBezTo>
-                  <a:pt x="28" y="1995"/>
-                  <a:pt x="57" y="2263"/>
-                  <a:pt x="85" y="2532"/>
-                </a:cubicBezTo>
-                <a:close/>
-              </a:path>
-            </a:pathLst>
-          </a:custGeom>
-          <a:solidFill>
-            <a:schemeClr val="bg1">
-              <a:alpha val="20000"/>
-            </a:schemeClr>
-          </a:solidFill>
-          <a:ln>
-            <a:noFill/>
-          </a:ln>
-        </p:spPr>
-        <p:txBody>
-          <a:bodyPr/>
-          <a:lstStyle/>
-          <a:p>
-            <a:endParaRPr lang="es-419"/>
-          </a:p>
-        </p:txBody>
-      </p:sp>
-      <p:pic>
-        <p:nvPicPr>
-          <p:cNvPr id="4" name="Picture 3" descr="Diseño de cromosoma púrpura 3D">
-            <a:extLst>
-              <a:ext uri="{FF2B5EF4-FFF2-40B4-BE49-F238E27FC236}">
-                <a16:creationId xmlns:a16="http://schemas.microsoft.com/office/drawing/2014/main" id="{B911E0CD-BF63-CDEE-5AA8-C0825274314B}"/>
-              </a:ext>
-            </a:extLst>
-          </p:cNvPr>
-          <p:cNvPicPr>
-            <a:picLocks noChangeAspect="1"/>
-          </p:cNvPicPr>
-          <p:nvPr/>
-        </p:nvPicPr>
-        <p:blipFill rotWithShape="1">
-          <a:blip r:embed="rId2"/>
-          <a:srcRect l="8435" r="10077" b="-1"/>
-          <a:stretch/>
-        </p:blipFill>
-        <p:spPr>
-          <a:xfrm>
-            <a:off x="423337" y="402166"/>
-            <a:ext cx="4932951" cy="6053670"/>
-          </a:xfrm>
-          <a:custGeom>
-            <a:avLst/>
-            <a:gdLst/>
-            <a:ahLst/>
-            <a:cxnLst/>
-            <a:rect l="l" t="t" r="r" b="b"/>
-            <a:pathLst>
-              <a:path w="4932951" h="6053670">
-                <a:moveTo>
-                  <a:pt x="0" y="0"/>
-                </a:moveTo>
-                <a:lnTo>
-                  <a:pt x="3678393" y="0"/>
-                </a:lnTo>
-                <a:lnTo>
-                  <a:pt x="4478865" y="0"/>
-                </a:lnTo>
-                <a:lnTo>
-                  <a:pt x="4931853" y="0"/>
-                </a:lnTo>
-                <a:lnTo>
-                  <a:pt x="4908487" y="137419"/>
-                </a:lnTo>
-                <a:lnTo>
-                  <a:pt x="4886218" y="274232"/>
-                </a:lnTo>
-                <a:lnTo>
-                  <a:pt x="4864421" y="411650"/>
-                </a:lnTo>
-                <a:lnTo>
-                  <a:pt x="4845759" y="549673"/>
-                </a:lnTo>
-                <a:lnTo>
-                  <a:pt x="4826941" y="687092"/>
-                </a:lnTo>
-                <a:lnTo>
-                  <a:pt x="4809377" y="825115"/>
-                </a:lnTo>
-                <a:lnTo>
-                  <a:pt x="4794322" y="961323"/>
-                </a:lnTo>
-                <a:lnTo>
-                  <a:pt x="4780052" y="1099347"/>
-                </a:lnTo>
-                <a:lnTo>
-                  <a:pt x="4767035" y="1236765"/>
-                </a:lnTo>
-                <a:lnTo>
-                  <a:pt x="4755744" y="1371761"/>
-                </a:lnTo>
-                <a:lnTo>
-                  <a:pt x="4744453" y="1508574"/>
-                </a:lnTo>
-                <a:lnTo>
-                  <a:pt x="4735044" y="1643572"/>
-                </a:lnTo>
-                <a:lnTo>
-                  <a:pt x="4727674" y="1778568"/>
-                </a:lnTo>
-                <a:lnTo>
-                  <a:pt x="4719990" y="1912960"/>
-                </a:lnTo>
-                <a:lnTo>
-                  <a:pt x="4713560" y="2046141"/>
-                </a:lnTo>
-                <a:lnTo>
-                  <a:pt x="4709012" y="2178111"/>
-                </a:lnTo>
-                <a:lnTo>
-                  <a:pt x="4705092" y="2310081"/>
-                </a:lnTo>
-                <a:lnTo>
-                  <a:pt x="4701328" y="2440840"/>
-                </a:lnTo>
-                <a:lnTo>
-                  <a:pt x="4699603" y="2569783"/>
-                </a:lnTo>
-                <a:lnTo>
-                  <a:pt x="4697721" y="2698726"/>
-                </a:lnTo>
-                <a:lnTo>
-                  <a:pt x="4696780" y="2825853"/>
-                </a:lnTo>
-                <a:lnTo>
-                  <a:pt x="4697721" y="2951770"/>
-                </a:lnTo>
-                <a:lnTo>
-                  <a:pt x="4697721" y="3076475"/>
-                </a:lnTo>
-                <a:lnTo>
-                  <a:pt x="4699603" y="3199970"/>
-                </a:lnTo>
-                <a:lnTo>
-                  <a:pt x="4702426" y="3321043"/>
-                </a:lnTo>
-                <a:lnTo>
-                  <a:pt x="4705092" y="3440906"/>
-                </a:lnTo>
-                <a:lnTo>
-                  <a:pt x="4708071" y="3558347"/>
-                </a:lnTo>
-                <a:lnTo>
-                  <a:pt x="4712619" y="3675183"/>
-                </a:lnTo>
-                <a:lnTo>
-                  <a:pt x="4717480" y="3790203"/>
-                </a:lnTo>
-                <a:lnTo>
-                  <a:pt x="4721871" y="3902801"/>
-                </a:lnTo>
-                <a:lnTo>
-                  <a:pt x="4734260" y="4122549"/>
-                </a:lnTo>
-                <a:lnTo>
-                  <a:pt x="4747433" y="4333217"/>
-                </a:lnTo>
-                <a:lnTo>
-                  <a:pt x="4761233" y="4535409"/>
-                </a:lnTo>
-                <a:lnTo>
-                  <a:pt x="4776445" y="4726705"/>
-                </a:lnTo>
-                <a:lnTo>
-                  <a:pt x="4792283" y="4909526"/>
-                </a:lnTo>
-                <a:lnTo>
-                  <a:pt x="4809377" y="5079029"/>
-                </a:lnTo>
-                <a:lnTo>
-                  <a:pt x="4826157" y="5238240"/>
-                </a:lnTo>
-                <a:lnTo>
-                  <a:pt x="4842936" y="5384739"/>
-                </a:lnTo>
-                <a:lnTo>
-                  <a:pt x="4858775" y="5519131"/>
-                </a:lnTo>
-                <a:lnTo>
-                  <a:pt x="4873830" y="5638388"/>
-                </a:lnTo>
-                <a:lnTo>
-                  <a:pt x="4888100" y="5746143"/>
-                </a:lnTo>
-                <a:lnTo>
-                  <a:pt x="4900019" y="5836948"/>
-                </a:lnTo>
-                <a:lnTo>
-                  <a:pt x="4911310" y="5913225"/>
-                </a:lnTo>
-                <a:lnTo>
-                  <a:pt x="4927462" y="6017953"/>
-                </a:lnTo>
-                <a:lnTo>
-                  <a:pt x="4932951" y="6053670"/>
-                </a:lnTo>
-                <a:lnTo>
-                  <a:pt x="4478865" y="6053670"/>
-                </a:lnTo>
-                <a:lnTo>
-                  <a:pt x="3683097" y="6053670"/>
-                </a:lnTo>
-                <a:lnTo>
-                  <a:pt x="0" y="6053670"/>
-                </a:lnTo>
-                <a:close/>
-              </a:path>
-            </a:pathLst>
-          </a:custGeom>
-        </p:spPr>
-      </p:pic>
-      <p:sp>
-        <p:nvSpPr>
-          <p:cNvPr id="11" name="Freeform 5">
-            <a:extLst>
-              <a:ext uri="{FF2B5EF4-FFF2-40B4-BE49-F238E27FC236}">
-                <a16:creationId xmlns:a16="http://schemas.microsoft.com/office/drawing/2014/main" id="{1AD5EB79-7F9A-4BBC-92A5-188382CBA1B6}"/>
-              </a:ext>
-              <a:ext uri="{C183D7F6-B498-43B3-948B-1728B52AA6E4}">
-                <adec:decorative xmlns:adec="http://schemas.microsoft.com/office/drawing/2017/decorative" val="1"/>
-              </a:ext>
-            </a:extLst>
-          </p:cNvPr>
-          <p:cNvSpPr>
-            <a:spLocks noGrp="1" noRot="1" noChangeAspect="1" noMove="1" noResize="1" noEditPoints="1" noAdjustHandles="1" noChangeArrowheads="1" noChangeShapeType="1" noTextEdit="1"/>
-          </p:cNvSpPr>
-          <p:nvPr>
-            <p:extLst>
-              <p:ext uri="{386F3935-93C4-4BCD-93E2-E3B085C9AB24}">
-                <p16:designElem xmlns:p16="http://schemas.microsoft.com/office/powerpoint/2015/main" val="1"/>
-              </p:ext>
-            </p:extLst>
-          </p:nvPr>
-        </p:nvSpPr>
-        <p:spPr bwMode="gray">
-          <a:xfrm>
-            <a:off x="0" y="1587"/>
-            <a:ext cx="12192000" cy="6856413"/>
-          </a:xfrm>
-          <a:custGeom>
-            <a:avLst/>
-            <a:gdLst/>
-            <a:ahLst/>
-            <a:cxnLst/>
-            <a:rect l="0" t="0" r="r" b="b"/>
-            <a:pathLst>
-              <a:path w="15356" h="8638">
-                <a:moveTo>
-                  <a:pt x="0" y="0"/>
-                </a:moveTo>
-                <a:lnTo>
-                  <a:pt x="0" y="8638"/>
-                </a:lnTo>
-                <a:lnTo>
-                  <a:pt x="15356" y="8638"/>
-                </a:lnTo>
-                <a:lnTo>
-                  <a:pt x="15356" y="0"/>
-                </a:lnTo>
-                <a:lnTo>
-                  <a:pt x="0" y="0"/>
-                </a:lnTo>
-                <a:close/>
-                <a:moveTo>
-                  <a:pt x="14748" y="8038"/>
-                </a:moveTo>
-                <a:lnTo>
-                  <a:pt x="600" y="8038"/>
-                </a:lnTo>
-                <a:lnTo>
-                  <a:pt x="600" y="592"/>
-                </a:lnTo>
-                <a:lnTo>
-                  <a:pt x="14748" y="592"/>
-                </a:lnTo>
-                <a:lnTo>
-                  <a:pt x="14748" y="8038"/>
-                </a:lnTo>
-                <a:close/>
-              </a:path>
-            </a:pathLst>
-          </a:custGeom>
-          <a:solidFill>
-            <a:schemeClr val="bg1"/>
-          </a:solidFill>
-          <a:ln>
-            <a:noFill/>
-          </a:ln>
-        </p:spPr>
-        <p:txBody>
-          <a:bodyPr/>
-          <a:lstStyle/>
-          <a:p>
-            <a:endParaRPr lang="es-419"/>
-          </a:p>
-        </p:txBody>
-      </p:sp>
-      <p:sp>
-        <p:nvSpPr>
-          <p:cNvPr id="2" name="Título 1">
-            <a:extLst>
-              <a:ext uri="{FF2B5EF4-FFF2-40B4-BE49-F238E27FC236}">
-                <a16:creationId xmlns:a16="http://schemas.microsoft.com/office/drawing/2014/main" id="{5105512F-6638-662A-1660-3AAB0832567F}"/>
-              </a:ext>
-            </a:extLst>
-          </p:cNvPr>
-          <p:cNvSpPr>
-            <a:spLocks noGrp="1"/>
-          </p:cNvSpPr>
-          <p:nvPr>
-            <p:ph type="ctrTitle"/>
-          </p:nvPr>
-        </p:nvSpPr>
-        <p:spPr>
-          <a:xfrm>
-            <a:off x="5695061" y="1241266"/>
-            <a:ext cx="5428551" cy="3153753"/>
-          </a:xfrm>
-        </p:spPr>
-        <p:txBody>
-          <a:bodyPr>
-            <a:normAutofit/>
-          </a:bodyPr>
-          <a:lstStyle/>
-          <a:p>
-            <a:r>
-              <a:rPr lang="es-MX"/>
-              <a:t>Conclusiones</a:t>
-            </a:r>
-            <a:endParaRPr lang="es-419"/>
-          </a:p>
-        </p:txBody>
-      </p:sp>
-      <p:sp>
-        <p:nvSpPr>
-          <p:cNvPr id="13" name="Rectangle 12">
-            <a:extLst>
-              <a:ext uri="{FF2B5EF4-FFF2-40B4-BE49-F238E27FC236}">
-                <a16:creationId xmlns:a16="http://schemas.microsoft.com/office/drawing/2014/main" id="{B9B8A17F-DC3A-4D9A-AA53-9BFB894CD7BA}"/>
-              </a:ext>
-              <a:ext uri="{C183D7F6-B498-43B3-948B-1728B52AA6E4}">
-                <adec:decorative xmlns:adec="http://schemas.microsoft.com/office/drawing/2017/decorative" val="1"/>
-              </a:ext>
-            </a:extLst>
-          </p:cNvPr>
-          <p:cNvSpPr>
-            <a:spLocks noGrp="1" noRot="1" noChangeAspect="1" noMove="1" noResize="1" noEditPoints="1" noAdjustHandles="1" noChangeArrowheads="1" noChangeShapeType="1" noTextEdit="1"/>
-          </p:cNvSpPr>
-          <p:nvPr>
-            <p:extLst>
-              <p:ext uri="{386F3935-93C4-4BCD-93E2-E3B085C9AB24}">
-                <p16:designElem xmlns:p16="http://schemas.microsoft.com/office/powerpoint/2015/main" val="1"/>
-              </p:ext>
-            </p:extLst>
-          </p:nvPr>
-        </p:nvSpPr>
-        <p:spPr>
-          <a:xfrm>
-            <a:off x="10437812" y="0"/>
-            <a:ext cx="685800" cy="1143000"/>
-          </a:xfrm>
-          <a:prstGeom prst="rect">
-            <a:avLst/>
-          </a:prstGeom>
-          <a:solidFill>
-            <a:schemeClr val="accent1"/>
-          </a:solidFill>
-          <a:ln>
-            <a:noFill/>
-          </a:ln>
-        </p:spPr>
-        <p:style>
-          <a:lnRef idx="1">
-            <a:schemeClr val="accent1"/>
-          </a:lnRef>
-          <a:fillRef idx="3">
-            <a:schemeClr val="accent1"/>
-          </a:fillRef>
-          <a:effectRef idx="2">
-            <a:schemeClr val="accent1"/>
-          </a:effectRef>
-          <a:fontRef idx="minor">
-            <a:schemeClr val="lt1"/>
-          </a:fontRef>
-        </p:style>
-        <p:txBody>
-          <a:bodyPr/>
-          <a:lstStyle/>
-          <a:p>
-            <a:endParaRPr lang="es-419"/>
-          </a:p>
-        </p:txBody>
-      </p:sp>
-    </p:spTree>
-    <p:extLst>
-      <p:ext uri="{BB962C8B-B14F-4D97-AF65-F5344CB8AC3E}">
-        <p14:creationId xmlns:p14="http://schemas.microsoft.com/office/powerpoint/2010/main" val="832664466"/>
-      </p:ext>
-    </p:extLst>
-  </p:cSld>
-  <p:clrMapOvr>
-    <a:masterClrMapping/>
-  </p:clrMapOvr>
-  <p:timing>
-    <p:tnLst>
-      <p:par>
-        <p:cTn id="1" dur="indefinite" restart="never" nodeType="tmRoot">
-          <p:childTnLst>
-            <p:seq concurrent="1" nextAc="seek">
-              <p:cTn id="2" dur="indefinite" nodeType="mainSeq">
-                <p:childTnLst>
-                  <p:par>
-                    <p:cTn id="3" fill="hold">
-                      <p:stCondLst>
-                        <p:cond delay="indefinite"/>
-                        <p:cond evt="onBegin" delay="0">
-                          <p:tn val="2"/>
-                        </p:cond>
-                      </p:stCondLst>
-                      <p:childTnLst>
-                        <p:par>
-                          <p:cTn id="4" fill="hold">
-                            <p:stCondLst>
-                              <p:cond delay="0"/>
-                            </p:stCondLst>
-                            <p:childTnLst>
-                              <p:par>
-                                <p:cTn id="5" presetID="10" presetClass="entr" presetSubtype="0" fill="hold" grpId="0" nodeType="withEffect">
-                                  <p:stCondLst>
-                                    <p:cond delay="1000"/>
-                                  </p:stCondLst>
-                                  <p:iterate type="lt">
-                                    <p:tmPct val="10000"/>
-                                  </p:iterate>
-                                  <p:childTnLst>
-                                    <p:set>
-                                      <p:cBhvr>
-                                        <p:cTn id="6" dur="1" fill="hold">
-                                          <p:stCondLst>
-                                            <p:cond delay="0"/>
-                                          </p:stCondLst>
-                                        </p:cTn>
-                                        <p:tgtEl>
-                                          <p:spTgt spid="2"/>
-                                        </p:tgtEl>
-                                        <p:attrNameLst>
-                                          <p:attrName>style.visibility</p:attrName>
-                                        </p:attrNameLst>
-                                      </p:cBhvr>
-                                      <p:to>
-                                        <p:strVal val="visible"/>
-                                      </p:to>
-                                    </p:set>
-                                    <p:animEffect transition="in" filter="fade">
-                                      <p:cBhvr>
-                                        <p:cTn id="7" dur="400"/>
-                                        <p:tgtEl>
-                                          <p:spTgt spid="2"/>
-                                        </p:tgtEl>
-                                      </p:cBhvr>
-                                    </p:animEffect>
-                                  </p:childTnLst>
-                                </p:cTn>
-                              </p:par>
-                            </p:childTnLst>
-                          </p:cTn>
-                        </p:par>
-                      </p:childTnLst>
-                    </p:cTn>
-                  </p:par>
-                </p:childTnLst>
-              </p:cTn>
-              <p:prevCondLst>
-                <p:cond evt="onPrev" delay="0">
-                  <p:tgtEl>
-                    <p:sldTgt/>
-                  </p:tgtEl>
-                </p:cond>
-              </p:prevCondLst>
-              <p:nextCondLst>
-                <p:cond evt="onNext" delay="0">
-                  <p:tgtEl>
-                    <p:sldTgt/>
-                  </p:tgtEl>
-                </p:cond>
-              </p:nextCondLst>
-            </p:seq>
-          </p:childTnLst>
-        </p:cTn>
-      </p:par>
-    </p:tnLst>
-    <p:bldLst>
-      <p:bldP spid="2" grpId="0"/>
-    </p:bldLst>
-  </p:timing>
 </p:sld>
 </file>
 
@@ -23275,12 +24385,11 @@
 </file>
 
 <file path=customXml/item1.xml><?xml version="1.0" encoding="utf-8"?>
-<?mso-contentType ?>
-<FormTemplates xmlns="http://schemas.microsoft.com/sharepoint/v3/contenttype/forms">
-  <Display>DocumentLibraryForm</Display>
-  <Edit>DocumentLibraryForm</Edit>
-  <New>DocumentLibraryForm</New>
-</FormTemplates>
+<p:properties xmlns:p="http://schemas.microsoft.com/office/2006/metadata/properties" xmlns:xsi="http://www.w3.org/2001/XMLSchema-instance" xmlns:pc="http://schemas.microsoft.com/office/infopath/2007/PartnerControls">
+  <documentManagement>
+    <_activity xmlns="19c56207-732c-4b05-ab77-252b3028a107" xsi:nil="true"/>
+  </documentManagement>
+</p:properties>
 </file>
 
 <file path=customXml/item2.xml><?xml version="1.0" encoding="utf-8"?>
@@ -23511,17 +24620,27 @@
 </file>
 
 <file path=customXml/item3.xml><?xml version="1.0" encoding="utf-8"?>
-<p:properties xmlns:p="http://schemas.microsoft.com/office/2006/metadata/properties" xmlns:xsi="http://www.w3.org/2001/XMLSchema-instance" xmlns:pc="http://schemas.microsoft.com/office/infopath/2007/PartnerControls">
-  <documentManagement>
-    <_activity xmlns="19c56207-732c-4b05-ab77-252b3028a107" xsi:nil="true"/>
-  </documentManagement>
-</p:properties>
+<?mso-contentType ?>
+<FormTemplates xmlns="http://schemas.microsoft.com/sharepoint/v3/contenttype/forms">
+  <Display>DocumentLibraryForm</Display>
+  <Edit>DocumentLibraryForm</Edit>
+  <New>DocumentLibraryForm</New>
+</FormTemplates>
 </file>
 
 <file path=customXml/itemProps1.xml><?xml version="1.0" encoding="utf-8"?>
-<ds:datastoreItem xmlns:ds="http://schemas.openxmlformats.org/officeDocument/2006/customXml" ds:itemID="{451FD219-89BA-47CE-9F0D-AEA2BA15A78A}">
+<ds:datastoreItem xmlns:ds="http://schemas.openxmlformats.org/officeDocument/2006/customXml" ds:itemID="{E96DDE05-BB84-4840-A2EA-C64119F08674}">
   <ds:schemaRefs>
-    <ds:schemaRef ds:uri="http://schemas.microsoft.com/sharepoint/v3/contenttype/forms"/>
+    <ds:schemaRef ds:uri="acf8ef74-b74a-4dff-b4d5-0c54046656f1"/>
+    <ds:schemaRef ds:uri="http://purl.org/dc/dcmitype/"/>
+    <ds:schemaRef ds:uri="http://purl.org/dc/elements/1.1/"/>
+    <ds:schemaRef ds:uri="http://schemas.microsoft.com/office/2006/metadata/properties"/>
+    <ds:schemaRef ds:uri="http://www.w3.org/XML/1998/namespace"/>
+    <ds:schemaRef ds:uri="19c56207-732c-4b05-ab77-252b3028a107"/>
+    <ds:schemaRef ds:uri="http://schemas.microsoft.com/office/2006/documentManagement/types"/>
+    <ds:schemaRef ds:uri="http://purl.org/dc/terms/"/>
+    <ds:schemaRef ds:uri="http://schemas.microsoft.com/office/infopath/2007/PartnerControls"/>
+    <ds:schemaRef ds:uri="http://schemas.openxmlformats.org/package/2006/metadata/core-properties"/>
   </ds:schemaRefs>
 </ds:datastoreItem>
 </file>
@@ -23546,18 +24665,9 @@
 </file>
 
 <file path=customXml/itemProps3.xml><?xml version="1.0" encoding="utf-8"?>
-<ds:datastoreItem xmlns:ds="http://schemas.openxmlformats.org/officeDocument/2006/customXml" ds:itemID="{E96DDE05-BB84-4840-A2EA-C64119F08674}">
+<ds:datastoreItem xmlns:ds="http://schemas.openxmlformats.org/officeDocument/2006/customXml" ds:itemID="{451FD219-89BA-47CE-9F0D-AEA2BA15A78A}">
   <ds:schemaRefs>
-    <ds:schemaRef ds:uri="acf8ef74-b74a-4dff-b4d5-0c54046656f1"/>
-    <ds:schemaRef ds:uri="http://purl.org/dc/dcmitype/"/>
-    <ds:schemaRef ds:uri="http://purl.org/dc/elements/1.1/"/>
-    <ds:schemaRef ds:uri="http://schemas.microsoft.com/office/2006/metadata/properties"/>
-    <ds:schemaRef ds:uri="http://www.w3.org/XML/1998/namespace"/>
-    <ds:schemaRef ds:uri="19c56207-732c-4b05-ab77-252b3028a107"/>
-    <ds:schemaRef ds:uri="http://schemas.microsoft.com/office/2006/documentManagement/types"/>
-    <ds:schemaRef ds:uri="http://purl.org/dc/terms/"/>
-    <ds:schemaRef ds:uri="http://schemas.microsoft.com/office/infopath/2007/PartnerControls"/>
-    <ds:schemaRef ds:uri="http://schemas.openxmlformats.org/package/2006/metadata/core-properties"/>
+    <ds:schemaRef ds:uri="http://schemas.microsoft.com/sharepoint/v3/contenttype/forms"/>
   </ds:schemaRefs>
 </ds:datastoreItem>
 </file>